--- a/notes/Oct_26_averaging_and_toy2.pptx
+++ b/notes/Oct_26_averaging_and_toy2.pptx
@@ -8,6 +8,9 @@
     <p:sldId id="256" r:id="rId2"/>
     <p:sldId id="258" r:id="rId3"/>
     <p:sldId id="257" r:id="rId4"/>
+    <p:sldId id="261" r:id="rId5"/>
+    <p:sldId id="259" r:id="rId6"/>
+    <p:sldId id="260" r:id="rId7"/>
   </p:sldIdLst>
   <p:sldSz cx="12192000" cy="6858000"/>
   <p:notesSz cx="6858000" cy="9144000"/>
@@ -106,13 +109,18 @@
       </a:defRPr>
     </a:lvl9pPr>
   </p:defaultTextStyle>
+  <p:extLst>
+    <p:ext uri="{EFAFB233-063F-42B5-8137-9DF3F51BA10A}">
+      <p15:sldGuideLst xmlns:p15="http://schemas.microsoft.com/office/powerpoint/2012/main"/>
+    </p:ext>
+  </p:extLst>
 </p:presentation>
 </file>
 
 <file path=ppt/revisionInfo.xml><?xml version="1.0" encoding="utf-8"?>
 <p1510:revInfo xmlns:a="http://schemas.openxmlformats.org/drawingml/2006/main" xmlns:r="http://schemas.openxmlformats.org/officeDocument/2006/relationships" xmlns:p1510="http://schemas.microsoft.com/office/powerpoint/2015/10/main">
   <p1510:revLst>
-    <p1510:client id="{61DBC332-9CC0-465A-AB04-996F0238E80A}" v="2" dt="2021-10-26T23:03:38.413"/>
+    <p1510:client id="{61DBC332-9CC0-465A-AB04-996F0238E80A}" v="55" dt="2021-11-01T18:53:14.278"/>
   </p1510:revLst>
 </p1510:revInfo>
 </file>
@@ -121,8 +129,8 @@
 <pc:chgInfo xmlns:a="http://schemas.openxmlformats.org/drawingml/2006/main" xmlns:r="http://schemas.openxmlformats.org/officeDocument/2006/relationships" xmlns:ac="http://schemas.microsoft.com/office/drawing/2013/main/command" xmlns:pc="http://schemas.microsoft.com/office/powerpoint/2013/main/command">
   <pc:docChgLst>
     <pc:chgData name="Katie Johnston" userId="a8803450-7667-44c1-ac00-9653f319424f" providerId="ADAL" clId="{61DBC332-9CC0-465A-AB04-996F0238E80A}"/>
-    <pc:docChg chg="custSel addSld modSld">
-      <pc:chgData name="Katie Johnston" userId="a8803450-7667-44c1-ac00-9653f319424f" providerId="ADAL" clId="{61DBC332-9CC0-465A-AB04-996F0238E80A}" dt="2021-10-26T23:04:20.401" v="158" actId="20577"/>
+    <pc:docChg chg="undo custSel addSld modSld sldOrd">
+      <pc:chgData name="Katie Johnston" userId="a8803450-7667-44c1-ac00-9653f319424f" providerId="ADAL" clId="{61DBC332-9CC0-465A-AB04-996F0238E80A}" dt="2021-11-01T18:54:32.496" v="491" actId="313"/>
       <pc:docMkLst>
         <pc:docMk/>
       </pc:docMkLst>
@@ -180,6 +188,251 @@
           </ac:picMkLst>
         </pc:picChg>
       </pc:sldChg>
+      <pc:sldChg chg="addSp delSp modSp new mod">
+        <pc:chgData name="Katie Johnston" userId="a8803450-7667-44c1-ac00-9653f319424f" providerId="ADAL" clId="{61DBC332-9CC0-465A-AB04-996F0238E80A}" dt="2021-11-01T18:43:38.006" v="174" actId="1076"/>
+        <pc:sldMkLst>
+          <pc:docMk/>
+          <pc:sldMk cId="4013676717" sldId="259"/>
+        </pc:sldMkLst>
+        <pc:spChg chg="del">
+          <ac:chgData name="Katie Johnston" userId="a8803450-7667-44c1-ac00-9653f319424f" providerId="ADAL" clId="{61DBC332-9CC0-465A-AB04-996F0238E80A}" dt="2021-11-01T18:43:02.238" v="165" actId="478"/>
+          <ac:spMkLst>
+            <pc:docMk/>
+            <pc:sldMk cId="4013676717" sldId="259"/>
+            <ac:spMk id="2" creationId="{5B081F64-CE16-43D6-95F9-AD9A66CC9C43}"/>
+          </ac:spMkLst>
+        </pc:spChg>
+        <pc:spChg chg="del mod">
+          <ac:chgData name="Katie Johnston" userId="a8803450-7667-44c1-ac00-9653f319424f" providerId="ADAL" clId="{61DBC332-9CC0-465A-AB04-996F0238E80A}" dt="2021-11-01T18:43:03.620" v="166" actId="478"/>
+          <ac:spMkLst>
+            <pc:docMk/>
+            <pc:sldMk cId="4013676717" sldId="259"/>
+            <ac:spMk id="3" creationId="{224EAA90-320B-47C6-AA4F-AA8CC5B3451F}"/>
+          </ac:spMkLst>
+        </pc:spChg>
+        <pc:picChg chg="add mod">
+          <ac:chgData name="Katie Johnston" userId="a8803450-7667-44c1-ac00-9653f319424f" providerId="ADAL" clId="{61DBC332-9CC0-465A-AB04-996F0238E80A}" dt="2021-11-01T18:42:43.077" v="161" actId="1076"/>
+          <ac:picMkLst>
+            <pc:docMk/>
+            <pc:sldMk cId="4013676717" sldId="259"/>
+            <ac:picMk id="1026" creationId="{D271FE50-61CE-4F9E-9434-DF7286857300}"/>
+          </ac:picMkLst>
+        </pc:picChg>
+        <pc:picChg chg="add mod">
+          <ac:chgData name="Katie Johnston" userId="a8803450-7667-44c1-ac00-9653f319424f" providerId="ADAL" clId="{61DBC332-9CC0-465A-AB04-996F0238E80A}" dt="2021-11-01T18:42:53.887" v="163" actId="1076"/>
+          <ac:picMkLst>
+            <pc:docMk/>
+            <pc:sldMk cId="4013676717" sldId="259"/>
+            <ac:picMk id="1028" creationId="{1D4F1EF1-2482-418F-9050-4BED1092A09C}"/>
+          </ac:picMkLst>
+        </pc:picChg>
+        <pc:picChg chg="add mod">
+          <ac:chgData name="Katie Johnston" userId="a8803450-7667-44c1-ac00-9653f319424f" providerId="ADAL" clId="{61DBC332-9CC0-465A-AB04-996F0238E80A}" dt="2021-11-01T18:43:18.967" v="170" actId="1076"/>
+          <ac:picMkLst>
+            <pc:docMk/>
+            <pc:sldMk cId="4013676717" sldId="259"/>
+            <ac:picMk id="1030" creationId="{57060197-1CD2-4299-ACAC-53DC2784B539}"/>
+          </ac:picMkLst>
+        </pc:picChg>
+        <pc:picChg chg="add mod">
+          <ac:chgData name="Katie Johnston" userId="a8803450-7667-44c1-ac00-9653f319424f" providerId="ADAL" clId="{61DBC332-9CC0-465A-AB04-996F0238E80A}" dt="2021-11-01T18:43:22.381" v="172" actId="1076"/>
+          <ac:picMkLst>
+            <pc:docMk/>
+            <pc:sldMk cId="4013676717" sldId="259"/>
+            <ac:picMk id="1032" creationId="{478772BB-401C-4AA2-968B-DCD8A9FE90B7}"/>
+          </ac:picMkLst>
+        </pc:picChg>
+        <pc:picChg chg="add mod">
+          <ac:chgData name="Katie Johnston" userId="a8803450-7667-44c1-ac00-9653f319424f" providerId="ADAL" clId="{61DBC332-9CC0-465A-AB04-996F0238E80A}" dt="2021-11-01T18:43:38.006" v="174" actId="1076"/>
+          <ac:picMkLst>
+            <pc:docMk/>
+            <pc:sldMk cId="4013676717" sldId="259"/>
+            <ac:picMk id="1034" creationId="{1989C5A8-1F13-4C62-847E-959C112269F4}"/>
+          </ac:picMkLst>
+        </pc:picChg>
+      </pc:sldChg>
+      <pc:sldChg chg="addSp delSp modSp new mod">
+        <pc:chgData name="Katie Johnston" userId="a8803450-7667-44c1-ac00-9653f319424f" providerId="ADAL" clId="{61DBC332-9CC0-465A-AB04-996F0238E80A}" dt="2021-11-01T18:48:38.981" v="209" actId="1076"/>
+        <pc:sldMkLst>
+          <pc:docMk/>
+          <pc:sldMk cId="1374998937" sldId="260"/>
+        </pc:sldMkLst>
+        <pc:spChg chg="mod">
+          <ac:chgData name="Katie Johnston" userId="a8803450-7667-44c1-ac00-9653f319424f" providerId="ADAL" clId="{61DBC332-9CC0-465A-AB04-996F0238E80A}" dt="2021-11-01T18:47:25.383" v="188" actId="20577"/>
+          <ac:spMkLst>
+            <pc:docMk/>
+            <pc:sldMk cId="1374998937" sldId="260"/>
+            <ac:spMk id="2" creationId="{655D6C05-EC7A-4108-8D18-6DA6473C2516}"/>
+          </ac:spMkLst>
+        </pc:spChg>
+        <pc:spChg chg="del mod">
+          <ac:chgData name="Katie Johnston" userId="a8803450-7667-44c1-ac00-9653f319424f" providerId="ADAL" clId="{61DBC332-9CC0-465A-AB04-996F0238E80A}" dt="2021-11-01T18:47:29.895" v="190" actId="478"/>
+          <ac:spMkLst>
+            <pc:docMk/>
+            <pc:sldMk cId="1374998937" sldId="260"/>
+            <ac:spMk id="3" creationId="{3A18400A-3E27-408E-B6F4-C76D2F8CF2E9}"/>
+          </ac:spMkLst>
+        </pc:spChg>
+        <pc:picChg chg="add mod">
+          <ac:chgData name="Katie Johnston" userId="a8803450-7667-44c1-ac00-9653f319424f" providerId="ADAL" clId="{61DBC332-9CC0-465A-AB04-996F0238E80A}" dt="2021-11-01T18:48:38.981" v="209" actId="1076"/>
+          <ac:picMkLst>
+            <pc:docMk/>
+            <pc:sldMk cId="1374998937" sldId="260"/>
+            <ac:picMk id="8" creationId="{B1A92860-4218-47F9-A33D-5E2D78CD7C5A}"/>
+          </ac:picMkLst>
+        </pc:picChg>
+        <pc:picChg chg="add mod">
+          <ac:chgData name="Katie Johnston" userId="a8803450-7667-44c1-ac00-9653f319424f" providerId="ADAL" clId="{61DBC332-9CC0-465A-AB04-996F0238E80A}" dt="2021-11-01T18:48:35.334" v="208" actId="1076"/>
+          <ac:picMkLst>
+            <pc:docMk/>
+            <pc:sldMk cId="1374998937" sldId="260"/>
+            <ac:picMk id="9" creationId="{74812B3F-C72E-4101-B5F0-B5BDF2A385DA}"/>
+          </ac:picMkLst>
+        </pc:picChg>
+        <pc:picChg chg="add mod">
+          <ac:chgData name="Katie Johnston" userId="a8803450-7667-44c1-ac00-9653f319424f" providerId="ADAL" clId="{61DBC332-9CC0-465A-AB04-996F0238E80A}" dt="2021-11-01T18:48:31.597" v="207" actId="1076"/>
+          <ac:picMkLst>
+            <pc:docMk/>
+            <pc:sldMk cId="1374998937" sldId="260"/>
+            <ac:picMk id="10" creationId="{5AC6F749-BB15-4B4C-A88B-AA8127ED0FE0}"/>
+          </ac:picMkLst>
+        </pc:picChg>
+        <pc:picChg chg="add mod">
+          <ac:chgData name="Katie Johnston" userId="a8803450-7667-44c1-ac00-9653f319424f" providerId="ADAL" clId="{61DBC332-9CC0-465A-AB04-996F0238E80A}" dt="2021-11-01T18:48:27.149" v="206" actId="1076"/>
+          <ac:picMkLst>
+            <pc:docMk/>
+            <pc:sldMk cId="1374998937" sldId="260"/>
+            <ac:picMk id="11" creationId="{4B989E9C-08B7-409C-A5EF-474B97386739}"/>
+          </ac:picMkLst>
+        </pc:picChg>
+        <pc:picChg chg="add mod">
+          <ac:chgData name="Katie Johnston" userId="a8803450-7667-44c1-ac00-9653f319424f" providerId="ADAL" clId="{61DBC332-9CC0-465A-AB04-996F0238E80A}" dt="2021-11-01T18:47:32.301" v="192" actId="1076"/>
+          <ac:picMkLst>
+            <pc:docMk/>
+            <pc:sldMk cId="1374998937" sldId="260"/>
+            <ac:picMk id="2050" creationId="{813CE9E5-50A3-4B35-935C-C2AE9827454C}"/>
+          </ac:picMkLst>
+        </pc:picChg>
+        <pc:picChg chg="add mod">
+          <ac:chgData name="Katie Johnston" userId="a8803450-7667-44c1-ac00-9653f319424f" providerId="ADAL" clId="{61DBC332-9CC0-465A-AB04-996F0238E80A}" dt="2021-11-01T18:48:11.093" v="201" actId="1076"/>
+          <ac:picMkLst>
+            <pc:docMk/>
+            <pc:sldMk cId="1374998937" sldId="260"/>
+            <ac:picMk id="2052" creationId="{184B9D9E-78EE-4E6B-8A33-25D90EF9D464}"/>
+          </ac:picMkLst>
+        </pc:picChg>
+        <pc:picChg chg="add mod">
+          <ac:chgData name="Katie Johnston" userId="a8803450-7667-44c1-ac00-9653f319424f" providerId="ADAL" clId="{61DBC332-9CC0-465A-AB04-996F0238E80A}" dt="2021-11-01T18:48:12.518" v="202" actId="1076"/>
+          <ac:picMkLst>
+            <pc:docMk/>
+            <pc:sldMk cId="1374998937" sldId="260"/>
+            <ac:picMk id="2054" creationId="{985B25BE-4B55-404F-80EB-C3403746F43F}"/>
+          </ac:picMkLst>
+        </pc:picChg>
+        <pc:picChg chg="add mod">
+          <ac:chgData name="Katie Johnston" userId="a8803450-7667-44c1-ac00-9653f319424f" providerId="ADAL" clId="{61DBC332-9CC0-465A-AB04-996F0238E80A}" dt="2021-11-01T18:48:14.733" v="203" actId="1076"/>
+          <ac:picMkLst>
+            <pc:docMk/>
+            <pc:sldMk cId="1374998937" sldId="260"/>
+            <ac:picMk id="2056" creationId="{2ECB46EA-2275-4C6F-B48C-ECFD2E2C3082}"/>
+          </ac:picMkLst>
+        </pc:picChg>
+      </pc:sldChg>
+      <pc:sldChg chg="addSp delSp modSp new mod ord">
+        <pc:chgData name="Katie Johnston" userId="a8803450-7667-44c1-ac00-9653f319424f" providerId="ADAL" clId="{61DBC332-9CC0-465A-AB04-996F0238E80A}" dt="2021-11-01T18:54:32.496" v="491" actId="313"/>
+        <pc:sldMkLst>
+          <pc:docMk/>
+          <pc:sldMk cId="3980966848" sldId="261"/>
+        </pc:sldMkLst>
+        <pc:spChg chg="mod">
+          <ac:chgData name="Katie Johnston" userId="a8803450-7667-44c1-ac00-9653f319424f" providerId="ADAL" clId="{61DBC332-9CC0-465A-AB04-996F0238E80A}" dt="2021-11-01T18:50:43.912" v="249" actId="14100"/>
+          <ac:spMkLst>
+            <pc:docMk/>
+            <pc:sldMk cId="3980966848" sldId="261"/>
+            <ac:spMk id="2" creationId="{42D81442-497B-4093-B18A-4FD8FF5DD56B}"/>
+          </ac:spMkLst>
+        </pc:spChg>
+        <pc:spChg chg="del">
+          <ac:chgData name="Katie Johnston" userId="a8803450-7667-44c1-ac00-9653f319424f" providerId="ADAL" clId="{61DBC332-9CC0-465A-AB04-996F0238E80A}" dt="2021-11-01T18:50:47.457" v="250" actId="478"/>
+          <ac:spMkLst>
+            <pc:docMk/>
+            <pc:sldMk cId="3980966848" sldId="261"/>
+            <ac:spMk id="3" creationId="{8889A7FA-D63E-49D1-8998-EE370096B2AB}"/>
+          </ac:spMkLst>
+        </pc:spChg>
+        <pc:spChg chg="add mod">
+          <ac:chgData name="Katie Johnston" userId="a8803450-7667-44c1-ac00-9653f319424f" providerId="ADAL" clId="{61DBC332-9CC0-465A-AB04-996F0238E80A}" dt="2021-11-01T18:54:32.496" v="491" actId="313"/>
+          <ac:spMkLst>
+            <pc:docMk/>
+            <pc:sldMk cId="3980966848" sldId="261"/>
+            <ac:spMk id="6" creationId="{E31C9604-E0D7-4F2F-9889-D80EE18C5D25}"/>
+          </ac:spMkLst>
+        </pc:spChg>
+        <pc:spChg chg="add mod">
+          <ac:chgData name="Katie Johnston" userId="a8803450-7667-44c1-ac00-9653f319424f" providerId="ADAL" clId="{61DBC332-9CC0-465A-AB04-996F0238E80A}" dt="2021-11-01T18:53:49.010" v="490" actId="20577"/>
+          <ac:spMkLst>
+            <pc:docMk/>
+            <pc:sldMk cId="3980966848" sldId="261"/>
+            <ac:spMk id="9" creationId="{3C97F9D6-8159-44EF-99E9-CF8A2B69CF91}"/>
+          </ac:spMkLst>
+        </pc:spChg>
+        <pc:spChg chg="add mod">
+          <ac:chgData name="Katie Johnston" userId="a8803450-7667-44c1-ac00-9653f319424f" providerId="ADAL" clId="{61DBC332-9CC0-465A-AB04-996F0238E80A}" dt="2021-11-01T18:52:22.554" v="340" actId="20577"/>
+          <ac:spMkLst>
+            <pc:docMk/>
+            <pc:sldMk cId="3980966848" sldId="261"/>
+            <ac:spMk id="12" creationId="{C9BB9DFC-FC5D-4E55-ADB9-4ED391863ADF}"/>
+          </ac:spMkLst>
+        </pc:spChg>
+        <pc:picChg chg="add mod">
+          <ac:chgData name="Katie Johnston" userId="a8803450-7667-44c1-ac00-9653f319424f" providerId="ADAL" clId="{61DBC332-9CC0-465A-AB04-996F0238E80A}" dt="2021-11-01T18:51:36.444" v="263" actId="1076"/>
+          <ac:picMkLst>
+            <pc:docMk/>
+            <pc:sldMk cId="3980966848" sldId="261"/>
+            <ac:picMk id="5" creationId="{C34CADEE-02B8-4721-9E16-33853C5F43BD}"/>
+          </ac:picMkLst>
+        </pc:picChg>
+        <pc:picChg chg="add del">
+          <ac:chgData name="Katie Johnston" userId="a8803450-7667-44c1-ac00-9653f319424f" providerId="ADAL" clId="{61DBC332-9CC0-465A-AB04-996F0238E80A}" dt="2021-11-01T18:51:56.726" v="301" actId="22"/>
+          <ac:picMkLst>
+            <pc:docMk/>
+            <pc:sldMk cId="3980966848" sldId="261"/>
+            <ac:picMk id="8" creationId="{5D1FAB56-FDAA-42CD-851C-340259D58A7A}"/>
+          </ac:picMkLst>
+        </pc:picChg>
+        <pc:picChg chg="add mod">
+          <ac:chgData name="Katie Johnston" userId="a8803450-7667-44c1-ac00-9653f319424f" providerId="ADAL" clId="{61DBC332-9CC0-465A-AB04-996F0238E80A}" dt="2021-11-01T18:51:02.406" v="256" actId="14100"/>
+          <ac:picMkLst>
+            <pc:docMk/>
+            <pc:sldMk cId="3980966848" sldId="261"/>
+            <ac:picMk id="3074" creationId="{D638C5BE-24A5-4F5E-9DF8-8BD458F6AA2D}"/>
+          </ac:picMkLst>
+        </pc:picChg>
+        <pc:picChg chg="add mod">
+          <ac:chgData name="Katie Johnston" userId="a8803450-7667-44c1-ac00-9653f319424f" providerId="ADAL" clId="{61DBC332-9CC0-465A-AB04-996F0238E80A}" dt="2021-11-01T18:51:11.181" v="259" actId="1076"/>
+          <ac:picMkLst>
+            <pc:docMk/>
+            <pc:sldMk cId="3980966848" sldId="261"/>
+            <ac:picMk id="3076" creationId="{8E572515-4EB6-4CE2-952F-CE7B60CD93E3}"/>
+          </ac:picMkLst>
+        </pc:picChg>
+        <pc:picChg chg="add mod">
+          <ac:chgData name="Katie Johnston" userId="a8803450-7667-44c1-ac00-9653f319424f" providerId="ADAL" clId="{61DBC332-9CC0-465A-AB04-996F0238E80A}" dt="2021-11-01T18:51:22.053" v="261" actId="1076"/>
+          <ac:picMkLst>
+            <pc:docMk/>
+            <pc:sldMk cId="3980966848" sldId="261"/>
+            <ac:picMk id="3078" creationId="{181047F6-4485-4E57-A9F3-95E31F9CCCA6}"/>
+          </ac:picMkLst>
+        </pc:picChg>
+        <pc:picChg chg="add mod">
+          <ac:chgData name="Katie Johnston" userId="a8803450-7667-44c1-ac00-9653f319424f" providerId="ADAL" clId="{61DBC332-9CC0-465A-AB04-996F0238E80A}" dt="2021-11-01T18:53:14.278" v="387" actId="14100"/>
+          <ac:picMkLst>
+            <pc:docMk/>
+            <pc:sldMk cId="3980966848" sldId="261"/>
+            <ac:picMk id="3080" creationId="{6B48B442-9E8A-472D-BADA-8FFB11E0F8ED}"/>
+          </ac:picMkLst>
+        </pc:picChg>
+      </pc:sldChg>
     </pc:docChg>
   </pc:docChgLst>
 </pc:chgInfo>
@@ -332,7 +585,7 @@
           <a:p>
             <a:fld id="{5EFA1716-573D-4E94-B7FA-26F1CE6BC71D}" type="datetimeFigureOut">
               <a:rPr lang="en-US" smtClean="0"/>
-              <a:t>10/26/2021</a:t>
+              <a:t>10/30/2021</a:t>
             </a:fld>
             <a:endParaRPr lang="en-US"/>
           </a:p>
@@ -530,7 +783,7 @@
           <a:p>
             <a:fld id="{5EFA1716-573D-4E94-B7FA-26F1CE6BC71D}" type="datetimeFigureOut">
               <a:rPr lang="en-US" smtClean="0"/>
-              <a:t>10/26/2021</a:t>
+              <a:t>10/30/2021</a:t>
             </a:fld>
             <a:endParaRPr lang="en-US"/>
           </a:p>
@@ -738,7 +991,7 @@
           <a:p>
             <a:fld id="{5EFA1716-573D-4E94-B7FA-26F1CE6BC71D}" type="datetimeFigureOut">
               <a:rPr lang="en-US" smtClean="0"/>
-              <a:t>10/26/2021</a:t>
+              <a:t>10/30/2021</a:t>
             </a:fld>
             <a:endParaRPr lang="en-US"/>
           </a:p>
@@ -936,7 +1189,7 @@
           <a:p>
             <a:fld id="{5EFA1716-573D-4E94-B7FA-26F1CE6BC71D}" type="datetimeFigureOut">
               <a:rPr lang="en-US" smtClean="0"/>
-              <a:t>10/26/2021</a:t>
+              <a:t>10/30/2021</a:t>
             </a:fld>
             <a:endParaRPr lang="en-US"/>
           </a:p>
@@ -1211,7 +1464,7 @@
           <a:p>
             <a:fld id="{5EFA1716-573D-4E94-B7FA-26F1CE6BC71D}" type="datetimeFigureOut">
               <a:rPr lang="en-US" smtClean="0"/>
-              <a:t>10/26/2021</a:t>
+              <a:t>10/30/2021</a:t>
             </a:fld>
             <a:endParaRPr lang="en-US"/>
           </a:p>
@@ -1476,7 +1729,7 @@
           <a:p>
             <a:fld id="{5EFA1716-573D-4E94-B7FA-26F1CE6BC71D}" type="datetimeFigureOut">
               <a:rPr lang="en-US" smtClean="0"/>
-              <a:t>10/26/2021</a:t>
+              <a:t>10/30/2021</a:t>
             </a:fld>
             <a:endParaRPr lang="en-US"/>
           </a:p>
@@ -1888,7 +2141,7 @@
           <a:p>
             <a:fld id="{5EFA1716-573D-4E94-B7FA-26F1CE6BC71D}" type="datetimeFigureOut">
               <a:rPr lang="en-US" smtClean="0"/>
-              <a:t>10/26/2021</a:t>
+              <a:t>10/30/2021</a:t>
             </a:fld>
             <a:endParaRPr lang="en-US"/>
           </a:p>
@@ -2029,7 +2282,7 @@
           <a:p>
             <a:fld id="{5EFA1716-573D-4E94-B7FA-26F1CE6BC71D}" type="datetimeFigureOut">
               <a:rPr lang="en-US" smtClean="0"/>
-              <a:t>10/26/2021</a:t>
+              <a:t>10/30/2021</a:t>
             </a:fld>
             <a:endParaRPr lang="en-US"/>
           </a:p>
@@ -2142,7 +2395,7 @@
           <a:p>
             <a:fld id="{5EFA1716-573D-4E94-B7FA-26F1CE6BC71D}" type="datetimeFigureOut">
               <a:rPr lang="en-US" smtClean="0"/>
-              <a:t>10/26/2021</a:t>
+              <a:t>10/30/2021</a:t>
             </a:fld>
             <a:endParaRPr lang="en-US"/>
           </a:p>
@@ -2453,7 +2706,7 @@
           <a:p>
             <a:fld id="{5EFA1716-573D-4E94-B7FA-26F1CE6BC71D}" type="datetimeFigureOut">
               <a:rPr lang="en-US" smtClean="0"/>
-              <a:t>10/26/2021</a:t>
+              <a:t>10/30/2021</a:t>
             </a:fld>
             <a:endParaRPr lang="en-US"/>
           </a:p>
@@ -2741,7 +2994,7 @@
           <a:p>
             <a:fld id="{5EFA1716-573D-4E94-B7FA-26F1CE6BC71D}" type="datetimeFigureOut">
               <a:rPr lang="en-US" smtClean="0"/>
-              <a:t>10/26/2021</a:t>
+              <a:t>10/30/2021</a:t>
             </a:fld>
             <a:endParaRPr lang="en-US"/>
           </a:p>
@@ -2982,7 +3235,7 @@
           <a:p>
             <a:fld id="{5EFA1716-573D-4E94-B7FA-26F1CE6BC71D}" type="datetimeFigureOut">
               <a:rPr lang="en-US" smtClean="0"/>
-              <a:t>10/26/2021</a:t>
+              <a:t>10/30/2021</a:t>
             </a:fld>
             <a:endParaRPr lang="en-US"/>
           </a:p>
@@ -3877,6 +4130,1109 @@
 </p:sld>
 </file>
 
+<file path=ppt/slides/slide4.xml><?xml version="1.0" encoding="utf-8"?>
+<p:sld xmlns:a="http://schemas.openxmlformats.org/drawingml/2006/main" xmlns:r="http://schemas.openxmlformats.org/officeDocument/2006/relationships" xmlns:p="http://schemas.openxmlformats.org/presentationml/2006/main">
+  <p:cSld>
+    <p:spTree>
+      <p:nvGrpSpPr>
+        <p:cNvPr id="1" name=""/>
+        <p:cNvGrpSpPr/>
+        <p:nvPr/>
+      </p:nvGrpSpPr>
+      <p:grpSpPr>
+        <a:xfrm>
+          <a:off x="0" y="0"/>
+          <a:ext cx="0" cy="0"/>
+          <a:chOff x="0" y="0"/>
+          <a:chExt cx="0" cy="0"/>
+        </a:xfrm>
+      </p:grpSpPr>
+      <p:sp>
+        <p:nvSpPr>
+          <p:cNvPr id="2" name="Title 1">
+            <a:extLst>
+              <a:ext uri="{FF2B5EF4-FFF2-40B4-BE49-F238E27FC236}">
+                <a16:creationId xmlns:a16="http://schemas.microsoft.com/office/drawing/2014/main" id="{42D81442-497B-4093-B18A-4FD8FF5DD56B}"/>
+              </a:ext>
+            </a:extLst>
+          </p:cNvPr>
+          <p:cNvSpPr>
+            <a:spLocks noGrp="1"/>
+          </p:cNvSpPr>
+          <p:nvPr>
+            <p:ph type="title"/>
+          </p:nvPr>
+        </p:nvSpPr>
+        <p:spPr/>
+        <p:txBody>
+          <a:bodyPr/>
+          <a:lstStyle/>
+          <a:p>
+            <a:r>
+              <a:rPr lang="en-US" dirty="0"/>
+              <a:t>Time stuff on 2x2 square of 16x16</a:t>
+            </a:r>
+          </a:p>
+        </p:txBody>
+      </p:sp>
+      <p:pic>
+        <p:nvPicPr>
+          <p:cNvPr id="3074" name="Picture 2">
+            <a:extLst>
+              <a:ext uri="{FF2B5EF4-FFF2-40B4-BE49-F238E27FC236}">
+                <a16:creationId xmlns:a16="http://schemas.microsoft.com/office/drawing/2014/main" id="{D638C5BE-24A5-4F5E-9DF8-8BD458F6AA2D}"/>
+              </a:ext>
+            </a:extLst>
+          </p:cNvPr>
+          <p:cNvPicPr>
+            <a:picLocks noChangeAspect="1" noChangeArrowheads="1"/>
+          </p:cNvPicPr>
+          <p:nvPr/>
+        </p:nvPicPr>
+        <p:blipFill>
+          <a:blip r:embed="rId2">
+            <a:extLst>
+              <a:ext uri="{28A0092B-C50C-407E-A947-70E740481C1C}">
+                <a14:useLocalDpi xmlns:a14="http://schemas.microsoft.com/office/drawing/2010/main" val="0"/>
+              </a:ext>
+            </a:extLst>
+          </a:blip>
+          <a:srcRect/>
+          <a:stretch>
+            <a:fillRect/>
+          </a:stretch>
+        </p:blipFill>
+        <p:spPr bwMode="auto">
+          <a:xfrm>
+            <a:off x="457200" y="1123950"/>
+            <a:ext cx="4980163" cy="2035810"/>
+          </a:xfrm>
+          <a:prstGeom prst="rect">
+            <a:avLst/>
+          </a:prstGeom>
+          <a:noFill/>
+          <a:extLst>
+            <a:ext uri="{909E8E84-426E-40DD-AFC4-6F175D3DCCD1}">
+              <a14:hiddenFill xmlns:a14="http://schemas.microsoft.com/office/drawing/2010/main">
+                <a:solidFill>
+                  <a:srgbClr val="FFFFFF"/>
+                </a:solidFill>
+              </a14:hiddenFill>
+            </a:ext>
+          </a:extLst>
+        </p:spPr>
+      </p:pic>
+      <p:pic>
+        <p:nvPicPr>
+          <p:cNvPr id="3076" name="Picture 4">
+            <a:extLst>
+              <a:ext uri="{FF2B5EF4-FFF2-40B4-BE49-F238E27FC236}">
+                <a16:creationId xmlns:a16="http://schemas.microsoft.com/office/drawing/2014/main" id="{8E572515-4EB6-4CE2-952F-CE7B60CD93E3}"/>
+              </a:ext>
+            </a:extLst>
+          </p:cNvPr>
+          <p:cNvPicPr>
+            <a:picLocks noChangeAspect="1" noChangeArrowheads="1"/>
+          </p:cNvPicPr>
+          <p:nvPr/>
+        </p:nvPicPr>
+        <p:blipFill>
+          <a:blip r:embed="rId3">
+            <a:extLst>
+              <a:ext uri="{28A0092B-C50C-407E-A947-70E740481C1C}">
+                <a14:useLocalDpi xmlns:a14="http://schemas.microsoft.com/office/drawing/2010/main" val="0"/>
+              </a:ext>
+            </a:extLst>
+          </a:blip>
+          <a:srcRect/>
+          <a:stretch>
+            <a:fillRect/>
+          </a:stretch>
+        </p:blipFill>
+        <p:spPr bwMode="auto">
+          <a:xfrm>
+            <a:off x="5905500" y="1195070"/>
+            <a:ext cx="4980163" cy="2035810"/>
+          </a:xfrm>
+          <a:prstGeom prst="rect">
+            <a:avLst/>
+          </a:prstGeom>
+          <a:noFill/>
+          <a:extLst>
+            <a:ext uri="{909E8E84-426E-40DD-AFC4-6F175D3DCCD1}">
+              <a14:hiddenFill xmlns:a14="http://schemas.microsoft.com/office/drawing/2010/main">
+                <a:solidFill>
+                  <a:srgbClr val="FFFFFF"/>
+                </a:solidFill>
+              </a14:hiddenFill>
+            </a:ext>
+          </a:extLst>
+        </p:spPr>
+      </p:pic>
+      <p:pic>
+        <p:nvPicPr>
+          <p:cNvPr id="3078" name="Picture 6">
+            <a:extLst>
+              <a:ext uri="{FF2B5EF4-FFF2-40B4-BE49-F238E27FC236}">
+                <a16:creationId xmlns:a16="http://schemas.microsoft.com/office/drawing/2014/main" id="{181047F6-4485-4E57-A9F3-95E31F9CCCA6}"/>
+              </a:ext>
+            </a:extLst>
+          </p:cNvPr>
+          <p:cNvPicPr>
+            <a:picLocks noChangeAspect="1" noChangeArrowheads="1"/>
+          </p:cNvPicPr>
+          <p:nvPr/>
+        </p:nvPicPr>
+        <p:blipFill>
+          <a:blip r:embed="rId4">
+            <a:extLst>
+              <a:ext uri="{28A0092B-C50C-407E-A947-70E740481C1C}">
+                <a14:useLocalDpi xmlns:a14="http://schemas.microsoft.com/office/drawing/2010/main" val="0"/>
+              </a:ext>
+            </a:extLst>
+          </a:blip>
+          <a:srcRect/>
+          <a:stretch>
+            <a:fillRect/>
+          </a:stretch>
+        </p:blipFill>
+        <p:spPr bwMode="auto">
+          <a:xfrm>
+            <a:off x="439420" y="4130675"/>
+            <a:ext cx="3543300" cy="2362200"/>
+          </a:xfrm>
+          <a:prstGeom prst="rect">
+            <a:avLst/>
+          </a:prstGeom>
+          <a:noFill/>
+          <a:extLst>
+            <a:ext uri="{909E8E84-426E-40DD-AFC4-6F175D3DCCD1}">
+              <a14:hiddenFill xmlns:a14="http://schemas.microsoft.com/office/drawing/2010/main">
+                <a:solidFill>
+                  <a:srgbClr val="FFFFFF"/>
+                </a:solidFill>
+              </a14:hiddenFill>
+            </a:ext>
+          </a:extLst>
+        </p:spPr>
+      </p:pic>
+      <p:pic>
+        <p:nvPicPr>
+          <p:cNvPr id="5" name="Picture 4">
+            <a:extLst>
+              <a:ext uri="{FF2B5EF4-FFF2-40B4-BE49-F238E27FC236}">
+                <a16:creationId xmlns:a16="http://schemas.microsoft.com/office/drawing/2014/main" id="{C34CADEE-02B8-4721-9E16-33853C5F43BD}"/>
+              </a:ext>
+            </a:extLst>
+          </p:cNvPr>
+          <p:cNvPicPr>
+            <a:picLocks noChangeAspect="1"/>
+          </p:cNvPicPr>
+          <p:nvPr/>
+        </p:nvPicPr>
+        <p:blipFill>
+          <a:blip r:embed="rId5"/>
+          <a:stretch>
+            <a:fillRect/>
+          </a:stretch>
+        </p:blipFill>
+        <p:spPr>
+          <a:xfrm>
+            <a:off x="6075680" y="3459162"/>
+            <a:ext cx="3762375" cy="1343025"/>
+          </a:xfrm>
+          <a:prstGeom prst="rect">
+            <a:avLst/>
+          </a:prstGeom>
+        </p:spPr>
+      </p:pic>
+      <p:sp>
+        <p:nvSpPr>
+          <p:cNvPr id="6" name="TextBox 5">
+            <a:extLst>
+              <a:ext uri="{FF2B5EF4-FFF2-40B4-BE49-F238E27FC236}">
+                <a16:creationId xmlns:a16="http://schemas.microsoft.com/office/drawing/2014/main" id="{E31C9604-E0D7-4F2F-9889-D80EE18C5D25}"/>
+              </a:ext>
+            </a:extLst>
+          </p:cNvPr>
+          <p:cNvSpPr txBox="1"/>
+          <p:nvPr/>
+        </p:nvSpPr>
+        <p:spPr>
+          <a:xfrm>
+            <a:off x="1137920" y="2520633"/>
+            <a:ext cx="3297056" cy="369332"/>
+          </a:xfrm>
+          <a:prstGeom prst="rect">
+            <a:avLst/>
+          </a:prstGeom>
+          <a:noFill/>
+        </p:spPr>
+        <p:txBody>
+          <a:bodyPr wrap="none" rtlCol="0">
+            <a:spAutoFit/>
+          </a:bodyPr>
+          <a:lstStyle/>
+          <a:p>
+            <a:r>
+              <a:rPr lang="en-US" dirty="0"/>
+              <a:t>All time scales with interpolating </a:t>
+            </a:r>
+          </a:p>
+        </p:txBody>
+      </p:sp>
+      <p:sp>
+        <p:nvSpPr>
+          <p:cNvPr id="12" name="TextBox 11">
+            <a:extLst>
+              <a:ext uri="{FF2B5EF4-FFF2-40B4-BE49-F238E27FC236}">
+                <a16:creationId xmlns:a16="http://schemas.microsoft.com/office/drawing/2014/main" id="{C9BB9DFC-FC5D-4E55-ADB9-4ED391863ADF}"/>
+              </a:ext>
+            </a:extLst>
+          </p:cNvPr>
+          <p:cNvSpPr txBox="1"/>
+          <p:nvPr/>
+        </p:nvSpPr>
+        <p:spPr>
+          <a:xfrm>
+            <a:off x="6805370" y="2705299"/>
+            <a:ext cx="4291111" cy="369332"/>
+          </a:xfrm>
+          <a:prstGeom prst="rect">
+            <a:avLst/>
+          </a:prstGeom>
+          <a:noFill/>
+        </p:spPr>
+        <p:txBody>
+          <a:bodyPr wrap="none" rtlCol="0">
+            <a:spAutoFit/>
+          </a:bodyPr>
+          <a:lstStyle/>
+          <a:p>
+            <a:r>
+              <a:rPr lang="en-US" dirty="0"/>
+              <a:t>All time scales predicting on scale of 2^(k-1)</a:t>
+            </a:r>
+          </a:p>
+        </p:txBody>
+      </p:sp>
+      <p:sp>
+        <p:nvSpPr>
+          <p:cNvPr id="9" name="TextBox 8">
+            <a:extLst>
+              <a:ext uri="{FF2B5EF4-FFF2-40B4-BE49-F238E27FC236}">
+                <a16:creationId xmlns:a16="http://schemas.microsoft.com/office/drawing/2014/main" id="{3C97F9D6-8159-44EF-99E9-CF8A2B69CF91}"/>
+              </a:ext>
+            </a:extLst>
+          </p:cNvPr>
+          <p:cNvSpPr txBox="1"/>
+          <p:nvPr/>
+        </p:nvSpPr>
+        <p:spPr>
+          <a:xfrm>
+            <a:off x="2204720" y="5283200"/>
+            <a:ext cx="4417363" cy="1200329"/>
+          </a:xfrm>
+          <a:prstGeom prst="rect">
+            <a:avLst/>
+          </a:prstGeom>
+          <a:noFill/>
+        </p:spPr>
+        <p:txBody>
+          <a:bodyPr wrap="none" rtlCol="0">
+            <a:spAutoFit/>
+          </a:bodyPr>
+          <a:lstStyle/>
+          <a:p>
+            <a:r>
+              <a:rPr lang="en-US" dirty="0"/>
+              <a:t>Value on k = 3, </a:t>
+            </a:r>
+            <a:r>
+              <a:rPr lang="en-US" dirty="0" err="1"/>
+              <a:t>step_size</a:t>
+            </a:r>
+            <a:r>
+              <a:rPr lang="en-US" dirty="0"/>
+              <a:t> = 8</a:t>
+            </a:r>
+          </a:p>
+          <a:p>
+            <a:r>
+              <a:rPr lang="en-US" dirty="0"/>
+              <a:t>Fast is blue square, slow is one of the yellows</a:t>
+            </a:r>
+          </a:p>
+          <a:p>
+            <a:endParaRPr lang="en-US" dirty="0"/>
+          </a:p>
+          <a:p>
+            <a:r>
+              <a:rPr lang="en-US" dirty="0"/>
+              <a:t>How should I go on from here??</a:t>
+            </a:r>
+          </a:p>
+        </p:txBody>
+      </p:sp>
+      <p:pic>
+        <p:nvPicPr>
+          <p:cNvPr id="3080" name="Picture 8">
+            <a:extLst>
+              <a:ext uri="{FF2B5EF4-FFF2-40B4-BE49-F238E27FC236}">
+                <a16:creationId xmlns:a16="http://schemas.microsoft.com/office/drawing/2014/main" id="{6B48B442-9E8A-472D-BADA-8FFB11E0F8ED}"/>
+              </a:ext>
+            </a:extLst>
+          </p:cNvPr>
+          <p:cNvPicPr>
+            <a:picLocks noChangeAspect="1" noChangeArrowheads="1"/>
+          </p:cNvPicPr>
+          <p:nvPr/>
+        </p:nvPicPr>
+        <p:blipFill>
+          <a:blip r:embed="rId6">
+            <a:extLst>
+              <a:ext uri="{28A0092B-C50C-407E-A947-70E740481C1C}">
+                <a14:useLocalDpi xmlns:a14="http://schemas.microsoft.com/office/drawing/2010/main" val="0"/>
+              </a:ext>
+            </a:extLst>
+          </a:blip>
+          <a:srcRect/>
+          <a:stretch>
+            <a:fillRect/>
+          </a:stretch>
+        </p:blipFill>
+        <p:spPr bwMode="auto">
+          <a:xfrm>
+            <a:off x="9558370" y="4816870"/>
+            <a:ext cx="2633629" cy="2035811"/>
+          </a:xfrm>
+          <a:prstGeom prst="rect">
+            <a:avLst/>
+          </a:prstGeom>
+          <a:noFill/>
+          <a:extLst>
+            <a:ext uri="{909E8E84-426E-40DD-AFC4-6F175D3DCCD1}">
+              <a14:hiddenFill xmlns:a14="http://schemas.microsoft.com/office/drawing/2010/main">
+                <a:solidFill>
+                  <a:srgbClr val="FFFFFF"/>
+                </a:solidFill>
+              </a14:hiddenFill>
+            </a:ext>
+          </a:extLst>
+        </p:spPr>
+      </p:pic>
+    </p:spTree>
+    <p:extLst>
+      <p:ext uri="{BB962C8B-B14F-4D97-AF65-F5344CB8AC3E}">
+        <p14:creationId xmlns:p14="http://schemas.microsoft.com/office/powerpoint/2010/main" val="3980966848"/>
+      </p:ext>
+    </p:extLst>
+  </p:cSld>
+  <p:clrMapOvr>
+    <a:masterClrMapping/>
+  </p:clrMapOvr>
+</p:sld>
+</file>
+
+<file path=ppt/slides/slide5.xml><?xml version="1.0" encoding="utf-8"?>
+<p:sld xmlns:a="http://schemas.openxmlformats.org/drawingml/2006/main" xmlns:r="http://schemas.openxmlformats.org/officeDocument/2006/relationships" xmlns:p="http://schemas.openxmlformats.org/presentationml/2006/main">
+  <p:cSld>
+    <p:spTree>
+      <p:nvGrpSpPr>
+        <p:cNvPr id="1" name=""/>
+        <p:cNvGrpSpPr/>
+        <p:nvPr/>
+      </p:nvGrpSpPr>
+      <p:grpSpPr>
+        <a:xfrm>
+          <a:off x="0" y="0"/>
+          <a:ext cx="0" cy="0"/>
+          <a:chOff x="0" y="0"/>
+          <a:chExt cx="0" cy="0"/>
+        </a:xfrm>
+      </p:grpSpPr>
+      <p:pic>
+        <p:nvPicPr>
+          <p:cNvPr id="1026" name="Picture 2">
+            <a:extLst>
+              <a:ext uri="{FF2B5EF4-FFF2-40B4-BE49-F238E27FC236}">
+                <a16:creationId xmlns:a16="http://schemas.microsoft.com/office/drawing/2014/main" id="{D271FE50-61CE-4F9E-9434-DF7286857300}"/>
+              </a:ext>
+            </a:extLst>
+          </p:cNvPr>
+          <p:cNvPicPr>
+            <a:picLocks noChangeAspect="1" noChangeArrowheads="1"/>
+          </p:cNvPicPr>
+          <p:nvPr/>
+        </p:nvPicPr>
+        <p:blipFill>
+          <a:blip r:embed="rId2">
+            <a:extLst>
+              <a:ext uri="{28A0092B-C50C-407E-A947-70E740481C1C}">
+                <a14:useLocalDpi xmlns:a14="http://schemas.microsoft.com/office/drawing/2010/main" val="0"/>
+              </a:ext>
+            </a:extLst>
+          </a:blip>
+          <a:srcRect/>
+          <a:stretch>
+            <a:fillRect/>
+          </a:stretch>
+        </p:blipFill>
+        <p:spPr bwMode="auto">
+          <a:xfrm>
+            <a:off x="304800" y="209550"/>
+            <a:ext cx="2990850" cy="2514600"/>
+          </a:xfrm>
+          <a:prstGeom prst="rect">
+            <a:avLst/>
+          </a:prstGeom>
+          <a:noFill/>
+          <a:extLst>
+            <a:ext uri="{909E8E84-426E-40DD-AFC4-6F175D3DCCD1}">
+              <a14:hiddenFill xmlns:a14="http://schemas.microsoft.com/office/drawing/2010/main">
+                <a:solidFill>
+                  <a:srgbClr val="FFFFFF"/>
+                </a:solidFill>
+              </a14:hiddenFill>
+            </a:ext>
+          </a:extLst>
+        </p:spPr>
+      </p:pic>
+      <p:pic>
+        <p:nvPicPr>
+          <p:cNvPr id="1028" name="Picture 4">
+            <a:extLst>
+              <a:ext uri="{FF2B5EF4-FFF2-40B4-BE49-F238E27FC236}">
+                <a16:creationId xmlns:a16="http://schemas.microsoft.com/office/drawing/2014/main" id="{1D4F1EF1-2482-418F-9050-4BED1092A09C}"/>
+              </a:ext>
+            </a:extLst>
+          </p:cNvPr>
+          <p:cNvPicPr>
+            <a:picLocks noChangeAspect="1" noChangeArrowheads="1"/>
+          </p:cNvPicPr>
+          <p:nvPr/>
+        </p:nvPicPr>
+        <p:blipFill>
+          <a:blip r:embed="rId3">
+            <a:extLst>
+              <a:ext uri="{28A0092B-C50C-407E-A947-70E740481C1C}">
+                <a14:useLocalDpi xmlns:a14="http://schemas.microsoft.com/office/drawing/2010/main" val="0"/>
+              </a:ext>
+            </a:extLst>
+          </a:blip>
+          <a:srcRect/>
+          <a:stretch>
+            <a:fillRect/>
+          </a:stretch>
+        </p:blipFill>
+        <p:spPr bwMode="auto">
+          <a:xfrm>
+            <a:off x="3390900" y="209550"/>
+            <a:ext cx="3162300" cy="2514600"/>
+          </a:xfrm>
+          <a:prstGeom prst="rect">
+            <a:avLst/>
+          </a:prstGeom>
+          <a:noFill/>
+          <a:extLst>
+            <a:ext uri="{909E8E84-426E-40DD-AFC4-6F175D3DCCD1}">
+              <a14:hiddenFill xmlns:a14="http://schemas.microsoft.com/office/drawing/2010/main">
+                <a:solidFill>
+                  <a:srgbClr val="FFFFFF"/>
+                </a:solidFill>
+              </a14:hiddenFill>
+            </a:ext>
+          </a:extLst>
+        </p:spPr>
+      </p:pic>
+      <p:pic>
+        <p:nvPicPr>
+          <p:cNvPr id="1030" name="Picture 6">
+            <a:extLst>
+              <a:ext uri="{FF2B5EF4-FFF2-40B4-BE49-F238E27FC236}">
+                <a16:creationId xmlns:a16="http://schemas.microsoft.com/office/drawing/2014/main" id="{57060197-1CD2-4299-ACAC-53DC2784B539}"/>
+              </a:ext>
+            </a:extLst>
+          </p:cNvPr>
+          <p:cNvPicPr>
+            <a:picLocks noChangeAspect="1" noChangeArrowheads="1"/>
+          </p:cNvPicPr>
+          <p:nvPr/>
+        </p:nvPicPr>
+        <p:blipFill>
+          <a:blip r:embed="rId4">
+            <a:extLst>
+              <a:ext uri="{28A0092B-C50C-407E-A947-70E740481C1C}">
+                <a14:useLocalDpi xmlns:a14="http://schemas.microsoft.com/office/drawing/2010/main" val="0"/>
+              </a:ext>
+            </a:extLst>
+          </a:blip>
+          <a:srcRect/>
+          <a:stretch>
+            <a:fillRect/>
+          </a:stretch>
+        </p:blipFill>
+        <p:spPr bwMode="auto">
+          <a:xfrm>
+            <a:off x="6646545" y="433070"/>
+            <a:ext cx="3105150" cy="2514600"/>
+          </a:xfrm>
+          <a:prstGeom prst="rect">
+            <a:avLst/>
+          </a:prstGeom>
+          <a:noFill/>
+          <a:extLst>
+            <a:ext uri="{909E8E84-426E-40DD-AFC4-6F175D3DCCD1}">
+              <a14:hiddenFill xmlns:a14="http://schemas.microsoft.com/office/drawing/2010/main">
+                <a:solidFill>
+                  <a:srgbClr val="FFFFFF"/>
+                </a:solidFill>
+              </a14:hiddenFill>
+            </a:ext>
+          </a:extLst>
+        </p:spPr>
+      </p:pic>
+      <p:pic>
+        <p:nvPicPr>
+          <p:cNvPr id="1032" name="Picture 8">
+            <a:extLst>
+              <a:ext uri="{FF2B5EF4-FFF2-40B4-BE49-F238E27FC236}">
+                <a16:creationId xmlns:a16="http://schemas.microsoft.com/office/drawing/2014/main" id="{478772BB-401C-4AA2-968B-DCD8A9FE90B7}"/>
+              </a:ext>
+            </a:extLst>
+          </p:cNvPr>
+          <p:cNvPicPr>
+            <a:picLocks noChangeAspect="1" noChangeArrowheads="1"/>
+          </p:cNvPicPr>
+          <p:nvPr/>
+        </p:nvPicPr>
+        <p:blipFill>
+          <a:blip r:embed="rId5">
+            <a:extLst>
+              <a:ext uri="{28A0092B-C50C-407E-A947-70E740481C1C}">
+                <a14:useLocalDpi xmlns:a14="http://schemas.microsoft.com/office/drawing/2010/main" val="0"/>
+              </a:ext>
+            </a:extLst>
+          </a:blip>
+          <a:srcRect/>
+          <a:stretch>
+            <a:fillRect/>
+          </a:stretch>
+        </p:blipFill>
+        <p:spPr bwMode="auto">
+          <a:xfrm>
+            <a:off x="656273" y="2947670"/>
+            <a:ext cx="2876550" cy="2514600"/>
+          </a:xfrm>
+          <a:prstGeom prst="rect">
+            <a:avLst/>
+          </a:prstGeom>
+          <a:noFill/>
+          <a:extLst>
+            <a:ext uri="{909E8E84-426E-40DD-AFC4-6F175D3DCCD1}">
+              <a14:hiddenFill xmlns:a14="http://schemas.microsoft.com/office/drawing/2010/main">
+                <a:solidFill>
+                  <a:srgbClr val="FFFFFF"/>
+                </a:solidFill>
+              </a14:hiddenFill>
+            </a:ext>
+          </a:extLst>
+        </p:spPr>
+      </p:pic>
+      <p:pic>
+        <p:nvPicPr>
+          <p:cNvPr id="1034" name="Picture 10">
+            <a:extLst>
+              <a:ext uri="{FF2B5EF4-FFF2-40B4-BE49-F238E27FC236}">
+                <a16:creationId xmlns:a16="http://schemas.microsoft.com/office/drawing/2014/main" id="{1989C5A8-1F13-4C62-847E-959C112269F4}"/>
+              </a:ext>
+            </a:extLst>
+          </p:cNvPr>
+          <p:cNvPicPr>
+            <a:picLocks noChangeAspect="1" noChangeArrowheads="1"/>
+          </p:cNvPicPr>
+          <p:nvPr/>
+        </p:nvPicPr>
+        <p:blipFill>
+          <a:blip r:embed="rId6">
+            <a:extLst>
+              <a:ext uri="{28A0092B-C50C-407E-A947-70E740481C1C}">
+                <a14:useLocalDpi xmlns:a14="http://schemas.microsoft.com/office/drawing/2010/main" val="0"/>
+              </a:ext>
+            </a:extLst>
+          </a:blip>
+          <a:srcRect/>
+          <a:stretch>
+            <a:fillRect/>
+          </a:stretch>
+        </p:blipFill>
+        <p:spPr bwMode="auto">
+          <a:xfrm>
+            <a:off x="3712845" y="2947670"/>
+            <a:ext cx="2933700" cy="2514600"/>
+          </a:xfrm>
+          <a:prstGeom prst="rect">
+            <a:avLst/>
+          </a:prstGeom>
+          <a:noFill/>
+          <a:extLst>
+            <a:ext uri="{909E8E84-426E-40DD-AFC4-6F175D3DCCD1}">
+              <a14:hiddenFill xmlns:a14="http://schemas.microsoft.com/office/drawing/2010/main">
+                <a:solidFill>
+                  <a:srgbClr val="FFFFFF"/>
+                </a:solidFill>
+              </a14:hiddenFill>
+            </a:ext>
+          </a:extLst>
+        </p:spPr>
+      </p:pic>
+    </p:spTree>
+    <p:extLst>
+      <p:ext uri="{BB962C8B-B14F-4D97-AF65-F5344CB8AC3E}">
+        <p14:creationId xmlns:p14="http://schemas.microsoft.com/office/powerpoint/2010/main" val="4013676717"/>
+      </p:ext>
+    </p:extLst>
+  </p:cSld>
+  <p:clrMapOvr>
+    <a:masterClrMapping/>
+  </p:clrMapOvr>
+</p:sld>
+</file>
+
+<file path=ppt/slides/slide6.xml><?xml version="1.0" encoding="utf-8"?>
+<p:sld xmlns:a="http://schemas.openxmlformats.org/drawingml/2006/main" xmlns:r="http://schemas.openxmlformats.org/officeDocument/2006/relationships" xmlns:p="http://schemas.openxmlformats.org/presentationml/2006/main">
+  <p:cSld>
+    <p:spTree>
+      <p:nvGrpSpPr>
+        <p:cNvPr id="1" name=""/>
+        <p:cNvGrpSpPr/>
+        <p:nvPr/>
+      </p:nvGrpSpPr>
+      <p:grpSpPr>
+        <a:xfrm>
+          <a:off x="0" y="0"/>
+          <a:ext cx="0" cy="0"/>
+          <a:chOff x="0" y="0"/>
+          <a:chExt cx="0" cy="0"/>
+        </a:xfrm>
+      </p:grpSpPr>
+      <p:sp>
+        <p:nvSpPr>
+          <p:cNvPr id="2" name="Title 1">
+            <a:extLst>
+              <a:ext uri="{FF2B5EF4-FFF2-40B4-BE49-F238E27FC236}">
+                <a16:creationId xmlns:a16="http://schemas.microsoft.com/office/drawing/2014/main" id="{655D6C05-EC7A-4108-8D18-6DA6473C2516}"/>
+              </a:ext>
+            </a:extLst>
+          </p:cNvPr>
+          <p:cNvSpPr>
+            <a:spLocks noGrp="1"/>
+          </p:cNvSpPr>
+          <p:nvPr>
+            <p:ph type="title"/>
+          </p:nvPr>
+        </p:nvSpPr>
+        <p:spPr/>
+        <p:txBody>
+          <a:bodyPr/>
+          <a:lstStyle/>
+          <a:p>
+            <a:r>
+              <a:rPr lang="en-US" dirty="0"/>
+              <a:t>Resolved maps</a:t>
+            </a:r>
+          </a:p>
+        </p:txBody>
+      </p:sp>
+      <p:pic>
+        <p:nvPicPr>
+          <p:cNvPr id="2050" name="Picture 2">
+            <a:extLst>
+              <a:ext uri="{FF2B5EF4-FFF2-40B4-BE49-F238E27FC236}">
+                <a16:creationId xmlns:a16="http://schemas.microsoft.com/office/drawing/2014/main" id="{813CE9E5-50A3-4B35-935C-C2AE9827454C}"/>
+              </a:ext>
+            </a:extLst>
+          </p:cNvPr>
+          <p:cNvPicPr>
+            <a:picLocks noChangeAspect="1" noChangeArrowheads="1"/>
+          </p:cNvPicPr>
+          <p:nvPr/>
+        </p:nvPicPr>
+        <p:blipFill>
+          <a:blip r:embed="rId2">
+            <a:extLst>
+              <a:ext uri="{28A0092B-C50C-407E-A947-70E740481C1C}">
+                <a14:useLocalDpi xmlns:a14="http://schemas.microsoft.com/office/drawing/2010/main" val="0"/>
+              </a:ext>
+            </a:extLst>
+          </a:blip>
+          <a:srcRect/>
+          <a:stretch>
+            <a:fillRect/>
+          </a:stretch>
+        </p:blipFill>
+        <p:spPr bwMode="auto">
+          <a:xfrm>
+            <a:off x="142875" y="1690688"/>
+            <a:ext cx="3048000" cy="2514600"/>
+          </a:xfrm>
+          <a:prstGeom prst="rect">
+            <a:avLst/>
+          </a:prstGeom>
+          <a:noFill/>
+          <a:extLst>
+            <a:ext uri="{909E8E84-426E-40DD-AFC4-6F175D3DCCD1}">
+              <a14:hiddenFill xmlns:a14="http://schemas.microsoft.com/office/drawing/2010/main">
+                <a:solidFill>
+                  <a:srgbClr val="FFFFFF"/>
+                </a:solidFill>
+              </a14:hiddenFill>
+            </a:ext>
+          </a:extLst>
+        </p:spPr>
+      </p:pic>
+      <p:pic>
+        <p:nvPicPr>
+          <p:cNvPr id="2052" name="Picture 4">
+            <a:extLst>
+              <a:ext uri="{FF2B5EF4-FFF2-40B4-BE49-F238E27FC236}">
+                <a16:creationId xmlns:a16="http://schemas.microsoft.com/office/drawing/2014/main" id="{184B9D9E-78EE-4E6B-8A33-25D90EF9D464}"/>
+              </a:ext>
+            </a:extLst>
+          </p:cNvPr>
+          <p:cNvPicPr>
+            <a:picLocks noChangeAspect="1" noChangeArrowheads="1"/>
+          </p:cNvPicPr>
+          <p:nvPr/>
+        </p:nvPicPr>
+        <p:blipFill>
+          <a:blip r:embed="rId3">
+            <a:extLst>
+              <a:ext uri="{28A0092B-C50C-407E-A947-70E740481C1C}">
+                <a14:useLocalDpi xmlns:a14="http://schemas.microsoft.com/office/drawing/2010/main" val="0"/>
+              </a:ext>
+            </a:extLst>
+          </a:blip>
+          <a:srcRect/>
+          <a:stretch>
+            <a:fillRect/>
+          </a:stretch>
+        </p:blipFill>
+        <p:spPr bwMode="auto">
+          <a:xfrm>
+            <a:off x="3190875" y="1690688"/>
+            <a:ext cx="2981325" cy="2514600"/>
+          </a:xfrm>
+          <a:prstGeom prst="rect">
+            <a:avLst/>
+          </a:prstGeom>
+          <a:noFill/>
+          <a:extLst>
+            <a:ext uri="{909E8E84-426E-40DD-AFC4-6F175D3DCCD1}">
+              <a14:hiddenFill xmlns:a14="http://schemas.microsoft.com/office/drawing/2010/main">
+                <a:solidFill>
+                  <a:srgbClr val="FFFFFF"/>
+                </a:solidFill>
+              </a14:hiddenFill>
+            </a:ext>
+          </a:extLst>
+        </p:spPr>
+      </p:pic>
+      <p:pic>
+        <p:nvPicPr>
+          <p:cNvPr id="2054" name="Picture 6">
+            <a:extLst>
+              <a:ext uri="{FF2B5EF4-FFF2-40B4-BE49-F238E27FC236}">
+                <a16:creationId xmlns:a16="http://schemas.microsoft.com/office/drawing/2014/main" id="{985B25BE-4B55-404F-80EB-C3403746F43F}"/>
+              </a:ext>
+            </a:extLst>
+          </p:cNvPr>
+          <p:cNvPicPr>
+            <a:picLocks noChangeAspect="1" noChangeArrowheads="1"/>
+          </p:cNvPicPr>
+          <p:nvPr/>
+        </p:nvPicPr>
+        <p:blipFill>
+          <a:blip r:embed="rId4">
+            <a:extLst>
+              <a:ext uri="{28A0092B-C50C-407E-A947-70E740481C1C}">
+                <a14:useLocalDpi xmlns:a14="http://schemas.microsoft.com/office/drawing/2010/main" val="0"/>
+              </a:ext>
+            </a:extLst>
+          </a:blip>
+          <a:srcRect/>
+          <a:stretch>
+            <a:fillRect/>
+          </a:stretch>
+        </p:blipFill>
+        <p:spPr bwMode="auto">
+          <a:xfrm>
+            <a:off x="6238875" y="1690688"/>
+            <a:ext cx="2809875" cy="2514600"/>
+          </a:xfrm>
+          <a:prstGeom prst="rect">
+            <a:avLst/>
+          </a:prstGeom>
+          <a:noFill/>
+          <a:extLst>
+            <a:ext uri="{909E8E84-426E-40DD-AFC4-6F175D3DCCD1}">
+              <a14:hiddenFill xmlns:a14="http://schemas.microsoft.com/office/drawing/2010/main">
+                <a:solidFill>
+                  <a:srgbClr val="FFFFFF"/>
+                </a:solidFill>
+              </a14:hiddenFill>
+            </a:ext>
+          </a:extLst>
+        </p:spPr>
+      </p:pic>
+      <p:pic>
+        <p:nvPicPr>
+          <p:cNvPr id="2056" name="Picture 8">
+            <a:extLst>
+              <a:ext uri="{FF2B5EF4-FFF2-40B4-BE49-F238E27FC236}">
+                <a16:creationId xmlns:a16="http://schemas.microsoft.com/office/drawing/2014/main" id="{2ECB46EA-2275-4C6F-B48C-ECFD2E2C3082}"/>
+              </a:ext>
+            </a:extLst>
+          </p:cNvPr>
+          <p:cNvPicPr>
+            <a:picLocks noChangeAspect="1" noChangeArrowheads="1"/>
+          </p:cNvPicPr>
+          <p:nvPr/>
+        </p:nvPicPr>
+        <p:blipFill>
+          <a:blip r:embed="rId5">
+            <a:extLst>
+              <a:ext uri="{28A0092B-C50C-407E-A947-70E740481C1C}">
+                <a14:useLocalDpi xmlns:a14="http://schemas.microsoft.com/office/drawing/2010/main" val="0"/>
+              </a:ext>
+            </a:extLst>
+          </a:blip>
+          <a:srcRect/>
+          <a:stretch>
+            <a:fillRect/>
+          </a:stretch>
+        </p:blipFill>
+        <p:spPr bwMode="auto">
+          <a:xfrm>
+            <a:off x="9048750" y="1690688"/>
+            <a:ext cx="2876550" cy="2514600"/>
+          </a:xfrm>
+          <a:prstGeom prst="rect">
+            <a:avLst/>
+          </a:prstGeom>
+          <a:noFill/>
+          <a:extLst>
+            <a:ext uri="{909E8E84-426E-40DD-AFC4-6F175D3DCCD1}">
+              <a14:hiddenFill xmlns:a14="http://schemas.microsoft.com/office/drawing/2010/main">
+                <a:solidFill>
+                  <a:srgbClr val="FFFFFF"/>
+                </a:solidFill>
+              </a14:hiddenFill>
+            </a:ext>
+          </a:extLst>
+        </p:spPr>
+      </p:pic>
+      <p:pic>
+        <p:nvPicPr>
+          <p:cNvPr id="8" name="Picture 4">
+            <a:extLst>
+              <a:ext uri="{FF2B5EF4-FFF2-40B4-BE49-F238E27FC236}">
+                <a16:creationId xmlns:a16="http://schemas.microsoft.com/office/drawing/2014/main" id="{B1A92860-4218-47F9-A33D-5E2D78CD7C5A}"/>
+              </a:ext>
+            </a:extLst>
+          </p:cNvPr>
+          <p:cNvPicPr>
+            <a:picLocks noChangeAspect="1" noChangeArrowheads="1"/>
+          </p:cNvPicPr>
+          <p:nvPr/>
+        </p:nvPicPr>
+        <p:blipFill>
+          <a:blip r:embed="rId6">
+            <a:extLst>
+              <a:ext uri="{28A0092B-C50C-407E-A947-70E740481C1C}">
+                <a14:useLocalDpi xmlns:a14="http://schemas.microsoft.com/office/drawing/2010/main" val="0"/>
+              </a:ext>
+            </a:extLst>
+          </a:blip>
+          <a:srcRect/>
+          <a:stretch>
+            <a:fillRect/>
+          </a:stretch>
+        </p:blipFill>
+        <p:spPr bwMode="auto">
+          <a:xfrm>
+            <a:off x="-31591" y="4040029"/>
+            <a:ext cx="3162300" cy="2514600"/>
+          </a:xfrm>
+          <a:prstGeom prst="rect">
+            <a:avLst/>
+          </a:prstGeom>
+          <a:noFill/>
+          <a:extLst>
+            <a:ext uri="{909E8E84-426E-40DD-AFC4-6F175D3DCCD1}">
+              <a14:hiddenFill xmlns:a14="http://schemas.microsoft.com/office/drawing/2010/main">
+                <a:solidFill>
+                  <a:srgbClr val="FFFFFF"/>
+                </a:solidFill>
+              </a14:hiddenFill>
+            </a:ext>
+          </a:extLst>
+        </p:spPr>
+      </p:pic>
+      <p:pic>
+        <p:nvPicPr>
+          <p:cNvPr id="9" name="Picture 6">
+            <a:extLst>
+              <a:ext uri="{FF2B5EF4-FFF2-40B4-BE49-F238E27FC236}">
+                <a16:creationId xmlns:a16="http://schemas.microsoft.com/office/drawing/2014/main" id="{74812B3F-C72E-4101-B5F0-B5BDF2A385DA}"/>
+              </a:ext>
+            </a:extLst>
+          </p:cNvPr>
+          <p:cNvPicPr>
+            <a:picLocks noChangeAspect="1" noChangeArrowheads="1"/>
+          </p:cNvPicPr>
+          <p:nvPr/>
+        </p:nvPicPr>
+        <p:blipFill>
+          <a:blip r:embed="rId7">
+            <a:extLst>
+              <a:ext uri="{28A0092B-C50C-407E-A947-70E740481C1C}">
+                <a14:useLocalDpi xmlns:a14="http://schemas.microsoft.com/office/drawing/2010/main" val="0"/>
+              </a:ext>
+            </a:extLst>
+          </a:blip>
+          <a:srcRect/>
+          <a:stretch>
+            <a:fillRect/>
+          </a:stretch>
+        </p:blipFill>
+        <p:spPr bwMode="auto">
+          <a:xfrm>
+            <a:off x="3020854" y="4100830"/>
+            <a:ext cx="3105150" cy="2514600"/>
+          </a:xfrm>
+          <a:prstGeom prst="rect">
+            <a:avLst/>
+          </a:prstGeom>
+          <a:noFill/>
+          <a:extLst>
+            <a:ext uri="{909E8E84-426E-40DD-AFC4-6F175D3DCCD1}">
+              <a14:hiddenFill xmlns:a14="http://schemas.microsoft.com/office/drawing/2010/main">
+                <a:solidFill>
+                  <a:srgbClr val="FFFFFF"/>
+                </a:solidFill>
+              </a14:hiddenFill>
+            </a:ext>
+          </a:extLst>
+        </p:spPr>
+      </p:pic>
+      <p:pic>
+        <p:nvPicPr>
+          <p:cNvPr id="10" name="Picture 8">
+            <a:extLst>
+              <a:ext uri="{FF2B5EF4-FFF2-40B4-BE49-F238E27FC236}">
+                <a16:creationId xmlns:a16="http://schemas.microsoft.com/office/drawing/2014/main" id="{5AC6F749-BB15-4B4C-A88B-AA8127ED0FE0}"/>
+              </a:ext>
+            </a:extLst>
+          </p:cNvPr>
+          <p:cNvPicPr>
+            <a:picLocks noChangeAspect="1" noChangeArrowheads="1"/>
+          </p:cNvPicPr>
+          <p:nvPr/>
+        </p:nvPicPr>
+        <p:blipFill>
+          <a:blip r:embed="rId8">
+            <a:extLst>
+              <a:ext uri="{28A0092B-C50C-407E-A947-70E740481C1C}">
+                <a14:useLocalDpi xmlns:a14="http://schemas.microsoft.com/office/drawing/2010/main" val="0"/>
+              </a:ext>
+            </a:extLst>
+          </a:blip>
+          <a:srcRect/>
+          <a:stretch>
+            <a:fillRect/>
+          </a:stretch>
+        </p:blipFill>
+        <p:spPr bwMode="auto">
+          <a:xfrm>
+            <a:off x="6059329" y="4205288"/>
+            <a:ext cx="2876550" cy="2514600"/>
+          </a:xfrm>
+          <a:prstGeom prst="rect">
+            <a:avLst/>
+          </a:prstGeom>
+          <a:noFill/>
+          <a:extLst>
+            <a:ext uri="{909E8E84-426E-40DD-AFC4-6F175D3DCCD1}">
+              <a14:hiddenFill xmlns:a14="http://schemas.microsoft.com/office/drawing/2010/main">
+                <a:solidFill>
+                  <a:srgbClr val="FFFFFF"/>
+                </a:solidFill>
+              </a14:hiddenFill>
+            </a:ext>
+          </a:extLst>
+        </p:spPr>
+      </p:pic>
+      <p:pic>
+        <p:nvPicPr>
+          <p:cNvPr id="11" name="Picture 10">
+            <a:extLst>
+              <a:ext uri="{FF2B5EF4-FFF2-40B4-BE49-F238E27FC236}">
+                <a16:creationId xmlns:a16="http://schemas.microsoft.com/office/drawing/2014/main" id="{4B989E9C-08B7-409C-A5EF-474B97386739}"/>
+              </a:ext>
+            </a:extLst>
+          </p:cNvPr>
+          <p:cNvPicPr>
+            <a:picLocks noChangeAspect="1" noChangeArrowheads="1"/>
+          </p:cNvPicPr>
+          <p:nvPr/>
+        </p:nvPicPr>
+        <p:blipFill>
+          <a:blip r:embed="rId9">
+            <a:extLst>
+              <a:ext uri="{28A0092B-C50C-407E-A947-70E740481C1C}">
+                <a14:useLocalDpi xmlns:a14="http://schemas.microsoft.com/office/drawing/2010/main" val="0"/>
+              </a:ext>
+            </a:extLst>
+          </a:blip>
+          <a:srcRect/>
+          <a:stretch>
+            <a:fillRect/>
+          </a:stretch>
+        </p:blipFill>
+        <p:spPr bwMode="auto">
+          <a:xfrm>
+            <a:off x="8910320" y="4205288"/>
+            <a:ext cx="2933700" cy="2514600"/>
+          </a:xfrm>
+          <a:prstGeom prst="rect">
+            <a:avLst/>
+          </a:prstGeom>
+          <a:noFill/>
+          <a:extLst>
+            <a:ext uri="{909E8E84-426E-40DD-AFC4-6F175D3DCCD1}">
+              <a14:hiddenFill xmlns:a14="http://schemas.microsoft.com/office/drawing/2010/main">
+                <a:solidFill>
+                  <a:srgbClr val="FFFFFF"/>
+                </a:solidFill>
+              </a14:hiddenFill>
+            </a:ext>
+          </a:extLst>
+        </p:spPr>
+      </p:pic>
+    </p:spTree>
+    <p:extLst>
+      <p:ext uri="{BB962C8B-B14F-4D97-AF65-F5344CB8AC3E}">
+        <p14:creationId xmlns:p14="http://schemas.microsoft.com/office/powerpoint/2010/main" val="1374998937"/>
+      </p:ext>
+    </p:extLst>
+  </p:cSld>
+  <p:clrMapOvr>
+    <a:masterClrMapping/>
+  </p:clrMapOvr>
+</p:sld>
+</file>
+
 <file path=ppt/theme/theme1.xml><?xml version="1.0" encoding="utf-8"?>
 <a:theme xmlns:a="http://schemas.openxmlformats.org/drawingml/2006/main" name="Office Theme">
   <a:themeElements>

--- a/notes/Oct_26_averaging_and_toy2.pptx
+++ b/notes/Oct_26_averaging_and_toy2.pptx
@@ -9,8 +9,10 @@
     <p:sldId id="258" r:id="rId3"/>
     <p:sldId id="257" r:id="rId4"/>
     <p:sldId id="261" r:id="rId5"/>
-    <p:sldId id="259" r:id="rId6"/>
-    <p:sldId id="260" r:id="rId7"/>
+    <p:sldId id="263" r:id="rId6"/>
+    <p:sldId id="262" r:id="rId7"/>
+    <p:sldId id="259" r:id="rId8"/>
+    <p:sldId id="260" r:id="rId9"/>
   </p:sldIdLst>
   <p:sldSz cx="12192000" cy="6858000"/>
   <p:notesSz cx="6858000" cy="9144000"/>
@@ -120,7 +122,7 @@
 <file path=ppt/revisionInfo.xml><?xml version="1.0" encoding="utf-8"?>
 <p1510:revInfo xmlns:a="http://schemas.openxmlformats.org/drawingml/2006/main" xmlns:r="http://schemas.openxmlformats.org/officeDocument/2006/relationships" xmlns:p1510="http://schemas.microsoft.com/office/powerpoint/2015/10/main">
   <p1510:revLst>
-    <p1510:client id="{61DBC332-9CC0-465A-AB04-996F0238E80A}" v="55" dt="2021-11-01T18:53:14.278"/>
+    <p1510:client id="{61DBC332-9CC0-465A-AB04-996F0238E80A}" v="74" dt="2021-11-01T20:11:29.383"/>
   </p1510:revLst>
 </p1510:revInfo>
 </file>
@@ -130,7 +132,7 @@
   <pc:docChgLst>
     <pc:chgData name="Katie Johnston" userId="a8803450-7667-44c1-ac00-9653f319424f" providerId="ADAL" clId="{61DBC332-9CC0-465A-AB04-996F0238E80A}"/>
     <pc:docChg chg="undo custSel addSld modSld sldOrd">
-      <pc:chgData name="Katie Johnston" userId="a8803450-7667-44c1-ac00-9653f319424f" providerId="ADAL" clId="{61DBC332-9CC0-465A-AB04-996F0238E80A}" dt="2021-11-01T18:54:32.496" v="491" actId="313"/>
+      <pc:chgData name="Katie Johnston" userId="a8803450-7667-44c1-ac00-9653f319424f" providerId="ADAL" clId="{61DBC332-9CC0-465A-AB04-996F0238E80A}" dt="2021-11-01T20:12:00.865" v="1012" actId="14100"/>
       <pc:docMkLst>
         <pc:docMk/>
       </pc:docMkLst>
@@ -339,7 +341,7 @@
         </pc:picChg>
       </pc:sldChg>
       <pc:sldChg chg="addSp delSp modSp new mod ord">
-        <pc:chgData name="Katie Johnston" userId="a8803450-7667-44c1-ac00-9653f319424f" providerId="ADAL" clId="{61DBC332-9CC0-465A-AB04-996F0238E80A}" dt="2021-11-01T18:54:32.496" v="491" actId="313"/>
+        <pc:chgData name="Katie Johnston" userId="a8803450-7667-44c1-ac00-9653f319424f" providerId="ADAL" clId="{61DBC332-9CC0-465A-AB04-996F0238E80A}" dt="2021-11-01T20:12:00.865" v="1012" actId="14100"/>
         <pc:sldMkLst>
           <pc:docMk/>
           <pc:sldMk cId="3980966848" sldId="261"/>
@@ -369,11 +371,19 @@
           </ac:spMkLst>
         </pc:spChg>
         <pc:spChg chg="add mod">
-          <ac:chgData name="Katie Johnston" userId="a8803450-7667-44c1-ac00-9653f319424f" providerId="ADAL" clId="{61DBC332-9CC0-465A-AB04-996F0238E80A}" dt="2021-11-01T18:53:49.010" v="490" actId="20577"/>
+          <ac:chgData name="Katie Johnston" userId="a8803450-7667-44c1-ac00-9653f319424f" providerId="ADAL" clId="{61DBC332-9CC0-465A-AB04-996F0238E80A}" dt="2021-11-01T20:12:00.865" v="1012" actId="14100"/>
           <ac:spMkLst>
             <pc:docMk/>
             <pc:sldMk cId="3980966848" sldId="261"/>
             <ac:spMk id="9" creationId="{3C97F9D6-8159-44EF-99E9-CF8A2B69CF91}"/>
+          </ac:spMkLst>
+        </pc:spChg>
+        <pc:spChg chg="add mod">
+          <ac:chgData name="Katie Johnston" userId="a8803450-7667-44c1-ac00-9653f319424f" providerId="ADAL" clId="{61DBC332-9CC0-465A-AB04-996F0238E80A}" dt="2021-11-01T18:57:48.578" v="662" actId="20577"/>
+          <ac:spMkLst>
+            <pc:docMk/>
+            <pc:sldMk cId="3980966848" sldId="261"/>
+            <ac:spMk id="10" creationId="{53CBC0F8-08E9-407D-A457-834D8994D602}"/>
           </ac:spMkLst>
         </pc:spChg>
         <pc:spChg chg="add mod">
@@ -430,6 +440,132 @@
             <pc:docMk/>
             <pc:sldMk cId="3980966848" sldId="261"/>
             <ac:picMk id="3080" creationId="{6B48B442-9E8A-472D-BADA-8FFB11E0F8ED}"/>
+          </ac:picMkLst>
+        </pc:picChg>
+      </pc:sldChg>
+      <pc:sldChg chg="addSp delSp modSp new mod">
+        <pc:chgData name="Katie Johnston" userId="a8803450-7667-44c1-ac00-9653f319424f" providerId="ADAL" clId="{61DBC332-9CC0-465A-AB04-996F0238E80A}" dt="2021-11-01T20:04:42.031" v="857" actId="20577"/>
+        <pc:sldMkLst>
+          <pc:docMk/>
+          <pc:sldMk cId="3079746576" sldId="262"/>
+        </pc:sldMkLst>
+        <pc:spChg chg="mod">
+          <ac:chgData name="Katie Johnston" userId="a8803450-7667-44c1-ac00-9653f319424f" providerId="ADAL" clId="{61DBC332-9CC0-465A-AB04-996F0238E80A}" dt="2021-11-01T20:02:56.650" v="697" actId="20577"/>
+          <ac:spMkLst>
+            <pc:docMk/>
+            <pc:sldMk cId="3079746576" sldId="262"/>
+            <ac:spMk id="2" creationId="{7527406E-331B-4DE3-8D46-311B68A51AF7}"/>
+          </ac:spMkLst>
+        </pc:spChg>
+        <pc:spChg chg="del">
+          <ac:chgData name="Katie Johnston" userId="a8803450-7667-44c1-ac00-9653f319424f" providerId="ADAL" clId="{61DBC332-9CC0-465A-AB04-996F0238E80A}" dt="2021-11-01T20:03:00.038" v="698" actId="478"/>
+          <ac:spMkLst>
+            <pc:docMk/>
+            <pc:sldMk cId="3079746576" sldId="262"/>
+            <ac:spMk id="3" creationId="{5FD8274D-0F79-4C9B-B3E8-98D286EA1E83}"/>
+          </ac:spMkLst>
+        </pc:spChg>
+        <pc:spChg chg="add mod">
+          <ac:chgData name="Katie Johnston" userId="a8803450-7667-44c1-ac00-9653f319424f" providerId="ADAL" clId="{61DBC332-9CC0-465A-AB04-996F0238E80A}" dt="2021-11-01T20:03:41.653" v="741" actId="1076"/>
+          <ac:spMkLst>
+            <pc:docMk/>
+            <pc:sldMk cId="3079746576" sldId="262"/>
+            <ac:spMk id="4" creationId="{BC1ABE50-CE5F-49B0-A766-C33DCCDD0E40}"/>
+          </ac:spMkLst>
+        </pc:spChg>
+        <pc:spChg chg="add mod">
+          <ac:chgData name="Katie Johnston" userId="a8803450-7667-44c1-ac00-9653f319424f" providerId="ADAL" clId="{61DBC332-9CC0-465A-AB04-996F0238E80A}" dt="2021-11-01T20:03:36.031" v="740" actId="20577"/>
+          <ac:spMkLst>
+            <pc:docMk/>
+            <pc:sldMk cId="3079746576" sldId="262"/>
+            <ac:spMk id="5" creationId="{30DC4815-1F4A-4D42-8D5A-096FE2B91459}"/>
+          </ac:spMkLst>
+        </pc:spChg>
+        <pc:spChg chg="add mod">
+          <ac:chgData name="Katie Johnston" userId="a8803450-7667-44c1-ac00-9653f319424f" providerId="ADAL" clId="{61DBC332-9CC0-465A-AB04-996F0238E80A}" dt="2021-11-01T20:04:42.031" v="857" actId="20577"/>
+          <ac:spMkLst>
+            <pc:docMk/>
+            <pc:sldMk cId="3079746576" sldId="262"/>
+            <ac:spMk id="6" creationId="{67BA2447-38B6-4221-871A-314CFBA6D88A}"/>
+          </ac:spMkLst>
+        </pc:spChg>
+        <pc:picChg chg="add mod">
+          <ac:chgData name="Katie Johnston" userId="a8803450-7667-44c1-ac00-9653f319424f" providerId="ADAL" clId="{61DBC332-9CC0-465A-AB04-996F0238E80A}" dt="2021-11-01T20:03:03.487" v="701" actId="1076"/>
+          <ac:picMkLst>
+            <pc:docMk/>
+            <pc:sldMk cId="3079746576" sldId="262"/>
+            <ac:picMk id="4098" creationId="{68382DCD-C730-4AA1-9444-D09C0C52A47A}"/>
+          </ac:picMkLst>
+        </pc:picChg>
+        <pc:picChg chg="add mod">
+          <ac:chgData name="Katie Johnston" userId="a8803450-7667-44c1-ac00-9653f319424f" providerId="ADAL" clId="{61DBC332-9CC0-465A-AB04-996F0238E80A}" dt="2021-11-01T20:03:15.327" v="703" actId="1076"/>
+          <ac:picMkLst>
+            <pc:docMk/>
+            <pc:sldMk cId="3079746576" sldId="262"/>
+            <ac:picMk id="4100" creationId="{9BD65EE8-F7AF-409B-B496-1673CCF043B8}"/>
+          </ac:picMkLst>
+        </pc:picChg>
+      </pc:sldChg>
+      <pc:sldChg chg="addSp delSp modSp new mod">
+        <pc:chgData name="Katie Johnston" userId="a8803450-7667-44c1-ac00-9653f319424f" providerId="ADAL" clId="{61DBC332-9CC0-465A-AB04-996F0238E80A}" dt="2021-11-01T20:11:35.352" v="947" actId="20577"/>
+        <pc:sldMkLst>
+          <pc:docMk/>
+          <pc:sldMk cId="1488461104" sldId="263"/>
+        </pc:sldMkLst>
+        <pc:spChg chg="mod">
+          <ac:chgData name="Katie Johnston" userId="a8803450-7667-44c1-ac00-9653f319424f" providerId="ADAL" clId="{61DBC332-9CC0-465A-AB04-996F0238E80A}" dt="2021-11-01T20:10:03.419" v="905" actId="313"/>
+          <ac:spMkLst>
+            <pc:docMk/>
+            <pc:sldMk cId="1488461104" sldId="263"/>
+            <ac:spMk id="2" creationId="{3032733F-5154-4A51-9C0D-E62F5A37A425}"/>
+          </ac:spMkLst>
+        </pc:spChg>
+        <pc:spChg chg="del mod">
+          <ac:chgData name="Katie Johnston" userId="a8803450-7667-44c1-ac00-9653f319424f" providerId="ADAL" clId="{61DBC332-9CC0-465A-AB04-996F0238E80A}" dt="2021-11-01T20:10:07.086" v="907"/>
+          <ac:spMkLst>
+            <pc:docMk/>
+            <pc:sldMk cId="1488461104" sldId="263"/>
+            <ac:spMk id="3" creationId="{1A4E4426-1020-4700-9412-BFC66BC81757}"/>
+          </ac:spMkLst>
+        </pc:spChg>
+        <pc:spChg chg="add mod">
+          <ac:chgData name="Katie Johnston" userId="a8803450-7667-44c1-ac00-9653f319424f" providerId="ADAL" clId="{61DBC332-9CC0-465A-AB04-996F0238E80A}" dt="2021-11-01T20:11:35.352" v="947" actId="20577"/>
+          <ac:spMkLst>
+            <pc:docMk/>
+            <pc:sldMk cId="1488461104" sldId="263"/>
+            <ac:spMk id="6" creationId="{99D46522-CDA1-49B1-BADD-ADAA1EE209AD}"/>
+          </ac:spMkLst>
+        </pc:spChg>
+        <pc:picChg chg="add mod">
+          <ac:chgData name="Katie Johnston" userId="a8803450-7667-44c1-ac00-9653f319424f" providerId="ADAL" clId="{61DBC332-9CC0-465A-AB04-996F0238E80A}" dt="2021-11-01T20:10:55.111" v="914" actId="1076"/>
+          <ac:picMkLst>
+            <pc:docMk/>
+            <pc:sldMk cId="1488461104" sldId="263"/>
+            <ac:picMk id="5" creationId="{726D4341-0088-4F88-9DA9-5F8BD5852973}"/>
+          </ac:picMkLst>
+        </pc:picChg>
+        <pc:picChg chg="add mod">
+          <ac:chgData name="Katie Johnston" userId="a8803450-7667-44c1-ac00-9653f319424f" providerId="ADAL" clId="{61DBC332-9CC0-465A-AB04-996F0238E80A}" dt="2021-11-01T20:10:11.190" v="909" actId="14100"/>
+          <ac:picMkLst>
+            <pc:docMk/>
+            <pc:sldMk cId="1488461104" sldId="263"/>
+            <ac:picMk id="5122" creationId="{06A18F19-F7CD-4D2B-995A-654C45E9E90B}"/>
+          </ac:picMkLst>
+        </pc:picChg>
+        <pc:picChg chg="add mod">
+          <ac:chgData name="Katie Johnston" userId="a8803450-7667-44c1-ac00-9653f319424f" providerId="ADAL" clId="{61DBC332-9CC0-465A-AB04-996F0238E80A}" dt="2021-11-01T20:10:33.886" v="912" actId="1076"/>
+          <ac:picMkLst>
+            <pc:docMk/>
+            <pc:sldMk cId="1488461104" sldId="263"/>
+            <ac:picMk id="5124" creationId="{E229E69D-FFBD-41B6-B60F-08B769237604}"/>
+          </ac:picMkLst>
+        </pc:picChg>
+        <pc:picChg chg="add mod">
+          <ac:chgData name="Katie Johnston" userId="a8803450-7667-44c1-ac00-9653f319424f" providerId="ADAL" clId="{61DBC332-9CC0-465A-AB04-996F0238E80A}" dt="2021-11-01T20:11:06.726" v="917" actId="1076"/>
+          <ac:picMkLst>
+            <pc:docMk/>
+            <pc:sldMk cId="1488461104" sldId="263"/>
+            <ac:picMk id="5126" creationId="{C49C8B9A-1DCB-483F-8118-D2EE67AAB884}"/>
           </ac:picMkLst>
         </pc:picChg>
       </pc:sldChg>
@@ -4431,7 +4567,7 @@
         <p:spPr>
           <a:xfrm>
             <a:off x="2204720" y="5283200"/>
-            <a:ext cx="4417363" cy="1200329"/>
+            <a:ext cx="3464560" cy="2308324"/>
           </a:xfrm>
           <a:prstGeom prst="rect">
             <a:avLst/>
@@ -4439,7 +4575,7 @@
           <a:noFill/>
         </p:spPr>
         <p:txBody>
-          <a:bodyPr wrap="none" rtlCol="0">
+          <a:bodyPr wrap="square" rtlCol="0">
             <a:spAutoFit/>
           </a:bodyPr>
           <a:lstStyle/>
@@ -4470,6 +4606,15 @@
             <a:r>
               <a:rPr lang="en-US" dirty="0"/>
               <a:t>How should I go on from here??</a:t>
+            </a:r>
+          </a:p>
+          <a:p>
+            <a:endParaRPr lang="en-US" dirty="0"/>
+          </a:p>
+          <a:p>
+            <a:r>
+              <a:rPr lang="en-US" dirty="0"/>
+              <a:t>Picking up both timescales. Fast is double frequency of slow</a:t>
             </a:r>
           </a:p>
         </p:txBody>
@@ -4521,6 +4666,61 @@
           </a:extLst>
         </p:spPr>
       </p:pic>
+      <p:sp>
+        <p:nvSpPr>
+          <p:cNvPr id="10" name="TextBox 9">
+            <a:extLst>
+              <a:ext uri="{FF2B5EF4-FFF2-40B4-BE49-F238E27FC236}">
+                <a16:creationId xmlns:a16="http://schemas.microsoft.com/office/drawing/2014/main" id="{53CBC0F8-08E9-407D-A457-834D8994D602}"/>
+              </a:ext>
+            </a:extLst>
+          </p:cNvPr>
+          <p:cNvSpPr txBox="1"/>
+          <p:nvPr/>
+        </p:nvSpPr>
+        <p:spPr>
+          <a:xfrm>
+            <a:off x="6167120" y="6483529"/>
+            <a:ext cx="3992880" cy="1754326"/>
+          </a:xfrm>
+          <a:prstGeom prst="rect">
+            <a:avLst/>
+          </a:prstGeom>
+          <a:noFill/>
+        </p:spPr>
+        <p:txBody>
+          <a:bodyPr wrap="square" rtlCol="0">
+            <a:spAutoFit/>
+          </a:bodyPr>
+          <a:lstStyle/>
+          <a:p>
+            <a:r>
+              <a:rPr lang="en-US" dirty="0"/>
+              <a:t>If I train, starting with biggest, on next </a:t>
+            </a:r>
+            <a:r>
+              <a:rPr lang="en-US" dirty="0" err="1"/>
+              <a:t>refinments</a:t>
+            </a:r>
+            <a:r>
+              <a:rPr lang="en-US" dirty="0"/>
+              <a:t>, I can check if I have low enough error, and if not, refine. </a:t>
+            </a:r>
+          </a:p>
+          <a:p>
+            <a:endParaRPr lang="en-US" dirty="0"/>
+          </a:p>
+          <a:p>
+            <a:r>
+              <a:rPr lang="en-US" dirty="0"/>
+              <a:t>How should I pick for small to large?</a:t>
+            </a:r>
+          </a:p>
+          <a:p>
+            <a:endParaRPr lang="en-US" dirty="0"/>
+          </a:p>
+        </p:txBody>
+      </p:sp>
     </p:spTree>
     <p:extLst>
       <p:ext uri="{BB962C8B-B14F-4D97-AF65-F5344CB8AC3E}">
@@ -4535,6 +4735,542 @@
 </file>
 
 <file path=ppt/slides/slide5.xml><?xml version="1.0" encoding="utf-8"?>
+<p:sld xmlns:a="http://schemas.openxmlformats.org/drawingml/2006/main" xmlns:r="http://schemas.openxmlformats.org/officeDocument/2006/relationships" xmlns:p="http://schemas.openxmlformats.org/presentationml/2006/main">
+  <p:cSld>
+    <p:spTree>
+      <p:nvGrpSpPr>
+        <p:cNvPr id="1" name=""/>
+        <p:cNvGrpSpPr/>
+        <p:nvPr/>
+      </p:nvGrpSpPr>
+      <p:grpSpPr>
+        <a:xfrm>
+          <a:off x="0" y="0"/>
+          <a:ext cx="0" cy="0"/>
+          <a:chOff x="0" y="0"/>
+          <a:chExt cx="0" cy="0"/>
+        </a:xfrm>
+      </p:grpSpPr>
+      <p:sp>
+        <p:nvSpPr>
+          <p:cNvPr id="2" name="Title 1">
+            <a:extLst>
+              <a:ext uri="{FF2B5EF4-FFF2-40B4-BE49-F238E27FC236}">
+                <a16:creationId xmlns:a16="http://schemas.microsoft.com/office/drawing/2014/main" id="{3032733F-5154-4A51-9C0D-E62F5A37A425}"/>
+              </a:ext>
+            </a:extLst>
+          </p:cNvPr>
+          <p:cNvSpPr>
+            <a:spLocks noGrp="1"/>
+          </p:cNvSpPr>
+          <p:nvPr>
+            <p:ph type="title"/>
+          </p:nvPr>
+        </p:nvSpPr>
+        <p:spPr/>
+        <p:txBody>
+          <a:bodyPr/>
+          <a:lstStyle/>
+          <a:p>
+            <a:r>
+              <a:rPr lang="en-US" dirty="0"/>
+              <a:t>Fitting on the coarsest scale</a:t>
+            </a:r>
+          </a:p>
+        </p:txBody>
+      </p:sp>
+      <p:pic>
+        <p:nvPicPr>
+          <p:cNvPr id="5122" name="Picture 2">
+            <a:extLst>
+              <a:ext uri="{FF2B5EF4-FFF2-40B4-BE49-F238E27FC236}">
+                <a16:creationId xmlns:a16="http://schemas.microsoft.com/office/drawing/2014/main" id="{06A18F19-F7CD-4D2B-995A-654C45E9E90B}"/>
+              </a:ext>
+            </a:extLst>
+          </p:cNvPr>
+          <p:cNvPicPr>
+            <a:picLocks noGrp="1" noChangeAspect="1" noChangeArrowheads="1"/>
+          </p:cNvPicPr>
+          <p:nvPr>
+            <p:ph idx="1"/>
+          </p:nvPr>
+        </p:nvPicPr>
+        <p:blipFill>
+          <a:blip r:embed="rId2">
+            <a:extLst>
+              <a:ext uri="{28A0092B-C50C-407E-A947-70E740481C1C}">
+                <a14:useLocalDpi xmlns:a14="http://schemas.microsoft.com/office/drawing/2010/main" val="0"/>
+              </a:ext>
+            </a:extLst>
+          </a:blip>
+          <a:srcRect/>
+          <a:stretch>
+            <a:fillRect/>
+          </a:stretch>
+        </p:blipFill>
+        <p:spPr bwMode="auto">
+          <a:xfrm>
+            <a:off x="421936" y="4003039"/>
+            <a:ext cx="4050926" cy="2700617"/>
+          </a:xfrm>
+          <a:prstGeom prst="rect">
+            <a:avLst/>
+          </a:prstGeom>
+          <a:noFill/>
+          <a:extLst>
+            <a:ext uri="{909E8E84-426E-40DD-AFC4-6F175D3DCCD1}">
+              <a14:hiddenFill xmlns:a14="http://schemas.microsoft.com/office/drawing/2010/main">
+                <a:solidFill>
+                  <a:srgbClr val="FFFFFF"/>
+                </a:solidFill>
+              </a14:hiddenFill>
+            </a:ext>
+          </a:extLst>
+        </p:spPr>
+      </p:pic>
+      <p:pic>
+        <p:nvPicPr>
+          <p:cNvPr id="5124" name="Picture 4">
+            <a:extLst>
+              <a:ext uri="{FF2B5EF4-FFF2-40B4-BE49-F238E27FC236}">
+                <a16:creationId xmlns:a16="http://schemas.microsoft.com/office/drawing/2014/main" id="{E229E69D-FFBD-41B6-B60F-08B769237604}"/>
+              </a:ext>
+            </a:extLst>
+          </p:cNvPr>
+          <p:cNvPicPr>
+            <a:picLocks noChangeAspect="1" noChangeArrowheads="1"/>
+          </p:cNvPicPr>
+          <p:nvPr/>
+        </p:nvPicPr>
+        <p:blipFill>
+          <a:blip r:embed="rId3">
+            <a:extLst>
+              <a:ext uri="{28A0092B-C50C-407E-A947-70E740481C1C}">
+                <a14:useLocalDpi xmlns:a14="http://schemas.microsoft.com/office/drawing/2010/main" val="0"/>
+              </a:ext>
+            </a:extLst>
+          </a:blip>
+          <a:srcRect/>
+          <a:stretch>
+            <a:fillRect/>
+          </a:stretch>
+        </p:blipFill>
+        <p:spPr bwMode="auto">
+          <a:xfrm>
+            <a:off x="7101840" y="1591310"/>
+            <a:ext cx="4756475" cy="1944370"/>
+          </a:xfrm>
+          <a:prstGeom prst="rect">
+            <a:avLst/>
+          </a:prstGeom>
+          <a:noFill/>
+          <a:extLst>
+            <a:ext uri="{909E8E84-426E-40DD-AFC4-6F175D3DCCD1}">
+              <a14:hiddenFill xmlns:a14="http://schemas.microsoft.com/office/drawing/2010/main">
+                <a:solidFill>
+                  <a:srgbClr val="FFFFFF"/>
+                </a:solidFill>
+              </a14:hiddenFill>
+            </a:ext>
+          </a:extLst>
+        </p:spPr>
+      </p:pic>
+      <p:pic>
+        <p:nvPicPr>
+          <p:cNvPr id="5" name="Picture 4">
+            <a:extLst>
+              <a:ext uri="{FF2B5EF4-FFF2-40B4-BE49-F238E27FC236}">
+                <a16:creationId xmlns:a16="http://schemas.microsoft.com/office/drawing/2014/main" id="{726D4341-0088-4F88-9DA9-5F8BD5852973}"/>
+              </a:ext>
+            </a:extLst>
+          </p:cNvPr>
+          <p:cNvPicPr>
+            <a:picLocks noChangeAspect="1"/>
+          </p:cNvPicPr>
+          <p:nvPr/>
+        </p:nvPicPr>
+        <p:blipFill>
+          <a:blip r:embed="rId4"/>
+          <a:stretch>
+            <a:fillRect/>
+          </a:stretch>
+        </p:blipFill>
+        <p:spPr>
+          <a:xfrm>
+            <a:off x="6116320" y="3752215"/>
+            <a:ext cx="5572125" cy="2019300"/>
+          </a:xfrm>
+          <a:prstGeom prst="rect">
+            <a:avLst/>
+          </a:prstGeom>
+        </p:spPr>
+      </p:pic>
+      <p:pic>
+        <p:nvPicPr>
+          <p:cNvPr id="5126" name="Picture 6">
+            <a:extLst>
+              <a:ext uri="{FF2B5EF4-FFF2-40B4-BE49-F238E27FC236}">
+                <a16:creationId xmlns:a16="http://schemas.microsoft.com/office/drawing/2014/main" id="{C49C8B9A-1DCB-483F-8118-D2EE67AAB884}"/>
+              </a:ext>
+            </a:extLst>
+          </p:cNvPr>
+          <p:cNvPicPr>
+            <a:picLocks noChangeAspect="1" noChangeArrowheads="1"/>
+          </p:cNvPicPr>
+          <p:nvPr/>
+        </p:nvPicPr>
+        <p:blipFill>
+          <a:blip r:embed="rId5">
+            <a:extLst>
+              <a:ext uri="{28A0092B-C50C-407E-A947-70E740481C1C}">
+                <a14:useLocalDpi xmlns:a14="http://schemas.microsoft.com/office/drawing/2010/main" val="0"/>
+              </a:ext>
+            </a:extLst>
+          </a:blip>
+          <a:srcRect/>
+          <a:stretch>
+            <a:fillRect/>
+          </a:stretch>
+        </p:blipFill>
+        <p:spPr bwMode="auto">
+          <a:xfrm>
+            <a:off x="767878" y="1574165"/>
+            <a:ext cx="5328122" cy="2178050"/>
+          </a:xfrm>
+          <a:prstGeom prst="rect">
+            <a:avLst/>
+          </a:prstGeom>
+          <a:noFill/>
+          <a:extLst>
+            <a:ext uri="{909E8E84-426E-40DD-AFC4-6F175D3DCCD1}">
+              <a14:hiddenFill xmlns:a14="http://schemas.microsoft.com/office/drawing/2010/main">
+                <a:solidFill>
+                  <a:srgbClr val="FFFFFF"/>
+                </a:solidFill>
+              </a14:hiddenFill>
+            </a:ext>
+          </a:extLst>
+        </p:spPr>
+      </p:pic>
+      <p:sp>
+        <p:nvSpPr>
+          <p:cNvPr id="6" name="TextBox 5">
+            <a:extLst>
+              <a:ext uri="{FF2B5EF4-FFF2-40B4-BE49-F238E27FC236}">
+                <a16:creationId xmlns:a16="http://schemas.microsoft.com/office/drawing/2014/main" id="{99D46522-CDA1-49B1-BADD-ADAA1EE209AD}"/>
+              </a:ext>
+            </a:extLst>
+          </p:cNvPr>
+          <p:cNvSpPr txBox="1"/>
+          <p:nvPr/>
+        </p:nvSpPr>
+        <p:spPr>
+          <a:xfrm>
+            <a:off x="2509520" y="5872480"/>
+            <a:ext cx="2622513" cy="369332"/>
+          </a:xfrm>
+          <a:prstGeom prst="rect">
+            <a:avLst/>
+          </a:prstGeom>
+          <a:noFill/>
+        </p:spPr>
+        <p:txBody>
+          <a:bodyPr wrap="none" rtlCol="0">
+            <a:spAutoFit/>
+          </a:bodyPr>
+          <a:lstStyle/>
+          <a:p>
+            <a:r>
+              <a:rPr lang="en-US" dirty="0"/>
+              <a:t>Picking up the 1 timescale</a:t>
+            </a:r>
+          </a:p>
+        </p:txBody>
+      </p:sp>
+    </p:spTree>
+    <p:extLst>
+      <p:ext uri="{BB962C8B-B14F-4D97-AF65-F5344CB8AC3E}">
+        <p14:creationId xmlns:p14="http://schemas.microsoft.com/office/powerpoint/2010/main" val="1488461104"/>
+      </p:ext>
+    </p:extLst>
+  </p:cSld>
+  <p:clrMapOvr>
+    <a:masterClrMapping/>
+  </p:clrMapOvr>
+</p:sld>
+</file>
+
+<file path=ppt/slides/slide6.xml><?xml version="1.0" encoding="utf-8"?>
+<p:sld xmlns:a="http://schemas.openxmlformats.org/drawingml/2006/main" xmlns:r="http://schemas.openxmlformats.org/officeDocument/2006/relationships" xmlns:p="http://schemas.openxmlformats.org/presentationml/2006/main">
+  <p:cSld>
+    <p:spTree>
+      <p:nvGrpSpPr>
+        <p:cNvPr id="1" name=""/>
+        <p:cNvGrpSpPr/>
+        <p:nvPr/>
+      </p:nvGrpSpPr>
+      <p:grpSpPr>
+        <a:xfrm>
+          <a:off x="0" y="0"/>
+          <a:ext cx="0" cy="0"/>
+          <a:chOff x="0" y="0"/>
+          <a:chExt cx="0" cy="0"/>
+        </a:xfrm>
+      </p:grpSpPr>
+      <p:sp>
+        <p:nvSpPr>
+          <p:cNvPr id="2" name="Title 1">
+            <a:extLst>
+              <a:ext uri="{FF2B5EF4-FFF2-40B4-BE49-F238E27FC236}">
+                <a16:creationId xmlns:a16="http://schemas.microsoft.com/office/drawing/2014/main" id="{7527406E-331B-4DE3-8D46-311B68A51AF7}"/>
+              </a:ext>
+            </a:extLst>
+          </p:cNvPr>
+          <p:cNvSpPr>
+            <a:spLocks noGrp="1"/>
+          </p:cNvSpPr>
+          <p:nvPr>
+            <p:ph type="title"/>
+          </p:nvPr>
+        </p:nvSpPr>
+        <p:spPr/>
+        <p:txBody>
+          <a:bodyPr/>
+          <a:lstStyle/>
+          <a:p>
+            <a:r>
+              <a:rPr lang="en-US" dirty="0"/>
+              <a:t>Toy2 through the </a:t>
+            </a:r>
+            <a:r>
+              <a:rPr lang="en-US" dirty="0" err="1"/>
+              <a:t>cnn</a:t>
+            </a:r>
+            <a:endParaRPr lang="en-US" dirty="0"/>
+          </a:p>
+        </p:txBody>
+      </p:sp>
+      <p:pic>
+        <p:nvPicPr>
+          <p:cNvPr id="4098" name="Picture 2">
+            <a:extLst>
+              <a:ext uri="{FF2B5EF4-FFF2-40B4-BE49-F238E27FC236}">
+                <a16:creationId xmlns:a16="http://schemas.microsoft.com/office/drawing/2014/main" id="{68382DCD-C730-4AA1-9444-D09C0C52A47A}"/>
+              </a:ext>
+            </a:extLst>
+          </p:cNvPr>
+          <p:cNvPicPr>
+            <a:picLocks noChangeAspect="1" noChangeArrowheads="1"/>
+          </p:cNvPicPr>
+          <p:nvPr/>
+        </p:nvPicPr>
+        <p:blipFill>
+          <a:blip r:embed="rId2">
+            <a:extLst>
+              <a:ext uri="{28A0092B-C50C-407E-A947-70E740481C1C}">
+                <a14:useLocalDpi xmlns:a14="http://schemas.microsoft.com/office/drawing/2010/main" val="0"/>
+              </a:ext>
+            </a:extLst>
+          </a:blip>
+          <a:srcRect/>
+          <a:stretch>
+            <a:fillRect/>
+          </a:stretch>
+        </p:blipFill>
+        <p:spPr bwMode="auto">
+          <a:xfrm>
+            <a:off x="838200" y="1871980"/>
+            <a:ext cx="2876550" cy="2362200"/>
+          </a:xfrm>
+          <a:prstGeom prst="rect">
+            <a:avLst/>
+          </a:prstGeom>
+          <a:noFill/>
+          <a:extLst>
+            <a:ext uri="{909E8E84-426E-40DD-AFC4-6F175D3DCCD1}">
+              <a14:hiddenFill xmlns:a14="http://schemas.microsoft.com/office/drawing/2010/main">
+                <a:solidFill>
+                  <a:srgbClr val="FFFFFF"/>
+                </a:solidFill>
+              </a14:hiddenFill>
+            </a:ext>
+          </a:extLst>
+        </p:spPr>
+      </p:pic>
+      <p:pic>
+        <p:nvPicPr>
+          <p:cNvPr id="4100" name="Picture 4">
+            <a:extLst>
+              <a:ext uri="{FF2B5EF4-FFF2-40B4-BE49-F238E27FC236}">
+                <a16:creationId xmlns:a16="http://schemas.microsoft.com/office/drawing/2014/main" id="{9BD65EE8-F7AF-409B-B496-1673CCF043B8}"/>
+              </a:ext>
+            </a:extLst>
+          </p:cNvPr>
+          <p:cNvPicPr>
+            <a:picLocks noChangeAspect="1" noChangeArrowheads="1"/>
+          </p:cNvPicPr>
+          <p:nvPr/>
+        </p:nvPicPr>
+        <p:blipFill>
+          <a:blip r:embed="rId3">
+            <a:extLst>
+              <a:ext uri="{28A0092B-C50C-407E-A947-70E740481C1C}">
+                <a14:useLocalDpi xmlns:a14="http://schemas.microsoft.com/office/drawing/2010/main" val="0"/>
+              </a:ext>
+            </a:extLst>
+          </a:blip>
+          <a:srcRect/>
+          <a:stretch>
+            <a:fillRect/>
+          </a:stretch>
+        </p:blipFill>
+        <p:spPr bwMode="auto">
+          <a:xfrm>
+            <a:off x="4572000" y="1871980"/>
+            <a:ext cx="3048000" cy="2400300"/>
+          </a:xfrm>
+          <a:prstGeom prst="rect">
+            <a:avLst/>
+          </a:prstGeom>
+          <a:noFill/>
+          <a:extLst>
+            <a:ext uri="{909E8E84-426E-40DD-AFC4-6F175D3DCCD1}">
+              <a14:hiddenFill xmlns:a14="http://schemas.microsoft.com/office/drawing/2010/main">
+                <a:solidFill>
+                  <a:srgbClr val="FFFFFF"/>
+                </a:solidFill>
+              </a14:hiddenFill>
+            </a:ext>
+          </a:extLst>
+        </p:spPr>
+      </p:pic>
+      <p:sp>
+        <p:nvSpPr>
+          <p:cNvPr id="4" name="TextBox 3">
+            <a:extLst>
+              <a:ext uri="{FF2B5EF4-FFF2-40B4-BE49-F238E27FC236}">
+                <a16:creationId xmlns:a16="http://schemas.microsoft.com/office/drawing/2014/main" id="{BC1ABE50-CE5F-49B0-A766-C33DCCDD0E40}"/>
+              </a:ext>
+            </a:extLst>
+          </p:cNvPr>
+          <p:cNvSpPr txBox="1"/>
+          <p:nvPr/>
+        </p:nvSpPr>
+        <p:spPr>
+          <a:xfrm>
+            <a:off x="1046480" y="4230806"/>
+            <a:ext cx="2878032" cy="369332"/>
+          </a:xfrm>
+          <a:prstGeom prst="rect">
+            <a:avLst/>
+          </a:prstGeom>
+          <a:noFill/>
+        </p:spPr>
+        <p:txBody>
+          <a:bodyPr wrap="none" rtlCol="0">
+            <a:spAutoFit/>
+          </a:bodyPr>
+          <a:lstStyle/>
+          <a:p>
+            <a:r>
+              <a:rPr lang="en-US" dirty="0"/>
+              <a:t>Autoencoder (final decoded)</a:t>
+            </a:r>
+          </a:p>
+        </p:txBody>
+      </p:sp>
+      <p:sp>
+        <p:nvSpPr>
+          <p:cNvPr id="5" name="TextBox 4">
+            <a:extLst>
+              <a:ext uri="{FF2B5EF4-FFF2-40B4-BE49-F238E27FC236}">
+                <a16:creationId xmlns:a16="http://schemas.microsoft.com/office/drawing/2014/main" id="{30DC4815-1F4A-4D42-8D5A-096FE2B91459}"/>
+              </a:ext>
+            </a:extLst>
+          </p:cNvPr>
+          <p:cNvSpPr txBox="1"/>
+          <p:nvPr/>
+        </p:nvSpPr>
+        <p:spPr>
+          <a:xfrm>
+            <a:off x="5354320" y="3291840"/>
+            <a:ext cx="998671" cy="369332"/>
+          </a:xfrm>
+          <a:prstGeom prst="rect">
+            <a:avLst/>
+          </a:prstGeom>
+          <a:noFill/>
+        </p:spPr>
+        <p:txBody>
+          <a:bodyPr wrap="none" rtlCol="0">
+            <a:spAutoFit/>
+          </a:bodyPr>
+          <a:lstStyle/>
+          <a:p>
+            <a:r>
+              <a:rPr lang="en-US" dirty="0"/>
+              <a:t>encoded</a:t>
+            </a:r>
+          </a:p>
+        </p:txBody>
+      </p:sp>
+      <p:sp>
+        <p:nvSpPr>
+          <p:cNvPr id="6" name="TextBox 5">
+            <a:extLst>
+              <a:ext uri="{FF2B5EF4-FFF2-40B4-BE49-F238E27FC236}">
+                <a16:creationId xmlns:a16="http://schemas.microsoft.com/office/drawing/2014/main" id="{67BA2447-38B6-4221-871A-314CFBA6D88A}"/>
+              </a:ext>
+            </a:extLst>
+          </p:cNvPr>
+          <p:cNvSpPr txBox="1"/>
+          <p:nvPr/>
+        </p:nvSpPr>
+        <p:spPr>
+          <a:xfrm>
+            <a:off x="9133840" y="1544320"/>
+            <a:ext cx="2570480" cy="1200329"/>
+          </a:xfrm>
+          <a:prstGeom prst="rect">
+            <a:avLst/>
+          </a:prstGeom>
+          <a:noFill/>
+        </p:spPr>
+        <p:txBody>
+          <a:bodyPr wrap="square" rtlCol="0">
+            <a:spAutoFit/>
+          </a:bodyPr>
+          <a:lstStyle/>
+          <a:p>
+            <a:r>
+              <a:rPr lang="en-US" dirty="0"/>
+              <a:t>Based on our structure of the </a:t>
+            </a:r>
+            <a:r>
+              <a:rPr lang="en-US" dirty="0" err="1"/>
+              <a:t>cnn</a:t>
+            </a:r>
+            <a:r>
+              <a:rPr lang="en-US" dirty="0"/>
+              <a:t>, we need data 2^n – 1 (original data 127x127, smallest is 3x3)</a:t>
+            </a:r>
+          </a:p>
+        </p:txBody>
+      </p:sp>
+    </p:spTree>
+    <p:extLst>
+      <p:ext uri="{BB962C8B-B14F-4D97-AF65-F5344CB8AC3E}">
+        <p14:creationId xmlns:p14="http://schemas.microsoft.com/office/powerpoint/2010/main" val="3079746576"/>
+      </p:ext>
+    </p:extLst>
+  </p:cSld>
+  <p:clrMapOvr>
+    <a:masterClrMapping/>
+  </p:clrMapOvr>
+</p:sld>
+</file>
+
+<file path=ppt/slides/slide7.xml><?xml version="1.0" encoding="utf-8"?>
 <p:sld xmlns:a="http://schemas.openxmlformats.org/drawingml/2006/main" xmlns:r="http://schemas.openxmlformats.org/officeDocument/2006/relationships" xmlns:p="http://schemas.openxmlformats.org/presentationml/2006/main">
   <p:cSld>
     <p:spTree>
@@ -4799,7 +5535,7 @@
 </p:sld>
 </file>
 
-<file path=ppt/slides/slide6.xml><?xml version="1.0" encoding="utf-8"?>
+<file path=ppt/slides/slide8.xml><?xml version="1.0" encoding="utf-8"?>
 <p:sld xmlns:a="http://schemas.openxmlformats.org/drawingml/2006/main" xmlns:r="http://schemas.openxmlformats.org/officeDocument/2006/relationships" xmlns:p="http://schemas.openxmlformats.org/presentationml/2006/main">
   <p:cSld>
     <p:spTree>

--- a/notes/Oct_26_averaging_and_toy2.pptx
+++ b/notes/Oct_26_averaging_and_toy2.pptx
@@ -10,9 +10,10 @@
     <p:sldId id="257" r:id="rId4"/>
     <p:sldId id="261" r:id="rId5"/>
     <p:sldId id="263" r:id="rId6"/>
-    <p:sldId id="262" r:id="rId7"/>
-    <p:sldId id="259" r:id="rId8"/>
-    <p:sldId id="260" r:id="rId9"/>
+    <p:sldId id="264" r:id="rId7"/>
+    <p:sldId id="262" r:id="rId8"/>
+    <p:sldId id="259" r:id="rId9"/>
+    <p:sldId id="260" r:id="rId10"/>
   </p:sldIdLst>
   <p:sldSz cx="12192000" cy="6858000"/>
   <p:notesSz cx="6858000" cy="9144000"/>
@@ -122,7 +123,7 @@
 <file path=ppt/revisionInfo.xml><?xml version="1.0" encoding="utf-8"?>
 <p1510:revInfo xmlns:a="http://schemas.openxmlformats.org/drawingml/2006/main" xmlns:r="http://schemas.openxmlformats.org/officeDocument/2006/relationships" xmlns:p1510="http://schemas.microsoft.com/office/powerpoint/2015/10/main">
   <p1510:revLst>
-    <p1510:client id="{61DBC332-9CC0-465A-AB04-996F0238E80A}" v="74" dt="2021-11-01T20:11:29.383"/>
+    <p1510:client id="{61DBC332-9CC0-465A-AB04-996F0238E80A}" v="115" dt="2021-11-01T21:24:07.327"/>
   </p1510:revLst>
 </p1510:revInfo>
 </file>
@@ -132,7 +133,7 @@
   <pc:docChgLst>
     <pc:chgData name="Katie Johnston" userId="a8803450-7667-44c1-ac00-9653f319424f" providerId="ADAL" clId="{61DBC332-9CC0-465A-AB04-996F0238E80A}"/>
     <pc:docChg chg="undo custSel addSld modSld sldOrd">
-      <pc:chgData name="Katie Johnston" userId="a8803450-7667-44c1-ac00-9653f319424f" providerId="ADAL" clId="{61DBC332-9CC0-465A-AB04-996F0238E80A}" dt="2021-11-01T20:12:00.865" v="1012" actId="14100"/>
+      <pc:chgData name="Katie Johnston" userId="a8803450-7667-44c1-ac00-9653f319424f" providerId="ADAL" clId="{61DBC332-9CC0-465A-AB04-996F0238E80A}" dt="2021-11-01T21:24:09.758" v="1656" actId="1076"/>
       <pc:docMkLst>
         <pc:docMk/>
       </pc:docMkLst>
@@ -254,7 +255,7 @@
         </pc:picChg>
       </pc:sldChg>
       <pc:sldChg chg="addSp delSp modSp new mod">
-        <pc:chgData name="Katie Johnston" userId="a8803450-7667-44c1-ac00-9653f319424f" providerId="ADAL" clId="{61DBC332-9CC0-465A-AB04-996F0238E80A}" dt="2021-11-01T18:48:38.981" v="209" actId="1076"/>
+        <pc:chgData name="Katie Johnston" userId="a8803450-7667-44c1-ac00-9653f319424f" providerId="ADAL" clId="{61DBC332-9CC0-465A-AB04-996F0238E80A}" dt="2021-11-01T21:23:46.227" v="1654" actId="14100"/>
         <pc:sldMkLst>
           <pc:docMk/>
           <pc:sldMk cId="1374998937" sldId="260"/>
@@ -273,6 +274,14 @@
             <pc:docMk/>
             <pc:sldMk cId="1374998937" sldId="260"/>
             <ac:spMk id="3" creationId="{3A18400A-3E27-408E-B6F4-C76D2F8CF2E9}"/>
+          </ac:spMkLst>
+        </pc:spChg>
+        <pc:spChg chg="add mod">
+          <ac:chgData name="Katie Johnston" userId="a8803450-7667-44c1-ac00-9653f319424f" providerId="ADAL" clId="{61DBC332-9CC0-465A-AB04-996F0238E80A}" dt="2021-11-01T21:23:46.227" v="1654" actId="14100"/>
+          <ac:spMkLst>
+            <pc:docMk/>
+            <pc:sldMk cId="1374998937" sldId="260"/>
+            <ac:spMk id="4" creationId="{448F9F1A-9E05-47CB-8659-DA439FB6212D}"/>
           </ac:spMkLst>
         </pc:spChg>
         <pc:picChg chg="add mod">
@@ -341,7 +350,7 @@
         </pc:picChg>
       </pc:sldChg>
       <pc:sldChg chg="addSp delSp modSp new mod ord">
-        <pc:chgData name="Katie Johnston" userId="a8803450-7667-44c1-ac00-9653f319424f" providerId="ADAL" clId="{61DBC332-9CC0-465A-AB04-996F0238E80A}" dt="2021-11-01T20:12:00.865" v="1012" actId="14100"/>
+        <pc:chgData name="Katie Johnston" userId="a8803450-7667-44c1-ac00-9653f319424f" providerId="ADAL" clId="{61DBC332-9CC0-465A-AB04-996F0238E80A}" dt="2021-11-01T21:12:36.006" v="1541" actId="208"/>
         <pc:sldMkLst>
           <pc:docMk/>
           <pc:sldMk cId="3980966848" sldId="261"/>
@@ -394,6 +403,22 @@
             <ac:spMk id="12" creationId="{C9BB9DFC-FC5D-4E55-ADB9-4ED391863ADF}"/>
           </ac:spMkLst>
         </pc:spChg>
+        <pc:spChg chg="add mod">
+          <ac:chgData name="Katie Johnston" userId="a8803450-7667-44c1-ac00-9653f319424f" providerId="ADAL" clId="{61DBC332-9CC0-465A-AB04-996F0238E80A}" dt="2021-11-01T21:12:36.006" v="1541" actId="208"/>
+          <ac:spMkLst>
+            <pc:docMk/>
+            <pc:sldMk cId="3980966848" sldId="261"/>
+            <ac:spMk id="13" creationId="{EAB2BCC4-609B-4026-BB9B-082CC426E942}"/>
+          </ac:spMkLst>
+        </pc:spChg>
+        <pc:spChg chg="add del">
+          <ac:chgData name="Katie Johnston" userId="a8803450-7667-44c1-ac00-9653f319424f" providerId="ADAL" clId="{61DBC332-9CC0-465A-AB04-996F0238E80A}" dt="2021-11-01T21:12:08.555" v="1535" actId="22"/>
+          <ac:spMkLst>
+            <pc:docMk/>
+            <pc:sldMk cId="3980966848" sldId="261"/>
+            <ac:spMk id="17" creationId="{0ED9291A-57A4-4A2B-94A5-B690F45E9BC7}"/>
+          </ac:spMkLst>
+        </pc:spChg>
         <pc:picChg chg="add mod">
           <ac:chgData name="Katie Johnston" userId="a8803450-7667-44c1-ac00-9653f319424f" providerId="ADAL" clId="{61DBC332-9CC0-465A-AB04-996F0238E80A}" dt="2021-11-01T18:51:36.444" v="263" actId="1076"/>
           <ac:picMkLst>
@@ -408,6 +433,14 @@
             <pc:docMk/>
             <pc:sldMk cId="3980966848" sldId="261"/>
             <ac:picMk id="8" creationId="{5D1FAB56-FDAA-42CD-851C-340259D58A7A}"/>
+          </ac:picMkLst>
+        </pc:picChg>
+        <pc:picChg chg="add mod">
+          <ac:chgData name="Katie Johnston" userId="a8803450-7667-44c1-ac00-9653f319424f" providerId="ADAL" clId="{61DBC332-9CC0-465A-AB04-996F0238E80A}" dt="2021-11-01T21:12:17.932" v="1538" actId="1076"/>
+          <ac:picMkLst>
+            <pc:docMk/>
+            <pc:sldMk cId="3980966848" sldId="261"/>
+            <ac:picMk id="18" creationId="{BFC195A5-F42D-42F0-9E84-576DC1B49FEE}"/>
           </ac:picMkLst>
         </pc:picChg>
         <pc:picChg chg="add mod">
@@ -507,7 +540,7 @@
         </pc:picChg>
       </pc:sldChg>
       <pc:sldChg chg="addSp delSp modSp new mod">
-        <pc:chgData name="Katie Johnston" userId="a8803450-7667-44c1-ac00-9653f319424f" providerId="ADAL" clId="{61DBC332-9CC0-465A-AB04-996F0238E80A}" dt="2021-11-01T20:11:35.352" v="947" actId="20577"/>
+        <pc:chgData name="Katie Johnston" userId="a8803450-7667-44c1-ac00-9653f319424f" providerId="ADAL" clId="{61DBC332-9CC0-465A-AB04-996F0238E80A}" dt="2021-11-01T21:24:09.758" v="1656" actId="1076"/>
         <pc:sldMkLst>
           <pc:docMk/>
           <pc:sldMk cId="1488461104" sldId="263"/>
@@ -536,16 +569,40 @@
             <ac:spMk id="6" creationId="{99D46522-CDA1-49B1-BADD-ADAA1EE209AD}"/>
           </ac:spMkLst>
         </pc:spChg>
+        <pc:spChg chg="add mod">
+          <ac:chgData name="Katie Johnston" userId="a8803450-7667-44c1-ac00-9653f319424f" providerId="ADAL" clId="{61DBC332-9CC0-465A-AB04-996F0238E80A}" dt="2021-11-01T20:47:55.341" v="1444" actId="20577"/>
+          <ac:spMkLst>
+            <pc:docMk/>
+            <pc:sldMk cId="1488461104" sldId="263"/>
+            <ac:spMk id="7" creationId="{51855901-06C8-467A-8E7C-573C45A697A6}"/>
+          </ac:spMkLst>
+        </pc:spChg>
+        <pc:spChg chg="add del mod">
+          <ac:chgData name="Katie Johnston" userId="a8803450-7667-44c1-ac00-9653f319424f" providerId="ADAL" clId="{61DBC332-9CC0-465A-AB04-996F0238E80A}" dt="2021-11-01T20:54:16.206" v="1452" actId="21"/>
+          <ac:spMkLst>
+            <pc:docMk/>
+            <pc:sldMk cId="1488461104" sldId="263"/>
+            <ac:spMk id="8" creationId="{54BDB5A9-0BAA-41EE-89BE-1E54AE618829}"/>
+          </ac:spMkLst>
+        </pc:spChg>
+        <pc:spChg chg="add mod">
+          <ac:chgData name="Katie Johnston" userId="a8803450-7667-44c1-ac00-9653f319424f" providerId="ADAL" clId="{61DBC332-9CC0-465A-AB04-996F0238E80A}" dt="2021-11-01T21:24:09.758" v="1656" actId="1076"/>
+          <ac:spMkLst>
+            <pc:docMk/>
+            <pc:sldMk cId="1488461104" sldId="263"/>
+            <ac:spMk id="14" creationId="{CFA8F2F7-B5A9-424F-ACBC-EC396ACC862F}"/>
+          </ac:spMkLst>
+        </pc:spChg>
         <pc:picChg chg="add mod">
-          <ac:chgData name="Katie Johnston" userId="a8803450-7667-44c1-ac00-9653f319424f" providerId="ADAL" clId="{61DBC332-9CC0-465A-AB04-996F0238E80A}" dt="2021-11-01T20:10:55.111" v="914" actId="1076"/>
+          <ac:chgData name="Katie Johnston" userId="a8803450-7667-44c1-ac00-9653f319424f" providerId="ADAL" clId="{61DBC332-9CC0-465A-AB04-996F0238E80A}" dt="2021-11-01T20:59:00.670" v="1533" actId="1076"/>
           <ac:picMkLst>
             <pc:docMk/>
             <pc:sldMk cId="1488461104" sldId="263"/>
             <ac:picMk id="5" creationId="{726D4341-0088-4F88-9DA9-5F8BD5852973}"/>
           </ac:picMkLst>
         </pc:picChg>
-        <pc:picChg chg="add mod">
-          <ac:chgData name="Katie Johnston" userId="a8803450-7667-44c1-ac00-9653f319424f" providerId="ADAL" clId="{61DBC332-9CC0-465A-AB04-996F0238E80A}" dt="2021-11-01T20:10:11.190" v="909" actId="14100"/>
+        <pc:picChg chg="add del mod">
+          <ac:chgData name="Katie Johnston" userId="a8803450-7667-44c1-ac00-9653f319424f" providerId="ADAL" clId="{61DBC332-9CC0-465A-AB04-996F0238E80A}" dt="2021-11-01T20:54:16.206" v="1452" actId="21"/>
           <ac:picMkLst>
             <pc:docMk/>
             <pc:sldMk cId="1488461104" sldId="263"/>
@@ -566,6 +623,133 @@
             <pc:docMk/>
             <pc:sldMk cId="1488461104" sldId="263"/>
             <ac:picMk id="5126" creationId="{C49C8B9A-1DCB-483F-8118-D2EE67AAB884}"/>
+          </ac:picMkLst>
+        </pc:picChg>
+        <pc:picChg chg="add mod">
+          <ac:chgData name="Katie Johnston" userId="a8803450-7667-44c1-ac00-9653f319424f" providerId="ADAL" clId="{61DBC332-9CC0-465A-AB04-996F0238E80A}" dt="2021-11-01T20:29:02.082" v="1015" actId="1076"/>
+          <ac:picMkLst>
+            <pc:docMk/>
+            <pc:sldMk cId="1488461104" sldId="263"/>
+            <ac:picMk id="5128" creationId="{EC932A47-CE69-4DA8-A8FD-AC9946D2AEB5}"/>
+          </ac:picMkLst>
+        </pc:picChg>
+        <pc:picChg chg="add del mod">
+          <ac:chgData name="Katie Johnston" userId="a8803450-7667-44c1-ac00-9653f319424f" providerId="ADAL" clId="{61DBC332-9CC0-465A-AB04-996F0238E80A}" dt="2021-11-01T20:54:24.245" v="1456" actId="21"/>
+          <ac:picMkLst>
+            <pc:docMk/>
+            <pc:sldMk cId="1488461104" sldId="263"/>
+            <ac:picMk id="5130" creationId="{2D0777ED-827E-40C9-B236-4E74CA4BB200}"/>
+          </ac:picMkLst>
+        </pc:picChg>
+      </pc:sldChg>
+      <pc:sldChg chg="addSp delSp modSp new mod">
+        <pc:chgData name="Katie Johnston" userId="a8803450-7667-44c1-ac00-9653f319424f" providerId="ADAL" clId="{61DBC332-9CC0-465A-AB04-996F0238E80A}" dt="2021-11-01T20:58:30.337" v="1532" actId="20577"/>
+        <pc:sldMkLst>
+          <pc:docMk/>
+          <pc:sldMk cId="675019542" sldId="264"/>
+        </pc:sldMkLst>
+        <pc:spChg chg="add del">
+          <ac:chgData name="Katie Johnston" userId="a8803450-7667-44c1-ac00-9653f319424f" providerId="ADAL" clId="{61DBC332-9CC0-465A-AB04-996F0238E80A}" dt="2021-11-01T20:54:26.735" v="1457"/>
+          <ac:spMkLst>
+            <pc:docMk/>
+            <pc:sldMk cId="675019542" sldId="264"/>
+            <ac:spMk id="3" creationId="{2779BA6F-E2FF-49B1-B52A-36D25250DA89}"/>
+          </ac:spMkLst>
+        </pc:spChg>
+        <pc:spChg chg="add mod">
+          <ac:chgData name="Katie Johnston" userId="a8803450-7667-44c1-ac00-9653f319424f" providerId="ADAL" clId="{61DBC332-9CC0-465A-AB04-996F0238E80A}" dt="2021-11-01T20:57:45.457" v="1487" actId="20577"/>
+          <ac:spMkLst>
+            <pc:docMk/>
+            <pc:sldMk cId="675019542" sldId="264"/>
+            <ac:spMk id="7" creationId="{025A8012-6AF6-4DE7-A06B-F855422BA221}"/>
+          </ac:spMkLst>
+        </pc:spChg>
+        <pc:spChg chg="add mod">
+          <ac:chgData name="Katie Johnston" userId="a8803450-7667-44c1-ac00-9653f319424f" providerId="ADAL" clId="{61DBC332-9CC0-465A-AB04-996F0238E80A}" dt="2021-11-01T20:57:52.959" v="1497" actId="20577"/>
+          <ac:spMkLst>
+            <pc:docMk/>
+            <pc:sldMk cId="675019542" sldId="264"/>
+            <ac:spMk id="9" creationId="{857485BF-BC53-4CBF-B9B3-13C195EB3037}"/>
+          </ac:spMkLst>
+        </pc:spChg>
+        <pc:spChg chg="add mod">
+          <ac:chgData name="Katie Johnston" userId="a8803450-7667-44c1-ac00-9653f319424f" providerId="ADAL" clId="{61DBC332-9CC0-465A-AB04-996F0238E80A}" dt="2021-11-01T20:58:15.078" v="1515" actId="20577"/>
+          <ac:spMkLst>
+            <pc:docMk/>
+            <pc:sldMk cId="675019542" sldId="264"/>
+            <ac:spMk id="13" creationId="{1E551D5A-9CEA-4FA2-ABFF-A3662FBCB295}"/>
+          </ac:spMkLst>
+        </pc:spChg>
+        <pc:spChg chg="add mod">
+          <ac:chgData name="Katie Johnston" userId="a8803450-7667-44c1-ac00-9653f319424f" providerId="ADAL" clId="{61DBC332-9CC0-465A-AB04-996F0238E80A}" dt="2021-11-01T20:58:22.834" v="1526" actId="20577"/>
+          <ac:spMkLst>
+            <pc:docMk/>
+            <pc:sldMk cId="675019542" sldId="264"/>
+            <ac:spMk id="14" creationId="{D9B8A86F-407D-4CB1-9F02-8806F350AAE1}"/>
+          </ac:spMkLst>
+        </pc:spChg>
+        <pc:spChg chg="add mod">
+          <ac:chgData name="Katie Johnston" userId="a8803450-7667-44c1-ac00-9653f319424f" providerId="ADAL" clId="{61DBC332-9CC0-465A-AB04-996F0238E80A}" dt="2021-11-01T20:58:30.337" v="1532" actId="20577"/>
+          <ac:spMkLst>
+            <pc:docMk/>
+            <pc:sldMk cId="675019542" sldId="264"/>
+            <ac:spMk id="15" creationId="{FA357463-D3E5-4C2D-8609-AC4AD0104188}"/>
+          </ac:spMkLst>
+        </pc:spChg>
+        <pc:picChg chg="add del mod">
+          <ac:chgData name="Katie Johnston" userId="a8803450-7667-44c1-ac00-9653f319424f" providerId="ADAL" clId="{61DBC332-9CC0-465A-AB04-996F0238E80A}" dt="2021-11-01T20:54:14.816" v="1451"/>
+          <ac:picMkLst>
+            <pc:docMk/>
+            <pc:sldMk cId="675019542" sldId="264"/>
+            <ac:picMk id="4" creationId="{82F3546C-F716-4BAA-84A0-E64719B38165}"/>
+          </ac:picMkLst>
+        </pc:picChg>
+        <pc:picChg chg="add mod">
+          <ac:chgData name="Katie Johnston" userId="a8803450-7667-44c1-ac00-9653f319424f" providerId="ADAL" clId="{61DBC332-9CC0-465A-AB04-996F0238E80A}" dt="2021-11-01T20:54:22.086" v="1455" actId="1076"/>
+          <ac:picMkLst>
+            <pc:docMk/>
+            <pc:sldMk cId="675019542" sldId="264"/>
+            <ac:picMk id="5" creationId="{AC749BED-AD42-454F-BAAB-0E308D212175}"/>
+          </ac:picMkLst>
+        </pc:picChg>
+        <pc:picChg chg="add mod">
+          <ac:chgData name="Katie Johnston" userId="a8803450-7667-44c1-ac00-9653f319424f" providerId="ADAL" clId="{61DBC332-9CC0-465A-AB04-996F0238E80A}" dt="2021-11-01T20:55:57.175" v="1460" actId="1076"/>
+          <ac:picMkLst>
+            <pc:docMk/>
+            <pc:sldMk cId="675019542" sldId="264"/>
+            <ac:picMk id="6" creationId="{F3FF6AAA-4615-4AD8-8513-43940E7F4B66}"/>
+          </ac:picMkLst>
+        </pc:picChg>
+        <pc:picChg chg="add mod">
+          <ac:chgData name="Katie Johnston" userId="a8803450-7667-44c1-ac00-9653f319424f" providerId="ADAL" clId="{61DBC332-9CC0-465A-AB04-996F0238E80A}" dt="2021-11-01T20:56:05.742" v="1463" actId="1076"/>
+          <ac:picMkLst>
+            <pc:docMk/>
+            <pc:sldMk cId="675019542" sldId="264"/>
+            <ac:picMk id="8" creationId="{02C7BD92-8721-448E-BF0F-F7DE9AFBCAFC}"/>
+          </ac:picMkLst>
+        </pc:picChg>
+        <pc:picChg chg="add del mod">
+          <ac:chgData name="Katie Johnston" userId="a8803450-7667-44c1-ac00-9653f319424f" providerId="ADAL" clId="{61DBC332-9CC0-465A-AB04-996F0238E80A}" dt="2021-11-01T20:57:32.919" v="1469" actId="478"/>
+          <ac:picMkLst>
+            <pc:docMk/>
+            <pc:sldMk cId="675019542" sldId="264"/>
+            <ac:picMk id="6146" creationId="{D432ADCB-D5FA-4D30-B10A-226A2E459A35}"/>
+          </ac:picMkLst>
+        </pc:picChg>
+        <pc:picChg chg="add mod">
+          <ac:chgData name="Katie Johnston" userId="a8803450-7667-44c1-ac00-9653f319424f" providerId="ADAL" clId="{61DBC332-9CC0-465A-AB04-996F0238E80A}" dt="2021-11-01T20:56:36.086" v="1468" actId="1076"/>
+          <ac:picMkLst>
+            <pc:docMk/>
+            <pc:sldMk cId="675019542" sldId="264"/>
+            <ac:picMk id="6148" creationId="{7E8E879E-4979-4A26-B35D-188F42E0706F}"/>
+          </ac:picMkLst>
+        </pc:picChg>
+        <pc:picChg chg="add mod">
+          <ac:chgData name="Katie Johnston" userId="a8803450-7667-44c1-ac00-9653f319424f" providerId="ADAL" clId="{61DBC332-9CC0-465A-AB04-996F0238E80A}" dt="2021-11-01T20:57:35.366" v="1471" actId="1076"/>
+          <ac:picMkLst>
+            <pc:docMk/>
+            <pc:sldMk cId="675019542" sldId="264"/>
+            <ac:picMk id="6150" creationId="{0BFDAC03-9B22-402A-A115-8D3C8FD37F26}"/>
           </ac:picMkLst>
         </pc:picChg>
       </pc:sldChg>
@@ -4721,6 +4905,105 @@
           </a:p>
         </p:txBody>
       </p:sp>
+      <p:pic>
+        <p:nvPicPr>
+          <p:cNvPr id="18" name="Picture 13">
+            <a:extLst>
+              <a:ext uri="{FF2B5EF4-FFF2-40B4-BE49-F238E27FC236}">
+                <a16:creationId xmlns:a16="http://schemas.microsoft.com/office/drawing/2014/main" id="{BFC195A5-F42D-42F0-9E84-576DC1B49FEE}"/>
+              </a:ext>
+            </a:extLst>
+          </p:cNvPr>
+          <p:cNvPicPr>
+            <a:picLocks noChangeAspect="1" noChangeArrowheads="1"/>
+          </p:cNvPicPr>
+          <p:nvPr/>
+        </p:nvPicPr>
+        <p:blipFill>
+          <a:blip r:embed="rId7">
+            <a:extLst>
+              <a:ext uri="{28A0092B-C50C-407E-A947-70E740481C1C}">
+                <a14:useLocalDpi xmlns:a14="http://schemas.microsoft.com/office/drawing/2010/main" val="0"/>
+              </a:ext>
+            </a:extLst>
+          </a:blip>
+          <a:srcRect/>
+          <a:stretch>
+            <a:fillRect/>
+          </a:stretch>
+        </p:blipFill>
+        <p:spPr bwMode="auto">
+          <a:xfrm>
+            <a:off x="12319636" y="4802187"/>
+            <a:ext cx="2990850" cy="2514600"/>
+          </a:xfrm>
+          <a:prstGeom prst="rect">
+            <a:avLst/>
+          </a:prstGeom>
+          <a:noFill/>
+          <a:extLst>
+            <a:ext uri="{909E8E84-426E-40DD-AFC4-6F175D3DCCD1}">
+              <a14:hiddenFill xmlns:a14="http://schemas.microsoft.com/office/drawing/2010/main">
+                <a:solidFill>
+                  <a:srgbClr val="FFFFFF"/>
+                </a:solidFill>
+              </a14:hiddenFill>
+            </a:ext>
+          </a:extLst>
+        </p:spPr>
+      </p:pic>
+      <p:sp>
+        <p:nvSpPr>
+          <p:cNvPr id="13" name="Rectangle 12">
+            <a:extLst>
+              <a:ext uri="{FF2B5EF4-FFF2-40B4-BE49-F238E27FC236}">
+                <a16:creationId xmlns:a16="http://schemas.microsoft.com/office/drawing/2014/main" id="{EAB2BCC4-609B-4026-BB9B-082CC426E942}"/>
+              </a:ext>
+            </a:extLst>
+          </p:cNvPr>
+          <p:cNvSpPr/>
+          <p:nvPr/>
+        </p:nvSpPr>
+        <p:spPr>
+          <a:xfrm>
+            <a:off x="12876028" y="5283200"/>
+            <a:ext cx="287079" cy="256363"/>
+          </a:xfrm>
+          <a:prstGeom prst="rect">
+            <a:avLst/>
+          </a:prstGeom>
+          <a:noFill/>
+          <a:ln>
+            <a:solidFill>
+              <a:schemeClr val="tx1"/>
+            </a:solidFill>
+          </a:ln>
+        </p:spPr>
+        <p:style>
+          <a:lnRef idx="2">
+            <a:schemeClr val="accent1">
+              <a:shade val="50000"/>
+            </a:schemeClr>
+          </a:lnRef>
+          <a:fillRef idx="1">
+            <a:schemeClr val="accent1"/>
+          </a:fillRef>
+          <a:effectRef idx="0">
+            <a:schemeClr val="accent1"/>
+          </a:effectRef>
+          <a:fontRef idx="minor">
+            <a:schemeClr val="lt1"/>
+          </a:fontRef>
+        </p:style>
+        <p:txBody>
+          <a:bodyPr rtlCol="0" anchor="ctr"/>
+          <a:lstStyle/>
+          <a:p>
+            <a:pPr algn="ctr"/>
+            <a:endParaRPr lang="en-US"/>
+          </a:p>
+        </p:txBody>
+      </p:sp>
     </p:spTree>
     <p:extLst>
       <p:ext uri="{BB962C8B-B14F-4D97-AF65-F5344CB8AC3E}">
@@ -4897,7 +5180,7 @@
         </p:blipFill>
         <p:spPr>
           <a:xfrm>
-            <a:off x="6116320" y="3752215"/>
+            <a:off x="5404296" y="3752215"/>
             <a:ext cx="5572125" cy="2019300"/>
           </a:xfrm>
           <a:prstGeom prst="rect">
@@ -4983,6 +5266,197 @@
             <a:r>
               <a:rPr lang="en-US" dirty="0"/>
               <a:t>Picking up the 1 timescale</a:t>
+            </a:r>
+          </a:p>
+        </p:txBody>
+      </p:sp>
+      <p:pic>
+        <p:nvPicPr>
+          <p:cNvPr id="5128" name="Picture 8">
+            <a:extLst>
+              <a:ext uri="{FF2B5EF4-FFF2-40B4-BE49-F238E27FC236}">
+                <a16:creationId xmlns:a16="http://schemas.microsoft.com/office/drawing/2014/main" id="{EC932A47-CE69-4DA8-A8FD-AC9946D2AEB5}"/>
+              </a:ext>
+            </a:extLst>
+          </p:cNvPr>
+          <p:cNvPicPr>
+            <a:picLocks noChangeAspect="1" noChangeArrowheads="1"/>
+          </p:cNvPicPr>
+          <p:nvPr/>
+        </p:nvPicPr>
+        <p:blipFill>
+          <a:blip r:embed="rId6">
+            <a:extLst>
+              <a:ext uri="{28A0092B-C50C-407E-A947-70E740481C1C}">
+                <a14:useLocalDpi xmlns:a14="http://schemas.microsoft.com/office/drawing/2010/main" val="0"/>
+              </a:ext>
+            </a:extLst>
+          </a:blip>
+          <a:srcRect/>
+          <a:stretch>
+            <a:fillRect/>
+          </a:stretch>
+        </p:blipFill>
+        <p:spPr bwMode="auto">
+          <a:xfrm>
+            <a:off x="10094527" y="5364877"/>
+            <a:ext cx="1763788" cy="1338779"/>
+          </a:xfrm>
+          <a:prstGeom prst="rect">
+            <a:avLst/>
+          </a:prstGeom>
+          <a:noFill/>
+          <a:extLst>
+            <a:ext uri="{909E8E84-426E-40DD-AFC4-6F175D3DCCD1}">
+              <a14:hiddenFill xmlns:a14="http://schemas.microsoft.com/office/drawing/2010/main">
+                <a:solidFill>
+                  <a:srgbClr val="FFFFFF"/>
+                </a:solidFill>
+              </a14:hiddenFill>
+            </a:ext>
+          </a:extLst>
+        </p:spPr>
+      </p:pic>
+      <p:sp>
+        <p:nvSpPr>
+          <p:cNvPr id="7" name="TextBox 6">
+            <a:extLst>
+              <a:ext uri="{FF2B5EF4-FFF2-40B4-BE49-F238E27FC236}">
+                <a16:creationId xmlns:a16="http://schemas.microsoft.com/office/drawing/2014/main" id="{51855901-06C8-467A-8E7C-573C45A697A6}"/>
+              </a:ext>
+            </a:extLst>
+          </p:cNvPr>
+          <p:cNvSpPr txBox="1"/>
+          <p:nvPr/>
+        </p:nvSpPr>
+        <p:spPr>
+          <a:xfrm>
+            <a:off x="12439650" y="1690688"/>
+            <a:ext cx="6965753" cy="2308324"/>
+          </a:xfrm>
+          <a:prstGeom prst="rect">
+            <a:avLst/>
+          </a:prstGeom>
+          <a:noFill/>
+        </p:spPr>
+        <p:txBody>
+          <a:bodyPr wrap="none" rtlCol="0">
+            <a:spAutoFit/>
+          </a:bodyPr>
+          <a:lstStyle/>
+          <a:p>
+            <a:pPr marL="285750" indent="-285750">
+              <a:buFont typeface="Arial" panose="020B0604020202020204" pitchFamily="34" charset="0"/>
+              <a:buChar char="•"/>
+            </a:pPr>
+            <a:r>
+              <a:rPr lang="en-US" dirty="0"/>
+              <a:t>Get space model at 2x2</a:t>
+            </a:r>
+          </a:p>
+          <a:p>
+            <a:pPr marL="285750" indent="-285750">
+              <a:buFont typeface="Arial" panose="020B0604020202020204" pitchFamily="34" charset="0"/>
+              <a:buChar char="•"/>
+            </a:pPr>
+            <a:r>
+              <a:rPr lang="en-US" dirty="0"/>
+              <a:t>Train in smallest time scale.</a:t>
+            </a:r>
+          </a:p>
+          <a:p>
+            <a:pPr marL="285750" indent="-285750">
+              <a:buFont typeface="Arial" panose="020B0604020202020204" pitchFamily="34" charset="0"/>
+              <a:buChar char="•"/>
+            </a:pPr>
+            <a:r>
+              <a:rPr lang="en-US" dirty="0"/>
+              <a:t>Find error and save</a:t>
+            </a:r>
+          </a:p>
+          <a:p>
+            <a:pPr marL="285750" indent="-285750">
+              <a:buFont typeface="Arial" panose="020B0604020202020204" pitchFamily="34" charset="0"/>
+              <a:buChar char="•"/>
+            </a:pPr>
+            <a:r>
+              <a:rPr lang="en-US" dirty="0"/>
+              <a:t>Keep making step size bigger until error increases</a:t>
+            </a:r>
+          </a:p>
+          <a:p>
+            <a:pPr marL="285750" indent="-285750">
+              <a:buFont typeface="Arial" panose="020B0604020202020204" pitchFamily="34" charset="0"/>
+              <a:buChar char="•"/>
+            </a:pPr>
+            <a:r>
+              <a:rPr lang="en-US" dirty="0"/>
+              <a:t>Refine space and repeat on areas as needed</a:t>
+            </a:r>
+          </a:p>
+          <a:p>
+            <a:pPr marL="742950" lvl="1" indent="-285750">
+              <a:buFont typeface="Arial" panose="020B0604020202020204" pitchFamily="34" charset="0"/>
+              <a:buChar char="•"/>
+            </a:pPr>
+            <a:r>
+              <a:rPr lang="en-US" dirty="0"/>
+              <a:t>Start with timestep of previous and see if next timestep is better</a:t>
+            </a:r>
+          </a:p>
+          <a:p>
+            <a:pPr marL="742950" lvl="1" indent="-285750">
+              <a:buFont typeface="Arial" panose="020B0604020202020204" pitchFamily="34" charset="0"/>
+              <a:buChar char="•"/>
+            </a:pPr>
+            <a:r>
+              <a:rPr lang="en-US" dirty="0"/>
+              <a:t>If yes, check next. If no, stay at timestep</a:t>
+            </a:r>
+          </a:p>
+          <a:p>
+            <a:pPr marL="742950" lvl="1" indent="-285750">
+              <a:buFont typeface="Arial" panose="020B0604020202020204" pitchFamily="34" charset="0"/>
+              <a:buChar char="•"/>
+            </a:pPr>
+            <a:r>
+              <a:rPr lang="en-US" dirty="0"/>
+              <a:t>This assumes scale get smaller</a:t>
+            </a:r>
+          </a:p>
+        </p:txBody>
+      </p:sp>
+      <p:sp>
+        <p:nvSpPr>
+          <p:cNvPr id="14" name="TextBox 13">
+            <a:extLst>
+              <a:ext uri="{FF2B5EF4-FFF2-40B4-BE49-F238E27FC236}">
+                <a16:creationId xmlns:a16="http://schemas.microsoft.com/office/drawing/2014/main" id="{CFA8F2F7-B5A9-424F-ACBC-EC396ACC862F}"/>
+              </a:ext>
+            </a:extLst>
+          </p:cNvPr>
+          <p:cNvSpPr txBox="1"/>
+          <p:nvPr/>
+        </p:nvSpPr>
+        <p:spPr>
+          <a:xfrm>
+            <a:off x="12618651" y="4764712"/>
+            <a:ext cx="3048001" cy="1200329"/>
+          </a:xfrm>
+          <a:prstGeom prst="rect">
+            <a:avLst/>
+          </a:prstGeom>
+          <a:noFill/>
+        </p:spPr>
+        <p:txBody>
+          <a:bodyPr wrap="square" rtlCol="0">
+            <a:spAutoFit/>
+          </a:bodyPr>
+          <a:lstStyle/>
+          <a:p>
+            <a:r>
+              <a:rPr lang="en-US" dirty="0"/>
+              <a:t>When refining the model, should I make any assumptions about blocks being the same next work?</a:t>
             </a:r>
           </a:p>
         </p:txBody>
@@ -5022,7 +5496,7 @@
           <p:cNvPr id="2" name="Title 1">
             <a:extLst>
               <a:ext uri="{FF2B5EF4-FFF2-40B4-BE49-F238E27FC236}">
-                <a16:creationId xmlns:a16="http://schemas.microsoft.com/office/drawing/2014/main" id="{7527406E-331B-4DE3-8D46-311B68A51AF7}"/>
+                <a16:creationId xmlns:a16="http://schemas.microsoft.com/office/drawing/2014/main" id="{835912B2-23FC-4C0A-BDC0-B3022E6F0B8E}"/>
               </a:ext>
             </a:extLst>
           </p:cNvPr>
@@ -5038,24 +5512,16 @@
           <a:bodyPr/>
           <a:lstStyle/>
           <a:p>
-            <a:r>
-              <a:rPr lang="en-US" dirty="0"/>
-              <a:t>Toy2 through the </a:t>
-            </a:r>
-            <a:r>
-              <a:rPr lang="en-US" dirty="0" err="1"/>
-              <a:t>cnn</a:t>
-            </a:r>
-            <a:endParaRPr lang="en-US" dirty="0"/>
+            <a:endParaRPr lang="en-US"/>
           </a:p>
         </p:txBody>
       </p:sp>
       <p:pic>
         <p:nvPicPr>
-          <p:cNvPr id="4098" name="Picture 2">
-            <a:extLst>
-              <a:ext uri="{FF2B5EF4-FFF2-40B4-BE49-F238E27FC236}">
-                <a16:creationId xmlns:a16="http://schemas.microsoft.com/office/drawing/2014/main" id="{68382DCD-C730-4AA1-9444-D09C0C52A47A}"/>
+          <p:cNvPr id="5" name="Picture 2">
+            <a:extLst>
+              <a:ext uri="{FF2B5EF4-FFF2-40B4-BE49-F238E27FC236}">
+                <a16:creationId xmlns:a16="http://schemas.microsoft.com/office/drawing/2014/main" id="{AC749BED-AD42-454F-BAAB-0E308D212175}"/>
               </a:ext>
             </a:extLst>
           </p:cNvPr>
@@ -5079,8 +5545,8 @@
         </p:blipFill>
         <p:spPr bwMode="auto">
           <a:xfrm>
-            <a:off x="838200" y="1871980"/>
-            <a:ext cx="2876550" cy="2362200"/>
+            <a:off x="838200" y="728383"/>
+            <a:ext cx="4050926" cy="2700617"/>
           </a:xfrm>
           <a:prstGeom prst="rect">
             <a:avLst/>
@@ -5099,17 +5565,19 @@
       </p:pic>
       <p:pic>
         <p:nvPicPr>
-          <p:cNvPr id="4100" name="Picture 4">
-            <a:extLst>
-              <a:ext uri="{FF2B5EF4-FFF2-40B4-BE49-F238E27FC236}">
-                <a16:creationId xmlns:a16="http://schemas.microsoft.com/office/drawing/2014/main" id="{9BD65EE8-F7AF-409B-B496-1673CCF043B8}"/>
+          <p:cNvPr id="6" name="Picture 10">
+            <a:extLst>
+              <a:ext uri="{FF2B5EF4-FFF2-40B4-BE49-F238E27FC236}">
+                <a16:creationId xmlns:a16="http://schemas.microsoft.com/office/drawing/2014/main" id="{F3FF6AAA-4615-4AD8-8513-43940E7F4B66}"/>
               </a:ext>
             </a:extLst>
           </p:cNvPr>
           <p:cNvPicPr>
-            <a:picLocks noChangeAspect="1" noChangeArrowheads="1"/>
+            <a:picLocks noGrp="1" noChangeAspect="1" noChangeArrowheads="1"/>
           </p:cNvPicPr>
-          <p:nvPr/>
+          <p:nvPr>
+            <p:ph idx="1"/>
+          </p:nvPr>
         </p:nvPicPr>
         <p:blipFill>
           <a:blip r:embed="rId3">
@@ -5126,8 +5594,8 @@
         </p:blipFill>
         <p:spPr bwMode="auto">
           <a:xfrm>
-            <a:off x="4572000" y="1871980"/>
-            <a:ext cx="3048000" cy="2400300"/>
+            <a:off x="5543210" y="563265"/>
+            <a:ext cx="4723809" cy="3149206"/>
           </a:xfrm>
           <a:prstGeom prst="rect">
             <a:avLst/>
@@ -5144,115 +5612,318 @@
           </a:extLst>
         </p:spPr>
       </p:pic>
-      <p:sp>
-        <p:nvSpPr>
-          <p:cNvPr id="4" name="TextBox 3">
-            <a:extLst>
-              <a:ext uri="{FF2B5EF4-FFF2-40B4-BE49-F238E27FC236}">
-                <a16:creationId xmlns:a16="http://schemas.microsoft.com/office/drawing/2014/main" id="{BC1ABE50-CE5F-49B0-A766-C33DCCDD0E40}"/>
-              </a:ext>
-            </a:extLst>
-          </p:cNvPr>
-          <p:cNvSpPr txBox="1"/>
+      <p:pic>
+        <p:nvPicPr>
+          <p:cNvPr id="8" name="Picture 6">
+            <a:extLst>
+              <a:ext uri="{FF2B5EF4-FFF2-40B4-BE49-F238E27FC236}">
+                <a16:creationId xmlns:a16="http://schemas.microsoft.com/office/drawing/2014/main" id="{02C7BD92-8721-448E-BF0F-F7DE9AFBCAFC}"/>
+              </a:ext>
+            </a:extLst>
+          </p:cNvPr>
+          <p:cNvPicPr>
+            <a:picLocks noChangeAspect="1" noChangeArrowheads="1"/>
+          </p:cNvPicPr>
           <p:nvPr/>
-        </p:nvSpPr>
-        <p:spPr>
-          <a:xfrm>
-            <a:off x="1046480" y="4230806"/>
-            <a:ext cx="2878032" cy="369332"/>
+        </p:nvPicPr>
+        <p:blipFill>
+          <a:blip r:embed="rId4">
+            <a:extLst>
+              <a:ext uri="{28A0092B-C50C-407E-A947-70E740481C1C}">
+                <a14:useLocalDpi xmlns:a14="http://schemas.microsoft.com/office/drawing/2010/main" val="0"/>
+              </a:ext>
+            </a:extLst>
+          </a:blip>
+          <a:srcRect/>
+          <a:stretch>
+            <a:fillRect/>
+          </a:stretch>
+        </p:blipFill>
+        <p:spPr bwMode="auto">
+          <a:xfrm>
+            <a:off x="439420" y="3712471"/>
+            <a:ext cx="3543300" cy="2362200"/>
           </a:xfrm>
           <a:prstGeom prst="rect">
             <a:avLst/>
           </a:prstGeom>
           <a:noFill/>
-        </p:spPr>
-        <p:txBody>
-          <a:bodyPr wrap="none" rtlCol="0">
-            <a:spAutoFit/>
-          </a:bodyPr>
-          <a:lstStyle/>
-          <a:p>
-            <a:r>
-              <a:rPr lang="en-US" dirty="0"/>
-              <a:t>Autoencoder (final decoded)</a:t>
-            </a:r>
-          </a:p>
-        </p:txBody>
-      </p:sp>
-      <p:sp>
-        <p:nvSpPr>
-          <p:cNvPr id="5" name="TextBox 4">
-            <a:extLst>
-              <a:ext uri="{FF2B5EF4-FFF2-40B4-BE49-F238E27FC236}">
-                <a16:creationId xmlns:a16="http://schemas.microsoft.com/office/drawing/2014/main" id="{30DC4815-1F4A-4D42-8D5A-096FE2B91459}"/>
-              </a:ext>
-            </a:extLst>
-          </p:cNvPr>
-          <p:cNvSpPr txBox="1"/>
+          <a:extLst>
+            <a:ext uri="{909E8E84-426E-40DD-AFC4-6F175D3DCCD1}">
+              <a14:hiddenFill xmlns:a14="http://schemas.microsoft.com/office/drawing/2010/main">
+                <a:solidFill>
+                  <a:srgbClr val="FFFFFF"/>
+                </a:solidFill>
+              </a14:hiddenFill>
+            </a:ext>
+          </a:extLst>
+        </p:spPr>
+      </p:pic>
+      <p:pic>
+        <p:nvPicPr>
+          <p:cNvPr id="6148" name="Picture 4">
+            <a:extLst>
+              <a:ext uri="{FF2B5EF4-FFF2-40B4-BE49-F238E27FC236}">
+                <a16:creationId xmlns:a16="http://schemas.microsoft.com/office/drawing/2014/main" id="{7E8E879E-4979-4A26-B35D-188F42E0706F}"/>
+              </a:ext>
+            </a:extLst>
+          </p:cNvPr>
+          <p:cNvPicPr>
+            <a:picLocks noChangeAspect="1" noChangeArrowheads="1"/>
+          </p:cNvPicPr>
           <p:nvPr/>
-        </p:nvSpPr>
-        <p:spPr>
-          <a:xfrm>
-            <a:off x="5354320" y="3291840"/>
-            <a:ext cx="998671" cy="369332"/>
+        </p:nvPicPr>
+        <p:blipFill>
+          <a:blip r:embed="rId5">
+            <a:extLst>
+              <a:ext uri="{28A0092B-C50C-407E-A947-70E740481C1C}">
+                <a14:useLocalDpi xmlns:a14="http://schemas.microsoft.com/office/drawing/2010/main" val="0"/>
+              </a:ext>
+            </a:extLst>
+          </a:blip>
+          <a:srcRect/>
+          <a:stretch>
+            <a:fillRect/>
+          </a:stretch>
+        </p:blipFill>
+        <p:spPr bwMode="auto">
+          <a:xfrm>
+            <a:off x="8109584" y="3787140"/>
+            <a:ext cx="3543300" cy="2362200"/>
           </a:xfrm>
           <a:prstGeom prst="rect">
             <a:avLst/>
           </a:prstGeom>
           <a:noFill/>
-        </p:spPr>
-        <p:txBody>
-          <a:bodyPr wrap="none" rtlCol="0">
-            <a:spAutoFit/>
-          </a:bodyPr>
-          <a:lstStyle/>
-          <a:p>
-            <a:r>
-              <a:rPr lang="en-US" dirty="0"/>
-              <a:t>encoded</a:t>
-            </a:r>
-          </a:p>
-        </p:txBody>
-      </p:sp>
-      <p:sp>
-        <p:nvSpPr>
-          <p:cNvPr id="6" name="TextBox 5">
-            <a:extLst>
-              <a:ext uri="{FF2B5EF4-FFF2-40B4-BE49-F238E27FC236}">
-                <a16:creationId xmlns:a16="http://schemas.microsoft.com/office/drawing/2014/main" id="{67BA2447-38B6-4221-871A-314CFBA6D88A}"/>
-              </a:ext>
-            </a:extLst>
-          </p:cNvPr>
-          <p:cNvSpPr txBox="1"/>
+          <a:extLst>
+            <a:ext uri="{909E8E84-426E-40DD-AFC4-6F175D3DCCD1}">
+              <a14:hiddenFill xmlns:a14="http://schemas.microsoft.com/office/drawing/2010/main">
+                <a:solidFill>
+                  <a:srgbClr val="FFFFFF"/>
+                </a:solidFill>
+              </a14:hiddenFill>
+            </a:ext>
+          </a:extLst>
+        </p:spPr>
+      </p:pic>
+      <p:pic>
+        <p:nvPicPr>
+          <p:cNvPr id="6150" name="Picture 6">
+            <a:extLst>
+              <a:ext uri="{FF2B5EF4-FFF2-40B4-BE49-F238E27FC236}">
+                <a16:creationId xmlns:a16="http://schemas.microsoft.com/office/drawing/2014/main" id="{0BFDAC03-9B22-402A-A115-8D3C8FD37F26}"/>
+              </a:ext>
+            </a:extLst>
+          </p:cNvPr>
+          <p:cNvPicPr>
+            <a:picLocks noChangeAspect="1" noChangeArrowheads="1"/>
+          </p:cNvPicPr>
           <p:nvPr/>
-        </p:nvSpPr>
-        <p:spPr>
-          <a:xfrm>
-            <a:off x="9133840" y="1544320"/>
-            <a:ext cx="2570480" cy="1200329"/>
+        </p:nvPicPr>
+        <p:blipFill>
+          <a:blip r:embed="rId6">
+            <a:extLst>
+              <a:ext uri="{28A0092B-C50C-407E-A947-70E740481C1C}">
+                <a14:useLocalDpi xmlns:a14="http://schemas.microsoft.com/office/drawing/2010/main" val="0"/>
+              </a:ext>
+            </a:extLst>
+          </a:blip>
+          <a:srcRect/>
+          <a:stretch>
+            <a:fillRect/>
+          </a:stretch>
+        </p:blipFill>
+        <p:spPr bwMode="auto">
+          <a:xfrm>
+            <a:off x="4274502" y="3767417"/>
+            <a:ext cx="3543300" cy="2362200"/>
           </a:xfrm>
           <a:prstGeom prst="rect">
             <a:avLst/>
           </a:prstGeom>
           <a:noFill/>
-        </p:spPr>
-        <p:txBody>
-          <a:bodyPr wrap="square" rtlCol="0">
+          <a:extLst>
+            <a:ext uri="{909E8E84-426E-40DD-AFC4-6F175D3DCCD1}">
+              <a14:hiddenFill xmlns:a14="http://schemas.microsoft.com/office/drawing/2010/main">
+                <a:solidFill>
+                  <a:srgbClr val="FFFFFF"/>
+                </a:solidFill>
+              </a14:hiddenFill>
+            </a:ext>
+          </a:extLst>
+        </p:spPr>
+      </p:pic>
+      <p:sp>
+        <p:nvSpPr>
+          <p:cNvPr id="7" name="TextBox 6">
+            <a:extLst>
+              <a:ext uri="{FF2B5EF4-FFF2-40B4-BE49-F238E27FC236}">
+                <a16:creationId xmlns:a16="http://schemas.microsoft.com/office/drawing/2014/main" id="{025A8012-6AF6-4DE7-A06B-F855422BA221}"/>
+              </a:ext>
+            </a:extLst>
+          </p:cNvPr>
+          <p:cNvSpPr txBox="1"/>
+          <p:nvPr/>
+        </p:nvSpPr>
+        <p:spPr>
+          <a:xfrm>
+            <a:off x="1534160" y="1027906"/>
+            <a:ext cx="1469569" cy="369332"/>
+          </a:xfrm>
+          <a:prstGeom prst="rect">
+            <a:avLst/>
+          </a:prstGeom>
+          <a:noFill/>
+        </p:spPr>
+        <p:txBody>
+          <a:bodyPr wrap="none" rtlCol="0">
             <a:spAutoFit/>
           </a:bodyPr>
           <a:lstStyle/>
           <a:p>
             <a:r>
               <a:rPr lang="en-US" dirty="0"/>
-              <a:t>Based on our structure of the </a:t>
-            </a:r>
-            <a:r>
-              <a:rPr lang="en-US" dirty="0" err="1"/>
-              <a:t>cnn</a:t>
-            </a:r>
+              <a:t>2x2 predicted</a:t>
+            </a:r>
+          </a:p>
+        </p:txBody>
+      </p:sp>
+      <p:sp>
+        <p:nvSpPr>
+          <p:cNvPr id="9" name="TextBox 8">
+            <a:extLst>
+              <a:ext uri="{FF2B5EF4-FFF2-40B4-BE49-F238E27FC236}">
+                <a16:creationId xmlns:a16="http://schemas.microsoft.com/office/drawing/2014/main" id="{857485BF-BC53-4CBF-B9B3-13C195EB3037}"/>
+              </a:ext>
+            </a:extLst>
+          </p:cNvPr>
+          <p:cNvSpPr txBox="1"/>
+          <p:nvPr/>
+        </p:nvSpPr>
+        <p:spPr>
+          <a:xfrm>
+            <a:off x="7711440" y="985241"/>
+            <a:ext cx="1048685" cy="369332"/>
+          </a:xfrm>
+          <a:prstGeom prst="rect">
+            <a:avLst/>
+          </a:prstGeom>
+          <a:noFill/>
+        </p:spPr>
+        <p:txBody>
+          <a:bodyPr wrap="none" rtlCol="0">
+            <a:spAutoFit/>
+          </a:bodyPr>
+          <a:lstStyle/>
+          <a:p>
             <a:r>
               <a:rPr lang="en-US" dirty="0"/>
-              <a:t>, we need data 2^n – 1 (original data 127x127, smallest is 3x3)</a:t>
+              <a:t>2x2 truth</a:t>
+            </a:r>
+          </a:p>
+        </p:txBody>
+      </p:sp>
+      <p:sp>
+        <p:nvSpPr>
+          <p:cNvPr id="13" name="TextBox 12">
+            <a:extLst>
+              <a:ext uri="{FF2B5EF4-FFF2-40B4-BE49-F238E27FC236}">
+                <a16:creationId xmlns:a16="http://schemas.microsoft.com/office/drawing/2014/main" id="{1E551D5A-9CEA-4FA2-ABFF-A3662FBCB295}"/>
+              </a:ext>
+            </a:extLst>
+          </p:cNvPr>
+          <p:cNvSpPr txBox="1"/>
+          <p:nvPr/>
+        </p:nvSpPr>
+        <p:spPr>
+          <a:xfrm>
+            <a:off x="1394094" y="4106386"/>
+            <a:ext cx="1703608" cy="369332"/>
+          </a:xfrm>
+          <a:prstGeom prst="rect">
+            <a:avLst/>
+          </a:prstGeom>
+          <a:noFill/>
+        </p:spPr>
+        <p:txBody>
+          <a:bodyPr wrap="none" rtlCol="0">
+            <a:spAutoFit/>
+          </a:bodyPr>
+          <a:lstStyle/>
+          <a:p>
+            <a:r>
+              <a:rPr lang="en-US" dirty="0"/>
+              <a:t>16x16 predicted</a:t>
+            </a:r>
+          </a:p>
+        </p:txBody>
+      </p:sp>
+      <p:sp>
+        <p:nvSpPr>
+          <p:cNvPr id="14" name="TextBox 13">
+            <a:extLst>
+              <a:ext uri="{FF2B5EF4-FFF2-40B4-BE49-F238E27FC236}">
+                <a16:creationId xmlns:a16="http://schemas.microsoft.com/office/drawing/2014/main" id="{D9B8A86F-407D-4CB1-9F02-8806F350AAE1}"/>
+              </a:ext>
+            </a:extLst>
+          </p:cNvPr>
+          <p:cNvSpPr txBox="1"/>
+          <p:nvPr/>
+        </p:nvSpPr>
+        <p:spPr>
+          <a:xfrm>
+            <a:off x="4889126" y="4291052"/>
+            <a:ext cx="1729320" cy="369332"/>
+          </a:xfrm>
+          <a:prstGeom prst="rect">
+            <a:avLst/>
+          </a:prstGeom>
+          <a:noFill/>
+        </p:spPr>
+        <p:txBody>
+          <a:bodyPr wrap="none" rtlCol="0">
+            <a:spAutoFit/>
+          </a:bodyPr>
+          <a:lstStyle/>
+          <a:p>
+            <a:r>
+              <a:rPr lang="en-US" dirty="0"/>
+              <a:t>16x16 fast  truth</a:t>
+            </a:r>
+          </a:p>
+        </p:txBody>
+      </p:sp>
+      <p:sp>
+        <p:nvSpPr>
+          <p:cNvPr id="15" name="TextBox 14">
+            <a:extLst>
+              <a:ext uri="{FF2B5EF4-FFF2-40B4-BE49-F238E27FC236}">
+                <a16:creationId xmlns:a16="http://schemas.microsoft.com/office/drawing/2014/main" id="{FA357463-D3E5-4C2D-8609-AC4AD0104188}"/>
+              </a:ext>
+            </a:extLst>
+          </p:cNvPr>
+          <p:cNvSpPr txBox="1"/>
+          <p:nvPr/>
+        </p:nvSpPr>
+        <p:spPr>
+          <a:xfrm>
+            <a:off x="8353686" y="4200725"/>
+            <a:ext cx="1817229" cy="369332"/>
+          </a:xfrm>
+          <a:prstGeom prst="rect">
+            <a:avLst/>
+          </a:prstGeom>
+          <a:noFill/>
+        </p:spPr>
+        <p:txBody>
+          <a:bodyPr wrap="none" rtlCol="0">
+            <a:spAutoFit/>
+          </a:bodyPr>
+          <a:lstStyle/>
+          <a:p>
+            <a:r>
+              <a:rPr lang="en-US" dirty="0"/>
+              <a:t>16x16 slow  truth</a:t>
             </a:r>
           </a:p>
         </p:txBody>
@@ -5260,7 +5931,7 @@
     </p:spTree>
     <p:extLst>
       <p:ext uri="{BB962C8B-B14F-4D97-AF65-F5344CB8AC3E}">
-        <p14:creationId xmlns:p14="http://schemas.microsoft.com/office/powerpoint/2010/main" val="3079746576"/>
+        <p14:creationId xmlns:p14="http://schemas.microsoft.com/office/powerpoint/2010/main" val="675019542"/>
       </p:ext>
     </p:extLst>
   </p:cSld>
@@ -5287,12 +5958,45 @@
           <a:chExt cx="0" cy="0"/>
         </a:xfrm>
       </p:grpSpPr>
+      <p:sp>
+        <p:nvSpPr>
+          <p:cNvPr id="2" name="Title 1">
+            <a:extLst>
+              <a:ext uri="{FF2B5EF4-FFF2-40B4-BE49-F238E27FC236}">
+                <a16:creationId xmlns:a16="http://schemas.microsoft.com/office/drawing/2014/main" id="{7527406E-331B-4DE3-8D46-311B68A51AF7}"/>
+              </a:ext>
+            </a:extLst>
+          </p:cNvPr>
+          <p:cNvSpPr>
+            <a:spLocks noGrp="1"/>
+          </p:cNvSpPr>
+          <p:nvPr>
+            <p:ph type="title"/>
+          </p:nvPr>
+        </p:nvSpPr>
+        <p:spPr/>
+        <p:txBody>
+          <a:bodyPr/>
+          <a:lstStyle/>
+          <a:p>
+            <a:r>
+              <a:rPr lang="en-US" dirty="0"/>
+              <a:t>Toy2 through the </a:t>
+            </a:r>
+            <a:r>
+              <a:rPr lang="en-US" dirty="0" err="1"/>
+              <a:t>cnn</a:t>
+            </a:r>
+            <a:endParaRPr lang="en-US" dirty="0"/>
+          </a:p>
+        </p:txBody>
+      </p:sp>
       <p:pic>
         <p:nvPicPr>
-          <p:cNvPr id="1026" name="Picture 2">
-            <a:extLst>
-              <a:ext uri="{FF2B5EF4-FFF2-40B4-BE49-F238E27FC236}">
-                <a16:creationId xmlns:a16="http://schemas.microsoft.com/office/drawing/2014/main" id="{D271FE50-61CE-4F9E-9434-DF7286857300}"/>
+          <p:cNvPr id="4098" name="Picture 2">
+            <a:extLst>
+              <a:ext uri="{FF2B5EF4-FFF2-40B4-BE49-F238E27FC236}">
+                <a16:creationId xmlns:a16="http://schemas.microsoft.com/office/drawing/2014/main" id="{68382DCD-C730-4AA1-9444-D09C0C52A47A}"/>
               </a:ext>
             </a:extLst>
           </p:cNvPr>
@@ -5316,8 +6020,8 @@
         </p:blipFill>
         <p:spPr bwMode="auto">
           <a:xfrm>
-            <a:off x="304800" y="209550"/>
-            <a:ext cx="2990850" cy="2514600"/>
+            <a:off x="838200" y="1871980"/>
+            <a:ext cx="2876550" cy="2362200"/>
           </a:xfrm>
           <a:prstGeom prst="rect">
             <a:avLst/>
@@ -5336,10 +6040,10 @@
       </p:pic>
       <p:pic>
         <p:nvPicPr>
-          <p:cNvPr id="1028" name="Picture 4">
-            <a:extLst>
-              <a:ext uri="{FF2B5EF4-FFF2-40B4-BE49-F238E27FC236}">
-                <a16:creationId xmlns:a16="http://schemas.microsoft.com/office/drawing/2014/main" id="{1D4F1EF1-2482-418F-9050-4BED1092A09C}"/>
+          <p:cNvPr id="4100" name="Picture 4">
+            <a:extLst>
+              <a:ext uri="{FF2B5EF4-FFF2-40B4-BE49-F238E27FC236}">
+                <a16:creationId xmlns:a16="http://schemas.microsoft.com/office/drawing/2014/main" id="{9BD65EE8-F7AF-409B-B496-1673CCF043B8}"/>
               </a:ext>
             </a:extLst>
           </p:cNvPr>
@@ -5363,8 +6067,8 @@
         </p:blipFill>
         <p:spPr bwMode="auto">
           <a:xfrm>
-            <a:off x="3390900" y="209550"/>
-            <a:ext cx="3162300" cy="2514600"/>
+            <a:off x="4572000" y="1871980"/>
+            <a:ext cx="3048000" cy="2400300"/>
           </a:xfrm>
           <a:prstGeom prst="rect">
             <a:avLst/>
@@ -5381,151 +6085,123 @@
           </a:extLst>
         </p:spPr>
       </p:pic>
-      <p:pic>
-        <p:nvPicPr>
-          <p:cNvPr id="1030" name="Picture 6">
-            <a:extLst>
-              <a:ext uri="{FF2B5EF4-FFF2-40B4-BE49-F238E27FC236}">
-                <a16:creationId xmlns:a16="http://schemas.microsoft.com/office/drawing/2014/main" id="{57060197-1CD2-4299-ACAC-53DC2784B539}"/>
-              </a:ext>
-            </a:extLst>
-          </p:cNvPr>
-          <p:cNvPicPr>
-            <a:picLocks noChangeAspect="1" noChangeArrowheads="1"/>
-          </p:cNvPicPr>
+      <p:sp>
+        <p:nvSpPr>
+          <p:cNvPr id="4" name="TextBox 3">
+            <a:extLst>
+              <a:ext uri="{FF2B5EF4-FFF2-40B4-BE49-F238E27FC236}">
+                <a16:creationId xmlns:a16="http://schemas.microsoft.com/office/drawing/2014/main" id="{BC1ABE50-CE5F-49B0-A766-C33DCCDD0E40}"/>
+              </a:ext>
+            </a:extLst>
+          </p:cNvPr>
+          <p:cNvSpPr txBox="1"/>
           <p:nvPr/>
-        </p:nvPicPr>
-        <p:blipFill>
-          <a:blip r:embed="rId4">
-            <a:extLst>
-              <a:ext uri="{28A0092B-C50C-407E-A947-70E740481C1C}">
-                <a14:useLocalDpi xmlns:a14="http://schemas.microsoft.com/office/drawing/2010/main" val="0"/>
-              </a:ext>
-            </a:extLst>
-          </a:blip>
-          <a:srcRect/>
-          <a:stretch>
-            <a:fillRect/>
-          </a:stretch>
-        </p:blipFill>
-        <p:spPr bwMode="auto">
-          <a:xfrm>
-            <a:off x="6646545" y="433070"/>
-            <a:ext cx="3105150" cy="2514600"/>
+        </p:nvSpPr>
+        <p:spPr>
+          <a:xfrm>
+            <a:off x="1046480" y="4230806"/>
+            <a:ext cx="2878032" cy="369332"/>
           </a:xfrm>
           <a:prstGeom prst="rect">
             <a:avLst/>
           </a:prstGeom>
           <a:noFill/>
-          <a:extLst>
-            <a:ext uri="{909E8E84-426E-40DD-AFC4-6F175D3DCCD1}">
-              <a14:hiddenFill xmlns:a14="http://schemas.microsoft.com/office/drawing/2010/main">
-                <a:solidFill>
-                  <a:srgbClr val="FFFFFF"/>
-                </a:solidFill>
-              </a14:hiddenFill>
-            </a:ext>
-          </a:extLst>
-        </p:spPr>
-      </p:pic>
-      <p:pic>
-        <p:nvPicPr>
-          <p:cNvPr id="1032" name="Picture 8">
-            <a:extLst>
-              <a:ext uri="{FF2B5EF4-FFF2-40B4-BE49-F238E27FC236}">
-                <a16:creationId xmlns:a16="http://schemas.microsoft.com/office/drawing/2014/main" id="{478772BB-401C-4AA2-968B-DCD8A9FE90B7}"/>
-              </a:ext>
-            </a:extLst>
-          </p:cNvPr>
-          <p:cNvPicPr>
-            <a:picLocks noChangeAspect="1" noChangeArrowheads="1"/>
-          </p:cNvPicPr>
+        </p:spPr>
+        <p:txBody>
+          <a:bodyPr wrap="none" rtlCol="0">
+            <a:spAutoFit/>
+          </a:bodyPr>
+          <a:lstStyle/>
+          <a:p>
+            <a:r>
+              <a:rPr lang="en-US" dirty="0"/>
+              <a:t>Autoencoder (final decoded)</a:t>
+            </a:r>
+          </a:p>
+        </p:txBody>
+      </p:sp>
+      <p:sp>
+        <p:nvSpPr>
+          <p:cNvPr id="5" name="TextBox 4">
+            <a:extLst>
+              <a:ext uri="{FF2B5EF4-FFF2-40B4-BE49-F238E27FC236}">
+                <a16:creationId xmlns:a16="http://schemas.microsoft.com/office/drawing/2014/main" id="{30DC4815-1F4A-4D42-8D5A-096FE2B91459}"/>
+              </a:ext>
+            </a:extLst>
+          </p:cNvPr>
+          <p:cNvSpPr txBox="1"/>
           <p:nvPr/>
-        </p:nvPicPr>
-        <p:blipFill>
-          <a:blip r:embed="rId5">
-            <a:extLst>
-              <a:ext uri="{28A0092B-C50C-407E-A947-70E740481C1C}">
-                <a14:useLocalDpi xmlns:a14="http://schemas.microsoft.com/office/drawing/2010/main" val="0"/>
-              </a:ext>
-            </a:extLst>
-          </a:blip>
-          <a:srcRect/>
-          <a:stretch>
-            <a:fillRect/>
-          </a:stretch>
-        </p:blipFill>
-        <p:spPr bwMode="auto">
-          <a:xfrm>
-            <a:off x="656273" y="2947670"/>
-            <a:ext cx="2876550" cy="2514600"/>
+        </p:nvSpPr>
+        <p:spPr>
+          <a:xfrm>
+            <a:off x="5354320" y="3291840"/>
+            <a:ext cx="998671" cy="369332"/>
           </a:xfrm>
           <a:prstGeom prst="rect">
             <a:avLst/>
           </a:prstGeom>
           <a:noFill/>
-          <a:extLst>
-            <a:ext uri="{909E8E84-426E-40DD-AFC4-6F175D3DCCD1}">
-              <a14:hiddenFill xmlns:a14="http://schemas.microsoft.com/office/drawing/2010/main">
-                <a:solidFill>
-                  <a:srgbClr val="FFFFFF"/>
-                </a:solidFill>
-              </a14:hiddenFill>
-            </a:ext>
-          </a:extLst>
-        </p:spPr>
-      </p:pic>
-      <p:pic>
-        <p:nvPicPr>
-          <p:cNvPr id="1034" name="Picture 10">
-            <a:extLst>
-              <a:ext uri="{FF2B5EF4-FFF2-40B4-BE49-F238E27FC236}">
-                <a16:creationId xmlns:a16="http://schemas.microsoft.com/office/drawing/2014/main" id="{1989C5A8-1F13-4C62-847E-959C112269F4}"/>
-              </a:ext>
-            </a:extLst>
-          </p:cNvPr>
-          <p:cNvPicPr>
-            <a:picLocks noChangeAspect="1" noChangeArrowheads="1"/>
-          </p:cNvPicPr>
+        </p:spPr>
+        <p:txBody>
+          <a:bodyPr wrap="none" rtlCol="0">
+            <a:spAutoFit/>
+          </a:bodyPr>
+          <a:lstStyle/>
+          <a:p>
+            <a:r>
+              <a:rPr lang="en-US" dirty="0"/>
+              <a:t>encoded</a:t>
+            </a:r>
+          </a:p>
+        </p:txBody>
+      </p:sp>
+      <p:sp>
+        <p:nvSpPr>
+          <p:cNvPr id="6" name="TextBox 5">
+            <a:extLst>
+              <a:ext uri="{FF2B5EF4-FFF2-40B4-BE49-F238E27FC236}">
+                <a16:creationId xmlns:a16="http://schemas.microsoft.com/office/drawing/2014/main" id="{67BA2447-38B6-4221-871A-314CFBA6D88A}"/>
+              </a:ext>
+            </a:extLst>
+          </p:cNvPr>
+          <p:cNvSpPr txBox="1"/>
           <p:nvPr/>
-        </p:nvPicPr>
-        <p:blipFill>
-          <a:blip r:embed="rId6">
-            <a:extLst>
-              <a:ext uri="{28A0092B-C50C-407E-A947-70E740481C1C}">
-                <a14:useLocalDpi xmlns:a14="http://schemas.microsoft.com/office/drawing/2010/main" val="0"/>
-              </a:ext>
-            </a:extLst>
-          </a:blip>
-          <a:srcRect/>
-          <a:stretch>
-            <a:fillRect/>
-          </a:stretch>
-        </p:blipFill>
-        <p:spPr bwMode="auto">
-          <a:xfrm>
-            <a:off x="3712845" y="2947670"/>
-            <a:ext cx="2933700" cy="2514600"/>
+        </p:nvSpPr>
+        <p:spPr>
+          <a:xfrm>
+            <a:off x="9133840" y="1544320"/>
+            <a:ext cx="2570480" cy="1200329"/>
           </a:xfrm>
           <a:prstGeom prst="rect">
             <a:avLst/>
           </a:prstGeom>
           <a:noFill/>
-          <a:extLst>
-            <a:ext uri="{909E8E84-426E-40DD-AFC4-6F175D3DCCD1}">
-              <a14:hiddenFill xmlns:a14="http://schemas.microsoft.com/office/drawing/2010/main">
-                <a:solidFill>
-                  <a:srgbClr val="FFFFFF"/>
-                </a:solidFill>
-              </a14:hiddenFill>
-            </a:ext>
-          </a:extLst>
-        </p:spPr>
-      </p:pic>
+        </p:spPr>
+        <p:txBody>
+          <a:bodyPr wrap="square" rtlCol="0">
+            <a:spAutoFit/>
+          </a:bodyPr>
+          <a:lstStyle/>
+          <a:p>
+            <a:r>
+              <a:rPr lang="en-US" dirty="0"/>
+              <a:t>Based on our structure of the </a:t>
+            </a:r>
+            <a:r>
+              <a:rPr lang="en-US" dirty="0" err="1"/>
+              <a:t>cnn</a:t>
+            </a:r>
+            <a:r>
+              <a:rPr lang="en-US" dirty="0"/>
+              <a:t>, we need data 2^n – 1 (original data 127x127, smallest is 3x3)</a:t>
+            </a:r>
+          </a:p>
+        </p:txBody>
+      </p:sp>
     </p:spTree>
     <p:extLst>
       <p:ext uri="{BB962C8B-B14F-4D97-AF65-F5344CB8AC3E}">
-        <p14:creationId xmlns:p14="http://schemas.microsoft.com/office/powerpoint/2010/main" val="4013676717"/>
+        <p14:creationId xmlns:p14="http://schemas.microsoft.com/office/powerpoint/2010/main" val="3079746576"/>
       </p:ext>
     </p:extLst>
   </p:cSld>
@@ -5552,40 +6228,12 @@
           <a:chExt cx="0" cy="0"/>
         </a:xfrm>
       </p:grpSpPr>
-      <p:sp>
-        <p:nvSpPr>
-          <p:cNvPr id="2" name="Title 1">
-            <a:extLst>
-              <a:ext uri="{FF2B5EF4-FFF2-40B4-BE49-F238E27FC236}">
-                <a16:creationId xmlns:a16="http://schemas.microsoft.com/office/drawing/2014/main" id="{655D6C05-EC7A-4108-8D18-6DA6473C2516}"/>
-              </a:ext>
-            </a:extLst>
-          </p:cNvPr>
-          <p:cNvSpPr>
-            <a:spLocks noGrp="1"/>
-          </p:cNvSpPr>
-          <p:nvPr>
-            <p:ph type="title"/>
-          </p:nvPr>
-        </p:nvSpPr>
-        <p:spPr/>
-        <p:txBody>
-          <a:bodyPr/>
-          <a:lstStyle/>
-          <a:p>
-            <a:r>
-              <a:rPr lang="en-US" dirty="0"/>
-              <a:t>Resolved maps</a:t>
-            </a:r>
-          </a:p>
-        </p:txBody>
-      </p:sp>
       <p:pic>
         <p:nvPicPr>
-          <p:cNvPr id="2050" name="Picture 2">
-            <a:extLst>
-              <a:ext uri="{FF2B5EF4-FFF2-40B4-BE49-F238E27FC236}">
-                <a16:creationId xmlns:a16="http://schemas.microsoft.com/office/drawing/2014/main" id="{813CE9E5-50A3-4B35-935C-C2AE9827454C}"/>
+          <p:cNvPr id="1026" name="Picture 2">
+            <a:extLst>
+              <a:ext uri="{FF2B5EF4-FFF2-40B4-BE49-F238E27FC236}">
+                <a16:creationId xmlns:a16="http://schemas.microsoft.com/office/drawing/2014/main" id="{D271FE50-61CE-4F9E-9434-DF7286857300}"/>
               </a:ext>
             </a:extLst>
           </p:cNvPr>
@@ -5609,8 +6257,8 @@
         </p:blipFill>
         <p:spPr bwMode="auto">
           <a:xfrm>
-            <a:off x="142875" y="1690688"/>
-            <a:ext cx="3048000" cy="2514600"/>
+            <a:off x="304800" y="209550"/>
+            <a:ext cx="2990850" cy="2514600"/>
           </a:xfrm>
           <a:prstGeom prst="rect">
             <a:avLst/>
@@ -5629,10 +6277,10 @@
       </p:pic>
       <p:pic>
         <p:nvPicPr>
-          <p:cNvPr id="2052" name="Picture 4">
-            <a:extLst>
-              <a:ext uri="{FF2B5EF4-FFF2-40B4-BE49-F238E27FC236}">
-                <a16:creationId xmlns:a16="http://schemas.microsoft.com/office/drawing/2014/main" id="{184B9D9E-78EE-4E6B-8A33-25D90EF9D464}"/>
+          <p:cNvPr id="1028" name="Picture 4">
+            <a:extLst>
+              <a:ext uri="{FF2B5EF4-FFF2-40B4-BE49-F238E27FC236}">
+                <a16:creationId xmlns:a16="http://schemas.microsoft.com/office/drawing/2014/main" id="{1D4F1EF1-2482-418F-9050-4BED1092A09C}"/>
               </a:ext>
             </a:extLst>
           </p:cNvPr>
@@ -5656,8 +6304,8 @@
         </p:blipFill>
         <p:spPr bwMode="auto">
           <a:xfrm>
-            <a:off x="3190875" y="1690688"/>
-            <a:ext cx="2981325" cy="2514600"/>
+            <a:off x="3390900" y="209550"/>
+            <a:ext cx="3162300" cy="2514600"/>
           </a:xfrm>
           <a:prstGeom prst="rect">
             <a:avLst/>
@@ -5676,10 +6324,10 @@
       </p:pic>
       <p:pic>
         <p:nvPicPr>
-          <p:cNvPr id="2054" name="Picture 6">
-            <a:extLst>
-              <a:ext uri="{FF2B5EF4-FFF2-40B4-BE49-F238E27FC236}">
-                <a16:creationId xmlns:a16="http://schemas.microsoft.com/office/drawing/2014/main" id="{985B25BE-4B55-404F-80EB-C3403746F43F}"/>
+          <p:cNvPr id="1030" name="Picture 6">
+            <a:extLst>
+              <a:ext uri="{FF2B5EF4-FFF2-40B4-BE49-F238E27FC236}">
+                <a16:creationId xmlns:a16="http://schemas.microsoft.com/office/drawing/2014/main" id="{57060197-1CD2-4299-ACAC-53DC2784B539}"/>
               </a:ext>
             </a:extLst>
           </p:cNvPr>
@@ -5703,8 +6351,8 @@
         </p:blipFill>
         <p:spPr bwMode="auto">
           <a:xfrm>
-            <a:off x="6238875" y="1690688"/>
-            <a:ext cx="2809875" cy="2514600"/>
+            <a:off x="6646545" y="433070"/>
+            <a:ext cx="3105150" cy="2514600"/>
           </a:xfrm>
           <a:prstGeom prst="rect">
             <a:avLst/>
@@ -5723,10 +6371,10 @@
       </p:pic>
       <p:pic>
         <p:nvPicPr>
-          <p:cNvPr id="2056" name="Picture 8">
-            <a:extLst>
-              <a:ext uri="{FF2B5EF4-FFF2-40B4-BE49-F238E27FC236}">
-                <a16:creationId xmlns:a16="http://schemas.microsoft.com/office/drawing/2014/main" id="{2ECB46EA-2275-4C6F-B48C-ECFD2E2C3082}"/>
+          <p:cNvPr id="1032" name="Picture 8">
+            <a:extLst>
+              <a:ext uri="{FF2B5EF4-FFF2-40B4-BE49-F238E27FC236}">
+                <a16:creationId xmlns:a16="http://schemas.microsoft.com/office/drawing/2014/main" id="{478772BB-401C-4AA2-968B-DCD8A9FE90B7}"/>
               </a:ext>
             </a:extLst>
           </p:cNvPr>
@@ -5750,7 +6398,7 @@
         </p:blipFill>
         <p:spPr bwMode="auto">
           <a:xfrm>
-            <a:off x="9048750" y="1690688"/>
+            <a:off x="656273" y="2947670"/>
             <a:ext cx="2876550" cy="2514600"/>
           </a:xfrm>
           <a:prstGeom prst="rect">
@@ -5770,10 +6418,10 @@
       </p:pic>
       <p:pic>
         <p:nvPicPr>
-          <p:cNvPr id="8" name="Picture 4">
-            <a:extLst>
-              <a:ext uri="{FF2B5EF4-FFF2-40B4-BE49-F238E27FC236}">
-                <a16:creationId xmlns:a16="http://schemas.microsoft.com/office/drawing/2014/main" id="{B1A92860-4218-47F9-A33D-5E2D78CD7C5A}"/>
+          <p:cNvPr id="1034" name="Picture 10">
+            <a:extLst>
+              <a:ext uri="{FF2B5EF4-FFF2-40B4-BE49-F238E27FC236}">
+                <a16:creationId xmlns:a16="http://schemas.microsoft.com/office/drawing/2014/main" id="{1989C5A8-1F13-4C62-847E-959C112269F4}"/>
               </a:ext>
             </a:extLst>
           </p:cNvPr>
@@ -5797,8 +6445,8 @@
         </p:blipFill>
         <p:spPr bwMode="auto">
           <a:xfrm>
-            <a:off x="-31591" y="4040029"/>
-            <a:ext cx="3162300" cy="2514600"/>
+            <a:off x="3712845" y="2947670"/>
+            <a:ext cx="2933700" cy="2514600"/>
           </a:xfrm>
           <a:prstGeom prst="rect">
             <a:avLst/>
@@ -5815,12 +6463,70 @@
           </a:extLst>
         </p:spPr>
       </p:pic>
+    </p:spTree>
+    <p:extLst>
+      <p:ext uri="{BB962C8B-B14F-4D97-AF65-F5344CB8AC3E}">
+        <p14:creationId xmlns:p14="http://schemas.microsoft.com/office/powerpoint/2010/main" val="4013676717"/>
+      </p:ext>
+    </p:extLst>
+  </p:cSld>
+  <p:clrMapOvr>
+    <a:masterClrMapping/>
+  </p:clrMapOvr>
+</p:sld>
+</file>
+
+<file path=ppt/slides/slide9.xml><?xml version="1.0" encoding="utf-8"?>
+<p:sld xmlns:a="http://schemas.openxmlformats.org/drawingml/2006/main" xmlns:r="http://schemas.openxmlformats.org/officeDocument/2006/relationships" xmlns:p="http://schemas.openxmlformats.org/presentationml/2006/main">
+  <p:cSld>
+    <p:spTree>
+      <p:nvGrpSpPr>
+        <p:cNvPr id="1" name=""/>
+        <p:cNvGrpSpPr/>
+        <p:nvPr/>
+      </p:nvGrpSpPr>
+      <p:grpSpPr>
+        <a:xfrm>
+          <a:off x="0" y="0"/>
+          <a:ext cx="0" cy="0"/>
+          <a:chOff x="0" y="0"/>
+          <a:chExt cx="0" cy="0"/>
+        </a:xfrm>
+      </p:grpSpPr>
+      <p:sp>
+        <p:nvSpPr>
+          <p:cNvPr id="2" name="Title 1">
+            <a:extLst>
+              <a:ext uri="{FF2B5EF4-FFF2-40B4-BE49-F238E27FC236}">
+                <a16:creationId xmlns:a16="http://schemas.microsoft.com/office/drawing/2014/main" id="{655D6C05-EC7A-4108-8D18-6DA6473C2516}"/>
+              </a:ext>
+            </a:extLst>
+          </p:cNvPr>
+          <p:cNvSpPr>
+            <a:spLocks noGrp="1"/>
+          </p:cNvSpPr>
+          <p:nvPr>
+            <p:ph type="title"/>
+          </p:nvPr>
+        </p:nvSpPr>
+        <p:spPr/>
+        <p:txBody>
+          <a:bodyPr/>
+          <a:lstStyle/>
+          <a:p>
+            <a:r>
+              <a:rPr lang="en-US" dirty="0"/>
+              <a:t>Resolved maps</a:t>
+            </a:r>
+          </a:p>
+        </p:txBody>
+      </p:sp>
       <p:pic>
         <p:nvPicPr>
-          <p:cNvPr id="9" name="Picture 6">
-            <a:extLst>
-              <a:ext uri="{FF2B5EF4-FFF2-40B4-BE49-F238E27FC236}">
-                <a16:creationId xmlns:a16="http://schemas.microsoft.com/office/drawing/2014/main" id="{74812B3F-C72E-4101-B5F0-B5BDF2A385DA}"/>
+          <p:cNvPr id="2050" name="Picture 2">
+            <a:extLst>
+              <a:ext uri="{FF2B5EF4-FFF2-40B4-BE49-F238E27FC236}">
+                <a16:creationId xmlns:a16="http://schemas.microsoft.com/office/drawing/2014/main" id="{813CE9E5-50A3-4B35-935C-C2AE9827454C}"/>
               </a:ext>
             </a:extLst>
           </p:cNvPr>
@@ -5830,7 +6536,7 @@
           <p:nvPr/>
         </p:nvPicPr>
         <p:blipFill>
-          <a:blip r:embed="rId7">
+          <a:blip r:embed="rId2">
             <a:extLst>
               <a:ext uri="{28A0092B-C50C-407E-A947-70E740481C1C}">
                 <a14:useLocalDpi xmlns:a14="http://schemas.microsoft.com/office/drawing/2010/main" val="0"/>
@@ -5844,8 +6550,8 @@
         </p:blipFill>
         <p:spPr bwMode="auto">
           <a:xfrm>
-            <a:off x="3020854" y="4100830"/>
-            <a:ext cx="3105150" cy="2514600"/>
+            <a:off x="142875" y="1690688"/>
+            <a:ext cx="3048000" cy="2514600"/>
           </a:xfrm>
           <a:prstGeom prst="rect">
             <a:avLst/>
@@ -5864,10 +6570,10 @@
       </p:pic>
       <p:pic>
         <p:nvPicPr>
-          <p:cNvPr id="10" name="Picture 8">
-            <a:extLst>
-              <a:ext uri="{FF2B5EF4-FFF2-40B4-BE49-F238E27FC236}">
-                <a16:creationId xmlns:a16="http://schemas.microsoft.com/office/drawing/2014/main" id="{5AC6F749-BB15-4B4C-A88B-AA8127ED0FE0}"/>
+          <p:cNvPr id="2052" name="Picture 4">
+            <a:extLst>
+              <a:ext uri="{FF2B5EF4-FFF2-40B4-BE49-F238E27FC236}">
+                <a16:creationId xmlns:a16="http://schemas.microsoft.com/office/drawing/2014/main" id="{184B9D9E-78EE-4E6B-8A33-25D90EF9D464}"/>
               </a:ext>
             </a:extLst>
           </p:cNvPr>
@@ -5877,7 +6583,7 @@
           <p:nvPr/>
         </p:nvPicPr>
         <p:blipFill>
-          <a:blip r:embed="rId8">
+          <a:blip r:embed="rId3">
             <a:extLst>
               <a:ext uri="{28A0092B-C50C-407E-A947-70E740481C1C}">
                 <a14:useLocalDpi xmlns:a14="http://schemas.microsoft.com/office/drawing/2010/main" val="0"/>
@@ -5891,8 +6597,8 @@
         </p:blipFill>
         <p:spPr bwMode="auto">
           <a:xfrm>
-            <a:off x="6059329" y="4205288"/>
-            <a:ext cx="2876550" cy="2514600"/>
+            <a:off x="3190875" y="1690688"/>
+            <a:ext cx="2981325" cy="2514600"/>
           </a:xfrm>
           <a:prstGeom prst="rect">
             <a:avLst/>
@@ -5911,10 +6617,10 @@
       </p:pic>
       <p:pic>
         <p:nvPicPr>
-          <p:cNvPr id="11" name="Picture 10">
-            <a:extLst>
-              <a:ext uri="{FF2B5EF4-FFF2-40B4-BE49-F238E27FC236}">
-                <a16:creationId xmlns:a16="http://schemas.microsoft.com/office/drawing/2014/main" id="{4B989E9C-08B7-409C-A5EF-474B97386739}"/>
+          <p:cNvPr id="2054" name="Picture 6">
+            <a:extLst>
+              <a:ext uri="{FF2B5EF4-FFF2-40B4-BE49-F238E27FC236}">
+                <a16:creationId xmlns:a16="http://schemas.microsoft.com/office/drawing/2014/main" id="{985B25BE-4B55-404F-80EB-C3403746F43F}"/>
               </a:ext>
             </a:extLst>
           </p:cNvPr>
@@ -5924,7 +6630,7 @@
           <p:nvPr/>
         </p:nvPicPr>
         <p:blipFill>
-          <a:blip r:embed="rId9">
+          <a:blip r:embed="rId4">
             <a:extLst>
               <a:ext uri="{28A0092B-C50C-407E-A947-70E740481C1C}">
                 <a14:useLocalDpi xmlns:a14="http://schemas.microsoft.com/office/drawing/2010/main" val="0"/>
@@ -5938,8 +6644,8 @@
         </p:blipFill>
         <p:spPr bwMode="auto">
           <a:xfrm>
-            <a:off x="8910320" y="4205288"/>
-            <a:ext cx="2933700" cy="2514600"/>
+            <a:off x="6238875" y="1690688"/>
+            <a:ext cx="2809875" cy="2514600"/>
           </a:xfrm>
           <a:prstGeom prst="rect">
             <a:avLst/>
@@ -5956,6 +6662,276 @@
           </a:extLst>
         </p:spPr>
       </p:pic>
+      <p:pic>
+        <p:nvPicPr>
+          <p:cNvPr id="2056" name="Picture 8">
+            <a:extLst>
+              <a:ext uri="{FF2B5EF4-FFF2-40B4-BE49-F238E27FC236}">
+                <a16:creationId xmlns:a16="http://schemas.microsoft.com/office/drawing/2014/main" id="{2ECB46EA-2275-4C6F-B48C-ECFD2E2C3082}"/>
+              </a:ext>
+            </a:extLst>
+          </p:cNvPr>
+          <p:cNvPicPr>
+            <a:picLocks noChangeAspect="1" noChangeArrowheads="1"/>
+          </p:cNvPicPr>
+          <p:nvPr/>
+        </p:nvPicPr>
+        <p:blipFill>
+          <a:blip r:embed="rId5">
+            <a:extLst>
+              <a:ext uri="{28A0092B-C50C-407E-A947-70E740481C1C}">
+                <a14:useLocalDpi xmlns:a14="http://schemas.microsoft.com/office/drawing/2010/main" val="0"/>
+              </a:ext>
+            </a:extLst>
+          </a:blip>
+          <a:srcRect/>
+          <a:stretch>
+            <a:fillRect/>
+          </a:stretch>
+        </p:blipFill>
+        <p:spPr bwMode="auto">
+          <a:xfrm>
+            <a:off x="9048750" y="1690688"/>
+            <a:ext cx="2876550" cy="2514600"/>
+          </a:xfrm>
+          <a:prstGeom prst="rect">
+            <a:avLst/>
+          </a:prstGeom>
+          <a:noFill/>
+          <a:extLst>
+            <a:ext uri="{909E8E84-426E-40DD-AFC4-6F175D3DCCD1}">
+              <a14:hiddenFill xmlns:a14="http://schemas.microsoft.com/office/drawing/2010/main">
+                <a:solidFill>
+                  <a:srgbClr val="FFFFFF"/>
+                </a:solidFill>
+              </a14:hiddenFill>
+            </a:ext>
+          </a:extLst>
+        </p:spPr>
+      </p:pic>
+      <p:pic>
+        <p:nvPicPr>
+          <p:cNvPr id="8" name="Picture 4">
+            <a:extLst>
+              <a:ext uri="{FF2B5EF4-FFF2-40B4-BE49-F238E27FC236}">
+                <a16:creationId xmlns:a16="http://schemas.microsoft.com/office/drawing/2014/main" id="{B1A92860-4218-47F9-A33D-5E2D78CD7C5A}"/>
+              </a:ext>
+            </a:extLst>
+          </p:cNvPr>
+          <p:cNvPicPr>
+            <a:picLocks noChangeAspect="1" noChangeArrowheads="1"/>
+          </p:cNvPicPr>
+          <p:nvPr/>
+        </p:nvPicPr>
+        <p:blipFill>
+          <a:blip r:embed="rId6">
+            <a:extLst>
+              <a:ext uri="{28A0092B-C50C-407E-A947-70E740481C1C}">
+                <a14:useLocalDpi xmlns:a14="http://schemas.microsoft.com/office/drawing/2010/main" val="0"/>
+              </a:ext>
+            </a:extLst>
+          </a:blip>
+          <a:srcRect/>
+          <a:stretch>
+            <a:fillRect/>
+          </a:stretch>
+        </p:blipFill>
+        <p:spPr bwMode="auto">
+          <a:xfrm>
+            <a:off x="-31591" y="4040029"/>
+            <a:ext cx="3162300" cy="2514600"/>
+          </a:xfrm>
+          <a:prstGeom prst="rect">
+            <a:avLst/>
+          </a:prstGeom>
+          <a:noFill/>
+          <a:extLst>
+            <a:ext uri="{909E8E84-426E-40DD-AFC4-6F175D3DCCD1}">
+              <a14:hiddenFill xmlns:a14="http://schemas.microsoft.com/office/drawing/2010/main">
+                <a:solidFill>
+                  <a:srgbClr val="FFFFFF"/>
+                </a:solidFill>
+              </a14:hiddenFill>
+            </a:ext>
+          </a:extLst>
+        </p:spPr>
+      </p:pic>
+      <p:pic>
+        <p:nvPicPr>
+          <p:cNvPr id="9" name="Picture 6">
+            <a:extLst>
+              <a:ext uri="{FF2B5EF4-FFF2-40B4-BE49-F238E27FC236}">
+                <a16:creationId xmlns:a16="http://schemas.microsoft.com/office/drawing/2014/main" id="{74812B3F-C72E-4101-B5F0-B5BDF2A385DA}"/>
+              </a:ext>
+            </a:extLst>
+          </p:cNvPr>
+          <p:cNvPicPr>
+            <a:picLocks noChangeAspect="1" noChangeArrowheads="1"/>
+          </p:cNvPicPr>
+          <p:nvPr/>
+        </p:nvPicPr>
+        <p:blipFill>
+          <a:blip r:embed="rId7">
+            <a:extLst>
+              <a:ext uri="{28A0092B-C50C-407E-A947-70E740481C1C}">
+                <a14:useLocalDpi xmlns:a14="http://schemas.microsoft.com/office/drawing/2010/main" val="0"/>
+              </a:ext>
+            </a:extLst>
+          </a:blip>
+          <a:srcRect/>
+          <a:stretch>
+            <a:fillRect/>
+          </a:stretch>
+        </p:blipFill>
+        <p:spPr bwMode="auto">
+          <a:xfrm>
+            <a:off x="3020854" y="4100830"/>
+            <a:ext cx="3105150" cy="2514600"/>
+          </a:xfrm>
+          <a:prstGeom prst="rect">
+            <a:avLst/>
+          </a:prstGeom>
+          <a:noFill/>
+          <a:extLst>
+            <a:ext uri="{909E8E84-426E-40DD-AFC4-6F175D3DCCD1}">
+              <a14:hiddenFill xmlns:a14="http://schemas.microsoft.com/office/drawing/2010/main">
+                <a:solidFill>
+                  <a:srgbClr val="FFFFFF"/>
+                </a:solidFill>
+              </a14:hiddenFill>
+            </a:ext>
+          </a:extLst>
+        </p:spPr>
+      </p:pic>
+      <p:pic>
+        <p:nvPicPr>
+          <p:cNvPr id="10" name="Picture 8">
+            <a:extLst>
+              <a:ext uri="{FF2B5EF4-FFF2-40B4-BE49-F238E27FC236}">
+                <a16:creationId xmlns:a16="http://schemas.microsoft.com/office/drawing/2014/main" id="{5AC6F749-BB15-4B4C-A88B-AA8127ED0FE0}"/>
+              </a:ext>
+            </a:extLst>
+          </p:cNvPr>
+          <p:cNvPicPr>
+            <a:picLocks noChangeAspect="1" noChangeArrowheads="1"/>
+          </p:cNvPicPr>
+          <p:nvPr/>
+        </p:nvPicPr>
+        <p:blipFill>
+          <a:blip r:embed="rId8">
+            <a:extLst>
+              <a:ext uri="{28A0092B-C50C-407E-A947-70E740481C1C}">
+                <a14:useLocalDpi xmlns:a14="http://schemas.microsoft.com/office/drawing/2010/main" val="0"/>
+              </a:ext>
+            </a:extLst>
+          </a:blip>
+          <a:srcRect/>
+          <a:stretch>
+            <a:fillRect/>
+          </a:stretch>
+        </p:blipFill>
+        <p:spPr bwMode="auto">
+          <a:xfrm>
+            <a:off x="6059329" y="4205288"/>
+            <a:ext cx="2876550" cy="2514600"/>
+          </a:xfrm>
+          <a:prstGeom prst="rect">
+            <a:avLst/>
+          </a:prstGeom>
+          <a:noFill/>
+          <a:extLst>
+            <a:ext uri="{909E8E84-426E-40DD-AFC4-6F175D3DCCD1}">
+              <a14:hiddenFill xmlns:a14="http://schemas.microsoft.com/office/drawing/2010/main">
+                <a:solidFill>
+                  <a:srgbClr val="FFFFFF"/>
+                </a:solidFill>
+              </a14:hiddenFill>
+            </a:ext>
+          </a:extLst>
+        </p:spPr>
+      </p:pic>
+      <p:pic>
+        <p:nvPicPr>
+          <p:cNvPr id="11" name="Picture 10">
+            <a:extLst>
+              <a:ext uri="{FF2B5EF4-FFF2-40B4-BE49-F238E27FC236}">
+                <a16:creationId xmlns:a16="http://schemas.microsoft.com/office/drawing/2014/main" id="{4B989E9C-08B7-409C-A5EF-474B97386739}"/>
+              </a:ext>
+            </a:extLst>
+          </p:cNvPr>
+          <p:cNvPicPr>
+            <a:picLocks noChangeAspect="1" noChangeArrowheads="1"/>
+          </p:cNvPicPr>
+          <p:nvPr/>
+        </p:nvPicPr>
+        <p:blipFill>
+          <a:blip r:embed="rId9">
+            <a:extLst>
+              <a:ext uri="{28A0092B-C50C-407E-A947-70E740481C1C}">
+                <a14:useLocalDpi xmlns:a14="http://schemas.microsoft.com/office/drawing/2010/main" val="0"/>
+              </a:ext>
+            </a:extLst>
+          </a:blip>
+          <a:srcRect/>
+          <a:stretch>
+            <a:fillRect/>
+          </a:stretch>
+        </p:blipFill>
+        <p:spPr bwMode="auto">
+          <a:xfrm>
+            <a:off x="8910320" y="4205288"/>
+            <a:ext cx="2933700" cy="2514600"/>
+          </a:xfrm>
+          <a:prstGeom prst="rect">
+            <a:avLst/>
+          </a:prstGeom>
+          <a:noFill/>
+          <a:extLst>
+            <a:ext uri="{909E8E84-426E-40DD-AFC4-6F175D3DCCD1}">
+              <a14:hiddenFill xmlns:a14="http://schemas.microsoft.com/office/drawing/2010/main">
+                <a:solidFill>
+                  <a:srgbClr val="FFFFFF"/>
+                </a:solidFill>
+              </a14:hiddenFill>
+            </a:ext>
+          </a:extLst>
+        </p:spPr>
+      </p:pic>
+      <p:sp>
+        <p:nvSpPr>
+          <p:cNvPr id="4" name="TextBox 3">
+            <a:extLst>
+              <a:ext uri="{FF2B5EF4-FFF2-40B4-BE49-F238E27FC236}">
+                <a16:creationId xmlns:a16="http://schemas.microsoft.com/office/drawing/2014/main" id="{448F9F1A-9E05-47CB-8659-DA439FB6212D}"/>
+              </a:ext>
+            </a:extLst>
+          </p:cNvPr>
+          <p:cNvSpPr txBox="1"/>
+          <p:nvPr/>
+        </p:nvSpPr>
+        <p:spPr>
+          <a:xfrm>
+            <a:off x="10962167" y="712381"/>
+            <a:ext cx="3048001" cy="1200329"/>
+          </a:xfrm>
+          <a:prstGeom prst="rect">
+            <a:avLst/>
+          </a:prstGeom>
+          <a:noFill/>
+        </p:spPr>
+        <p:txBody>
+          <a:bodyPr wrap="square" rtlCol="0">
+            <a:spAutoFit/>
+          </a:bodyPr>
+          <a:lstStyle/>
+          <a:p>
+            <a:r>
+              <a:rPr lang="en-US" dirty="0"/>
+              <a:t>When refining the model, should I make any assumptions about blocks being the same next work?</a:t>
+            </a:r>
+          </a:p>
+        </p:txBody>
+      </p:sp>
     </p:spTree>
     <p:extLst>
       <p:ext uri="{BB962C8B-B14F-4D97-AF65-F5344CB8AC3E}">

--- a/notes/Oct_26_averaging_and_toy2.pptx
+++ b/notes/Oct_26_averaging_and_toy2.pptx
@@ -14,6 +14,10 @@
     <p:sldId id="262" r:id="rId8"/>
     <p:sldId id="259" r:id="rId9"/>
     <p:sldId id="260" r:id="rId10"/>
+    <p:sldId id="265" r:id="rId11"/>
+    <p:sldId id="266" r:id="rId12"/>
+    <p:sldId id="267" r:id="rId13"/>
+    <p:sldId id="268" r:id="rId14"/>
   </p:sldIdLst>
   <p:sldSz cx="12192000" cy="6858000"/>
   <p:notesSz cx="6858000" cy="9144000"/>
@@ -123,7 +127,7 @@
 <file path=ppt/revisionInfo.xml><?xml version="1.0" encoding="utf-8"?>
 <p1510:revInfo xmlns:a="http://schemas.openxmlformats.org/drawingml/2006/main" xmlns:r="http://schemas.openxmlformats.org/officeDocument/2006/relationships" xmlns:p1510="http://schemas.microsoft.com/office/powerpoint/2015/10/main">
   <p1510:revLst>
-    <p1510:client id="{61DBC332-9CC0-465A-AB04-996F0238E80A}" v="115" dt="2021-11-01T21:24:07.327"/>
+    <p1510:client id="{61DBC332-9CC0-465A-AB04-996F0238E80A}" v="154" dt="2021-11-08T22:06:47.984"/>
   </p1510:revLst>
 </p1510:revInfo>
 </file>
@@ -132,8 +136,8 @@
 <pc:chgInfo xmlns:a="http://schemas.openxmlformats.org/drawingml/2006/main" xmlns:r="http://schemas.openxmlformats.org/officeDocument/2006/relationships" xmlns:ac="http://schemas.microsoft.com/office/drawing/2013/main/command" xmlns:pc="http://schemas.microsoft.com/office/powerpoint/2013/main/command">
   <pc:docChgLst>
     <pc:chgData name="Katie Johnston" userId="a8803450-7667-44c1-ac00-9653f319424f" providerId="ADAL" clId="{61DBC332-9CC0-465A-AB04-996F0238E80A}"/>
-    <pc:docChg chg="undo custSel addSld modSld sldOrd">
-      <pc:chgData name="Katie Johnston" userId="a8803450-7667-44c1-ac00-9653f319424f" providerId="ADAL" clId="{61DBC332-9CC0-465A-AB04-996F0238E80A}" dt="2021-11-01T21:24:09.758" v="1656" actId="1076"/>
+    <pc:docChg chg="undo custSel addSld delSld modSld sldOrd">
+      <pc:chgData name="Katie Johnston" userId="a8803450-7667-44c1-ac00-9653f319424f" providerId="ADAL" clId="{61DBC332-9CC0-465A-AB04-996F0238E80A}" dt="2021-11-08T22:06:52.685" v="3443" actId="20577"/>
       <pc:docMkLst>
         <pc:docMk/>
       </pc:docMkLst>
@@ -752,6 +756,265 @@
             <ac:picMk id="6150" creationId="{0BFDAC03-9B22-402A-A115-8D3C8FD37F26}"/>
           </ac:picMkLst>
         </pc:picChg>
+      </pc:sldChg>
+      <pc:sldChg chg="new">
+        <pc:chgData name="Katie Johnston" userId="a8803450-7667-44c1-ac00-9653f319424f" providerId="ADAL" clId="{61DBC332-9CC0-465A-AB04-996F0238E80A}" dt="2021-11-04T21:05:32.851" v="1657" actId="680"/>
+        <pc:sldMkLst>
+          <pc:docMk/>
+          <pc:sldMk cId="362982723" sldId="265"/>
+        </pc:sldMkLst>
+      </pc:sldChg>
+      <pc:sldChg chg="addSp delSp modSp new mod">
+        <pc:chgData name="Katie Johnston" userId="a8803450-7667-44c1-ac00-9653f319424f" providerId="ADAL" clId="{61DBC332-9CC0-465A-AB04-996F0238E80A}" dt="2021-11-08T21:19:57.147" v="3435" actId="1076"/>
+        <pc:sldMkLst>
+          <pc:docMk/>
+          <pc:sldMk cId="243734895" sldId="266"/>
+        </pc:sldMkLst>
+        <pc:spChg chg="mod">
+          <ac:chgData name="Katie Johnston" userId="a8803450-7667-44c1-ac00-9653f319424f" providerId="ADAL" clId="{61DBC332-9CC0-465A-AB04-996F0238E80A}" dt="2021-11-04T21:06:51.337" v="1769" actId="1076"/>
+          <ac:spMkLst>
+            <pc:docMk/>
+            <pc:sldMk cId="243734895" sldId="266"/>
+            <ac:spMk id="2" creationId="{E2415458-2E34-4251-A6B4-41D9E718274B}"/>
+          </ac:spMkLst>
+        </pc:spChg>
+        <pc:spChg chg="del">
+          <ac:chgData name="Katie Johnston" userId="a8803450-7667-44c1-ac00-9653f319424f" providerId="ADAL" clId="{61DBC332-9CC0-465A-AB04-996F0238E80A}" dt="2021-11-04T21:06:54.335" v="1770" actId="478"/>
+          <ac:spMkLst>
+            <pc:docMk/>
+            <pc:sldMk cId="243734895" sldId="266"/>
+            <ac:spMk id="3" creationId="{87BE9A3F-2F96-4C13-BE36-6632D1806028}"/>
+          </ac:spMkLst>
+        </pc:spChg>
+        <pc:spChg chg="add mod">
+          <ac:chgData name="Katie Johnston" userId="a8803450-7667-44c1-ac00-9653f319424f" providerId="ADAL" clId="{61DBC332-9CC0-465A-AB04-996F0238E80A}" dt="2021-11-04T21:08:03.456" v="1822" actId="20577"/>
+          <ac:spMkLst>
+            <pc:docMk/>
+            <pc:sldMk cId="243734895" sldId="266"/>
+            <ac:spMk id="4" creationId="{CD31ACC8-B42B-437E-AF34-6EE467B83D91}"/>
+          </ac:spMkLst>
+        </pc:spChg>
+        <pc:spChg chg="add mod">
+          <ac:chgData name="Katie Johnston" userId="a8803450-7667-44c1-ac00-9653f319424f" providerId="ADAL" clId="{61DBC332-9CC0-465A-AB04-996F0238E80A}" dt="2021-11-04T21:09:02.640" v="1906" actId="20577"/>
+          <ac:spMkLst>
+            <pc:docMk/>
+            <pc:sldMk cId="243734895" sldId="266"/>
+            <ac:spMk id="5" creationId="{0BDB9156-56E2-4C20-AAA6-B1F26E8B514B}"/>
+          </ac:spMkLst>
+        </pc:spChg>
+        <pc:spChg chg="add mod">
+          <ac:chgData name="Katie Johnston" userId="a8803450-7667-44c1-ac00-9653f319424f" providerId="ADAL" clId="{61DBC332-9CC0-465A-AB04-996F0238E80A}" dt="2021-11-04T21:08:37.061" v="1887" actId="20577"/>
+          <ac:spMkLst>
+            <pc:docMk/>
+            <pc:sldMk cId="243734895" sldId="266"/>
+            <ac:spMk id="7" creationId="{8D66D343-6B0C-4D78-9DDF-3CE42C4E228A}"/>
+          </ac:spMkLst>
+        </pc:spChg>
+        <pc:spChg chg="add mod">
+          <ac:chgData name="Katie Johnston" userId="a8803450-7667-44c1-ac00-9653f319424f" providerId="ADAL" clId="{61DBC332-9CC0-465A-AB04-996F0238E80A}" dt="2021-11-04T21:09:22.674" v="1932" actId="20577"/>
+          <ac:spMkLst>
+            <pc:docMk/>
+            <pc:sldMk cId="243734895" sldId="266"/>
+            <ac:spMk id="8" creationId="{228C7F1C-6774-4495-9A2F-98A6AB456905}"/>
+          </ac:spMkLst>
+        </pc:spChg>
+        <pc:picChg chg="add mod">
+          <ac:chgData name="Katie Johnston" userId="a8803450-7667-44c1-ac00-9653f319424f" providerId="ADAL" clId="{61DBC332-9CC0-465A-AB04-996F0238E80A}" dt="2021-11-04T21:08:40.238" v="1888" actId="1076"/>
+          <ac:picMkLst>
+            <pc:docMk/>
+            <pc:sldMk cId="243734895" sldId="266"/>
+            <ac:picMk id="6" creationId="{1A05D7CD-6D36-47A1-B167-7B42FCC88D24}"/>
+          </ac:picMkLst>
+        </pc:picChg>
+        <pc:picChg chg="add mod">
+          <ac:chgData name="Katie Johnston" userId="a8803450-7667-44c1-ac00-9653f319424f" providerId="ADAL" clId="{61DBC332-9CC0-465A-AB04-996F0238E80A}" dt="2021-11-04T21:09:12.237" v="1908" actId="1076"/>
+          <ac:picMkLst>
+            <pc:docMk/>
+            <pc:sldMk cId="243734895" sldId="266"/>
+            <ac:picMk id="9" creationId="{97A08867-3B6D-4EE6-92F3-F5F37BDB578A}"/>
+          </ac:picMkLst>
+        </pc:picChg>
+        <pc:picChg chg="add del mod">
+          <ac:chgData name="Katie Johnston" userId="a8803450-7667-44c1-ac00-9653f319424f" providerId="ADAL" clId="{61DBC332-9CC0-465A-AB04-996F0238E80A}" dt="2021-11-08T21:19:55.828" v="3434" actId="478"/>
+          <ac:picMkLst>
+            <pc:docMk/>
+            <pc:sldMk cId="243734895" sldId="266"/>
+            <ac:picMk id="1026" creationId="{E7619EBE-F85C-474B-890C-CBA786A11976}"/>
+          </ac:picMkLst>
+        </pc:picChg>
+        <pc:picChg chg="add mod">
+          <ac:chgData name="Katie Johnston" userId="a8803450-7667-44c1-ac00-9653f319424f" providerId="ADAL" clId="{61DBC332-9CC0-465A-AB04-996F0238E80A}" dt="2021-11-08T21:19:57.147" v="3435" actId="1076"/>
+          <ac:picMkLst>
+            <pc:docMk/>
+            <pc:sldMk cId="243734895" sldId="266"/>
+            <ac:picMk id="1028" creationId="{6914D7DF-F534-4597-A1E6-415539E7571B}"/>
+          </ac:picMkLst>
+        </pc:picChg>
+      </pc:sldChg>
+      <pc:sldChg chg="addSp delSp modSp new mod">
+        <pc:chgData name="Katie Johnston" userId="a8803450-7667-44c1-ac00-9653f319424f" providerId="ADAL" clId="{61DBC332-9CC0-465A-AB04-996F0238E80A}" dt="2021-11-08T22:06:52.685" v="3443" actId="20577"/>
+        <pc:sldMkLst>
+          <pc:docMk/>
+          <pc:sldMk cId="3069793351" sldId="267"/>
+        </pc:sldMkLst>
+        <pc:spChg chg="del">
+          <ac:chgData name="Katie Johnston" userId="a8803450-7667-44c1-ac00-9653f319424f" providerId="ADAL" clId="{61DBC332-9CC0-465A-AB04-996F0238E80A}" dt="2021-11-08T19:44:30.849" v="1948" actId="478"/>
+          <ac:spMkLst>
+            <pc:docMk/>
+            <pc:sldMk cId="3069793351" sldId="267"/>
+            <ac:spMk id="2" creationId="{D5446F0B-C0B7-4E32-9F3D-8FAC310F931C}"/>
+          </ac:spMkLst>
+        </pc:spChg>
+        <pc:spChg chg="add del">
+          <ac:chgData name="Katie Johnston" userId="a8803450-7667-44c1-ac00-9653f319424f" providerId="ADAL" clId="{61DBC332-9CC0-465A-AB04-996F0238E80A}" dt="2021-11-08T19:44:33.219" v="1949" actId="478"/>
+          <ac:spMkLst>
+            <pc:docMk/>
+            <pc:sldMk cId="3069793351" sldId="267"/>
+            <ac:spMk id="3" creationId="{38D466D4-4C18-436A-B7B0-67C5ECA86F85}"/>
+          </ac:spMkLst>
+        </pc:spChg>
+        <pc:spChg chg="add mod">
+          <ac:chgData name="Katie Johnston" userId="a8803450-7667-44c1-ac00-9653f319424f" providerId="ADAL" clId="{61DBC332-9CC0-465A-AB04-996F0238E80A}" dt="2021-11-08T20:36:55.138" v="2537" actId="1076"/>
+          <ac:spMkLst>
+            <pc:docMk/>
+            <pc:sldMk cId="3069793351" sldId="267"/>
+            <ac:spMk id="5" creationId="{D53CB7A5-B396-4BE0-9B9A-344D7D65C544}"/>
+          </ac:spMkLst>
+        </pc:spChg>
+        <pc:spChg chg="add mod">
+          <ac:chgData name="Katie Johnston" userId="a8803450-7667-44c1-ac00-9653f319424f" providerId="ADAL" clId="{61DBC332-9CC0-465A-AB04-996F0238E80A}" dt="2021-11-08T20:36:48.087" v="2535" actId="1076"/>
+          <ac:spMkLst>
+            <pc:docMk/>
+            <pc:sldMk cId="3069793351" sldId="267"/>
+            <ac:spMk id="6" creationId="{6A03807E-0115-4BB7-88CB-AB04082DB6DB}"/>
+          </ac:spMkLst>
+        </pc:spChg>
+        <pc:spChg chg="add mod">
+          <ac:chgData name="Katie Johnston" userId="a8803450-7667-44c1-ac00-9653f319424f" providerId="ADAL" clId="{61DBC332-9CC0-465A-AB04-996F0238E80A}" dt="2021-11-08T20:36:48.087" v="2535" actId="1076"/>
+          <ac:spMkLst>
+            <pc:docMk/>
+            <pc:sldMk cId="3069793351" sldId="267"/>
+            <ac:spMk id="8" creationId="{5214E649-F09A-4A2E-8674-D7CFC48F481F}"/>
+          </ac:spMkLst>
+        </pc:spChg>
+        <pc:spChg chg="add mod">
+          <ac:chgData name="Katie Johnston" userId="a8803450-7667-44c1-ac00-9653f319424f" providerId="ADAL" clId="{61DBC332-9CC0-465A-AB04-996F0238E80A}" dt="2021-11-08T21:10:43.669" v="3385" actId="1076"/>
+          <ac:spMkLst>
+            <pc:docMk/>
+            <pc:sldMk cId="3069793351" sldId="267"/>
+            <ac:spMk id="14" creationId="{81E6F9B3-7FA7-4E04-8BB3-7001D2D4B7E6}"/>
+          </ac:spMkLst>
+        </pc:spChg>
+        <pc:spChg chg="add mod">
+          <ac:chgData name="Katie Johnston" userId="a8803450-7667-44c1-ac00-9653f319424f" providerId="ADAL" clId="{61DBC332-9CC0-465A-AB04-996F0238E80A}" dt="2021-11-08T21:13:57.158" v="3430" actId="20577"/>
+          <ac:spMkLst>
+            <pc:docMk/>
+            <pc:sldMk cId="3069793351" sldId="267"/>
+            <ac:spMk id="15" creationId="{D2FAF067-257A-4922-9452-B1DE2BDA9E11}"/>
+          </ac:spMkLst>
+        </pc:spChg>
+        <pc:spChg chg="add mod">
+          <ac:chgData name="Katie Johnston" userId="a8803450-7667-44c1-ac00-9653f319424f" providerId="ADAL" clId="{61DBC332-9CC0-465A-AB04-996F0238E80A}" dt="2021-11-08T22:06:52.685" v="3443" actId="20577"/>
+          <ac:spMkLst>
+            <pc:docMk/>
+            <pc:sldMk cId="3069793351" sldId="267"/>
+            <ac:spMk id="19" creationId="{0E83A771-0568-47B8-ABB9-F32869800C87}"/>
+          </ac:spMkLst>
+        </pc:spChg>
+        <pc:picChg chg="add del mod">
+          <ac:chgData name="Katie Johnston" userId="a8803450-7667-44c1-ac00-9653f319424f" providerId="ADAL" clId="{61DBC332-9CC0-465A-AB04-996F0238E80A}" dt="2021-11-08T21:20:03.227" v="3436" actId="478"/>
+          <ac:picMkLst>
+            <pc:docMk/>
+            <pc:sldMk cId="3069793351" sldId="267"/>
+            <ac:picMk id="4" creationId="{A3D4B29F-1A69-4E5E-BC5C-75EF7B1A916C}"/>
+          </ac:picMkLst>
+        </pc:picChg>
+        <pc:picChg chg="add mod">
+          <ac:chgData name="Katie Johnston" userId="a8803450-7667-44c1-ac00-9653f319424f" providerId="ADAL" clId="{61DBC332-9CC0-465A-AB04-996F0238E80A}" dt="2021-11-08T20:36:50.862" v="2536" actId="1076"/>
+          <ac:picMkLst>
+            <pc:docMk/>
+            <pc:sldMk cId="3069793351" sldId="267"/>
+            <ac:picMk id="9" creationId="{BF860D2C-18E6-4BD9-B42B-FEE9F3635A84}"/>
+          </ac:picMkLst>
+        </pc:picChg>
+        <pc:picChg chg="add mod">
+          <ac:chgData name="Katie Johnston" userId="a8803450-7667-44c1-ac00-9653f319424f" providerId="ADAL" clId="{61DBC332-9CC0-465A-AB04-996F0238E80A}" dt="2021-11-08T20:37:17.335" v="2539" actId="1076"/>
+          <ac:picMkLst>
+            <pc:docMk/>
+            <pc:sldMk cId="3069793351" sldId="267"/>
+            <ac:picMk id="11" creationId="{A48EEB6D-21FB-44DA-BAA7-D31211E447D6}"/>
+          </ac:picMkLst>
+        </pc:picChg>
+        <pc:picChg chg="add mod">
+          <ac:chgData name="Katie Johnston" userId="a8803450-7667-44c1-ac00-9653f319424f" providerId="ADAL" clId="{61DBC332-9CC0-465A-AB04-996F0238E80A}" dt="2021-11-08T21:10:37.837" v="3381" actId="1076"/>
+          <ac:picMkLst>
+            <pc:docMk/>
+            <pc:sldMk cId="3069793351" sldId="267"/>
+            <ac:picMk id="13" creationId="{FA2C3356-53B2-41F8-B4FF-3073665096F0}"/>
+          </ac:picMkLst>
+        </pc:picChg>
+        <pc:picChg chg="add mod">
+          <ac:chgData name="Katie Johnston" userId="a8803450-7667-44c1-ac00-9653f319424f" providerId="ADAL" clId="{61DBC332-9CC0-465A-AB04-996F0238E80A}" dt="2021-11-08T21:20:05.283" v="3438" actId="1076"/>
+          <ac:picMkLst>
+            <pc:docMk/>
+            <pc:sldMk cId="3069793351" sldId="267"/>
+            <ac:picMk id="18" creationId="{7BEF0462-E02C-497A-923C-5EB52713EC27}"/>
+          </ac:picMkLst>
+        </pc:picChg>
+        <pc:picChg chg="add mod">
+          <ac:chgData name="Katie Johnston" userId="a8803450-7667-44c1-ac00-9653f319424f" providerId="ADAL" clId="{61DBC332-9CC0-465A-AB04-996F0238E80A}" dt="2021-11-08T20:36:48.087" v="2535" actId="1076"/>
+          <ac:picMkLst>
+            <pc:docMk/>
+            <pc:sldMk cId="3069793351" sldId="267"/>
+            <ac:picMk id="2050" creationId="{1A06C103-1E9B-4194-A653-7E21C02355B6}"/>
+          </ac:picMkLst>
+        </pc:picChg>
+        <pc:picChg chg="add del mod">
+          <ac:chgData name="Katie Johnston" userId="a8803450-7667-44c1-ac00-9653f319424f" providerId="ADAL" clId="{61DBC332-9CC0-465A-AB04-996F0238E80A}" dt="2021-11-08T19:44:02.450" v="1941"/>
+          <ac:picMkLst>
+            <pc:docMk/>
+            <pc:sldMk cId="3069793351" sldId="267"/>
+            <ac:picMk id="2052" creationId="{065FB017-964E-4D74-99BF-980E5290D330}"/>
+          </ac:picMkLst>
+        </pc:picChg>
+      </pc:sldChg>
+      <pc:sldChg chg="modSp new mod">
+        <pc:chgData name="Katie Johnston" userId="a8803450-7667-44c1-ac00-9653f319424f" providerId="ADAL" clId="{61DBC332-9CC0-465A-AB04-996F0238E80A}" dt="2021-11-08T21:01:50.705" v="3271" actId="20577"/>
+        <pc:sldMkLst>
+          <pc:docMk/>
+          <pc:sldMk cId="3955317007" sldId="268"/>
+        </pc:sldMkLst>
+        <pc:spChg chg="mod">
+          <ac:chgData name="Katie Johnston" userId="a8803450-7667-44c1-ac00-9653f319424f" providerId="ADAL" clId="{61DBC332-9CC0-465A-AB04-996F0238E80A}" dt="2021-11-08T21:01:50.705" v="3271" actId="20577"/>
+          <ac:spMkLst>
+            <pc:docMk/>
+            <pc:sldMk cId="3955317007" sldId="268"/>
+            <ac:spMk id="3" creationId="{0CA51898-7996-4728-A416-F485EB2BF734}"/>
+          </ac:spMkLst>
+        </pc:spChg>
+      </pc:sldChg>
+      <pc:sldChg chg="modSp new del mod">
+        <pc:chgData name="Katie Johnston" userId="a8803450-7667-44c1-ac00-9653f319424f" providerId="ADAL" clId="{61DBC332-9CC0-465A-AB04-996F0238E80A}" dt="2021-11-08T21:11:50.058" v="3409" actId="47"/>
+        <pc:sldMkLst>
+          <pc:docMk/>
+          <pc:sldMk cId="1176666163" sldId="269"/>
+        </pc:sldMkLst>
+        <pc:spChg chg="mod">
+          <ac:chgData name="Katie Johnston" userId="a8803450-7667-44c1-ac00-9653f319424f" providerId="ADAL" clId="{61DBC332-9CC0-465A-AB04-996F0238E80A}" dt="2021-11-08T21:11:24.002" v="3404" actId="20577"/>
+          <ac:spMkLst>
+            <pc:docMk/>
+            <pc:sldMk cId="1176666163" sldId="269"/>
+            <ac:spMk id="2" creationId="{2489964D-68C8-4895-8573-DA1C5EFDA724}"/>
+          </ac:spMkLst>
+        </pc:spChg>
+        <pc:spChg chg="mod">
+          <ac:chgData name="Katie Johnston" userId="a8803450-7667-44c1-ac00-9653f319424f" providerId="ADAL" clId="{61DBC332-9CC0-465A-AB04-996F0238E80A}" dt="2021-11-08T21:11:37.230" v="3408"/>
+          <ac:spMkLst>
+            <pc:docMk/>
+            <pc:sldMk cId="1176666163" sldId="269"/>
+            <ac:spMk id="3" creationId="{BBEAD063-D046-47DB-A677-AB338C24A87D}"/>
+          </ac:spMkLst>
+        </pc:spChg>
       </pc:sldChg>
     </pc:docChg>
   </pc:docChgLst>
@@ -905,7 +1168,7 @@
           <a:p>
             <a:fld id="{5EFA1716-573D-4E94-B7FA-26F1CE6BC71D}" type="datetimeFigureOut">
               <a:rPr lang="en-US" smtClean="0"/>
-              <a:t>10/30/2021</a:t>
+              <a:t>11/4/2021</a:t>
             </a:fld>
             <a:endParaRPr lang="en-US"/>
           </a:p>
@@ -1103,7 +1366,7 @@
           <a:p>
             <a:fld id="{5EFA1716-573D-4E94-B7FA-26F1CE6BC71D}" type="datetimeFigureOut">
               <a:rPr lang="en-US" smtClean="0"/>
-              <a:t>10/30/2021</a:t>
+              <a:t>11/4/2021</a:t>
             </a:fld>
             <a:endParaRPr lang="en-US"/>
           </a:p>
@@ -1311,7 +1574,7 @@
           <a:p>
             <a:fld id="{5EFA1716-573D-4E94-B7FA-26F1CE6BC71D}" type="datetimeFigureOut">
               <a:rPr lang="en-US" smtClean="0"/>
-              <a:t>10/30/2021</a:t>
+              <a:t>11/4/2021</a:t>
             </a:fld>
             <a:endParaRPr lang="en-US"/>
           </a:p>
@@ -1509,7 +1772,7 @@
           <a:p>
             <a:fld id="{5EFA1716-573D-4E94-B7FA-26F1CE6BC71D}" type="datetimeFigureOut">
               <a:rPr lang="en-US" smtClean="0"/>
-              <a:t>10/30/2021</a:t>
+              <a:t>11/4/2021</a:t>
             </a:fld>
             <a:endParaRPr lang="en-US"/>
           </a:p>
@@ -1784,7 +2047,7 @@
           <a:p>
             <a:fld id="{5EFA1716-573D-4E94-B7FA-26F1CE6BC71D}" type="datetimeFigureOut">
               <a:rPr lang="en-US" smtClean="0"/>
-              <a:t>10/30/2021</a:t>
+              <a:t>11/4/2021</a:t>
             </a:fld>
             <a:endParaRPr lang="en-US"/>
           </a:p>
@@ -2049,7 +2312,7 @@
           <a:p>
             <a:fld id="{5EFA1716-573D-4E94-B7FA-26F1CE6BC71D}" type="datetimeFigureOut">
               <a:rPr lang="en-US" smtClean="0"/>
-              <a:t>10/30/2021</a:t>
+              <a:t>11/4/2021</a:t>
             </a:fld>
             <a:endParaRPr lang="en-US"/>
           </a:p>
@@ -2461,7 +2724,7 @@
           <a:p>
             <a:fld id="{5EFA1716-573D-4E94-B7FA-26F1CE6BC71D}" type="datetimeFigureOut">
               <a:rPr lang="en-US" smtClean="0"/>
-              <a:t>10/30/2021</a:t>
+              <a:t>11/4/2021</a:t>
             </a:fld>
             <a:endParaRPr lang="en-US"/>
           </a:p>
@@ -2602,7 +2865,7 @@
           <a:p>
             <a:fld id="{5EFA1716-573D-4E94-B7FA-26F1CE6BC71D}" type="datetimeFigureOut">
               <a:rPr lang="en-US" smtClean="0"/>
-              <a:t>10/30/2021</a:t>
+              <a:t>11/4/2021</a:t>
             </a:fld>
             <a:endParaRPr lang="en-US"/>
           </a:p>
@@ -2715,7 +2978,7 @@
           <a:p>
             <a:fld id="{5EFA1716-573D-4E94-B7FA-26F1CE6BC71D}" type="datetimeFigureOut">
               <a:rPr lang="en-US" smtClean="0"/>
-              <a:t>10/30/2021</a:t>
+              <a:t>11/4/2021</a:t>
             </a:fld>
             <a:endParaRPr lang="en-US"/>
           </a:p>
@@ -3026,7 +3289,7 @@
           <a:p>
             <a:fld id="{5EFA1716-573D-4E94-B7FA-26F1CE6BC71D}" type="datetimeFigureOut">
               <a:rPr lang="en-US" smtClean="0"/>
-              <a:t>10/30/2021</a:t>
+              <a:t>11/4/2021</a:t>
             </a:fld>
             <a:endParaRPr lang="en-US"/>
           </a:p>
@@ -3314,7 +3577,7 @@
           <a:p>
             <a:fld id="{5EFA1716-573D-4E94-B7FA-26F1CE6BC71D}" type="datetimeFigureOut">
               <a:rPr lang="en-US" smtClean="0"/>
-              <a:t>10/30/2021</a:t>
+              <a:t>11/4/2021</a:t>
             </a:fld>
             <a:endParaRPr lang="en-US"/>
           </a:p>
@@ -3555,7 +3818,7 @@
           <a:p>
             <a:fld id="{5EFA1716-573D-4E94-B7FA-26F1CE6BC71D}" type="datetimeFigureOut">
               <a:rPr lang="en-US" smtClean="0"/>
-              <a:t>10/30/2021</a:t>
+              <a:t>11/4/2021</a:t>
             </a:fld>
             <a:endParaRPr lang="en-US"/>
           </a:p>
@@ -4035,6 +4298,1128 @@
 </p:sld>
 </file>
 
+<file path=ppt/slides/slide10.xml><?xml version="1.0" encoding="utf-8"?>
+<p:sld xmlns:a="http://schemas.openxmlformats.org/drawingml/2006/main" xmlns:r="http://schemas.openxmlformats.org/officeDocument/2006/relationships" xmlns:p="http://schemas.openxmlformats.org/presentationml/2006/main">
+  <p:cSld>
+    <p:spTree>
+      <p:nvGrpSpPr>
+        <p:cNvPr id="1" name=""/>
+        <p:cNvGrpSpPr/>
+        <p:nvPr/>
+      </p:nvGrpSpPr>
+      <p:grpSpPr>
+        <a:xfrm>
+          <a:off x="0" y="0"/>
+          <a:ext cx="0" cy="0"/>
+          <a:chOff x="0" y="0"/>
+          <a:chExt cx="0" cy="0"/>
+        </a:xfrm>
+      </p:grpSpPr>
+      <p:sp>
+        <p:nvSpPr>
+          <p:cNvPr id="2" name="Title 1">
+            <a:extLst>
+              <a:ext uri="{FF2B5EF4-FFF2-40B4-BE49-F238E27FC236}">
+                <a16:creationId xmlns:a16="http://schemas.microsoft.com/office/drawing/2014/main" id="{A057F2BD-B56B-40A7-ACCA-062D9F626BB0}"/>
+              </a:ext>
+            </a:extLst>
+          </p:cNvPr>
+          <p:cNvSpPr>
+            <a:spLocks noGrp="1"/>
+          </p:cNvSpPr>
+          <p:nvPr>
+            <p:ph type="title"/>
+          </p:nvPr>
+        </p:nvSpPr>
+        <p:spPr/>
+        <p:txBody>
+          <a:bodyPr/>
+          <a:lstStyle/>
+          <a:p>
+            <a:endParaRPr lang="en-US"/>
+          </a:p>
+        </p:txBody>
+      </p:sp>
+      <p:sp>
+        <p:nvSpPr>
+          <p:cNvPr id="3" name="Content Placeholder 2">
+            <a:extLst>
+              <a:ext uri="{FF2B5EF4-FFF2-40B4-BE49-F238E27FC236}">
+                <a16:creationId xmlns:a16="http://schemas.microsoft.com/office/drawing/2014/main" id="{AAB81646-27A2-4635-B927-0516887D7820}"/>
+              </a:ext>
+            </a:extLst>
+          </p:cNvPr>
+          <p:cNvSpPr>
+            <a:spLocks noGrp="1"/>
+          </p:cNvSpPr>
+          <p:nvPr>
+            <p:ph idx="1"/>
+          </p:nvPr>
+        </p:nvSpPr>
+        <p:spPr/>
+        <p:txBody>
+          <a:bodyPr/>
+          <a:lstStyle/>
+          <a:p>
+            <a:endParaRPr lang="en-US"/>
+          </a:p>
+        </p:txBody>
+      </p:sp>
+    </p:spTree>
+    <p:extLst>
+      <p:ext uri="{BB962C8B-B14F-4D97-AF65-F5344CB8AC3E}">
+        <p14:creationId xmlns:p14="http://schemas.microsoft.com/office/powerpoint/2010/main" val="362982723"/>
+      </p:ext>
+    </p:extLst>
+  </p:cSld>
+  <p:clrMapOvr>
+    <a:masterClrMapping/>
+  </p:clrMapOvr>
+</p:sld>
+</file>
+
+<file path=ppt/slides/slide11.xml><?xml version="1.0" encoding="utf-8"?>
+<p:sld xmlns:a="http://schemas.openxmlformats.org/drawingml/2006/main" xmlns:r="http://schemas.openxmlformats.org/officeDocument/2006/relationships" xmlns:p="http://schemas.openxmlformats.org/presentationml/2006/main">
+  <p:cSld>
+    <p:spTree>
+      <p:nvGrpSpPr>
+        <p:cNvPr id="1" name=""/>
+        <p:cNvGrpSpPr/>
+        <p:nvPr/>
+      </p:nvGrpSpPr>
+      <p:grpSpPr>
+        <a:xfrm>
+          <a:off x="0" y="0"/>
+          <a:ext cx="0" cy="0"/>
+          <a:chOff x="0" y="0"/>
+          <a:chExt cx="0" cy="0"/>
+        </a:xfrm>
+      </p:grpSpPr>
+      <p:sp>
+        <p:nvSpPr>
+          <p:cNvPr id="2" name="Title 1">
+            <a:extLst>
+              <a:ext uri="{FF2B5EF4-FFF2-40B4-BE49-F238E27FC236}">
+                <a16:creationId xmlns:a16="http://schemas.microsoft.com/office/drawing/2014/main" id="{E2415458-2E34-4251-A6B4-41D9E718274B}"/>
+              </a:ext>
+            </a:extLst>
+          </p:cNvPr>
+          <p:cNvSpPr>
+            <a:spLocks noGrp="1"/>
+          </p:cNvSpPr>
+          <p:nvPr>
+            <p:ph type="title"/>
+          </p:nvPr>
+        </p:nvSpPr>
+        <p:spPr/>
+        <p:txBody>
+          <a:bodyPr>
+            <a:normAutofit/>
+          </a:bodyPr>
+          <a:lstStyle/>
+          <a:p>
+            <a:r>
+              <a:rPr lang="en-US" dirty="0"/>
+              <a:t>When fitting with just 1 input, it doesn’t seem to find as good of a fit</a:t>
+            </a:r>
+          </a:p>
+        </p:txBody>
+      </p:sp>
+      <p:sp>
+        <p:nvSpPr>
+          <p:cNvPr id="4" name="TextBox 3">
+            <a:extLst>
+              <a:ext uri="{FF2B5EF4-FFF2-40B4-BE49-F238E27FC236}">
+                <a16:creationId xmlns:a16="http://schemas.microsoft.com/office/drawing/2014/main" id="{CD31ACC8-B42B-437E-AF34-6EE467B83D91}"/>
+              </a:ext>
+            </a:extLst>
+          </p:cNvPr>
+          <p:cNvSpPr txBox="1"/>
+          <p:nvPr/>
+        </p:nvSpPr>
+        <p:spPr>
+          <a:xfrm>
+            <a:off x="1097280" y="2631440"/>
+            <a:ext cx="4309385" cy="369332"/>
+          </a:xfrm>
+          <a:prstGeom prst="rect">
+            <a:avLst/>
+          </a:prstGeom>
+          <a:noFill/>
+        </p:spPr>
+        <p:txBody>
+          <a:bodyPr wrap="none" rtlCol="0">
+            <a:spAutoFit/>
+          </a:bodyPr>
+          <a:lstStyle/>
+          <a:p>
+            <a:r>
+              <a:rPr lang="en-US" dirty="0"/>
+              <a:t>When trying to fit with one input cos(w0*t) </a:t>
+            </a:r>
+          </a:p>
+        </p:txBody>
+      </p:sp>
+      <p:pic>
+        <p:nvPicPr>
+          <p:cNvPr id="6" name="Picture 10">
+            <a:extLst>
+              <a:ext uri="{FF2B5EF4-FFF2-40B4-BE49-F238E27FC236}">
+                <a16:creationId xmlns:a16="http://schemas.microsoft.com/office/drawing/2014/main" id="{1A05D7CD-6D36-47A1-B167-7B42FCC88D24}"/>
+              </a:ext>
+            </a:extLst>
+          </p:cNvPr>
+          <p:cNvPicPr>
+            <a:picLocks noGrp="1" noChangeAspect="1" noChangeArrowheads="1"/>
+          </p:cNvPicPr>
+          <p:nvPr>
+            <p:ph idx="1"/>
+          </p:nvPr>
+        </p:nvPicPr>
+        <p:blipFill>
+          <a:blip r:embed="rId2">
+            <a:extLst>
+              <a:ext uri="{28A0092B-C50C-407E-A947-70E740481C1C}">
+                <a14:useLocalDpi xmlns:a14="http://schemas.microsoft.com/office/drawing/2010/main" val="0"/>
+              </a:ext>
+            </a:extLst>
+          </a:blip>
+          <a:srcRect/>
+          <a:stretch>
+            <a:fillRect/>
+          </a:stretch>
+        </p:blipFill>
+        <p:spPr bwMode="auto">
+          <a:xfrm>
+            <a:off x="6785337" y="2324773"/>
+            <a:ext cx="3312681" cy="2208454"/>
+          </a:xfrm>
+          <a:prstGeom prst="rect">
+            <a:avLst/>
+          </a:prstGeom>
+          <a:noFill/>
+          <a:extLst>
+            <a:ext uri="{909E8E84-426E-40DD-AFC4-6F175D3DCCD1}">
+              <a14:hiddenFill xmlns:a14="http://schemas.microsoft.com/office/drawing/2010/main">
+                <a:solidFill>
+                  <a:srgbClr val="FFFFFF"/>
+                </a:solidFill>
+              </a14:hiddenFill>
+            </a:ext>
+          </a:extLst>
+        </p:spPr>
+      </p:pic>
+      <p:sp>
+        <p:nvSpPr>
+          <p:cNvPr id="7" name="TextBox 6">
+            <a:extLst>
+              <a:ext uri="{FF2B5EF4-FFF2-40B4-BE49-F238E27FC236}">
+                <a16:creationId xmlns:a16="http://schemas.microsoft.com/office/drawing/2014/main" id="{8D66D343-6B0C-4D78-9DDF-3CE42C4E228A}"/>
+              </a:ext>
+            </a:extLst>
+          </p:cNvPr>
+          <p:cNvSpPr txBox="1"/>
+          <p:nvPr/>
+        </p:nvSpPr>
+        <p:spPr>
+          <a:xfrm>
+            <a:off x="6918961" y="1137920"/>
+            <a:ext cx="2956560" cy="1200329"/>
+          </a:xfrm>
+          <a:prstGeom prst="rect">
+            <a:avLst/>
+          </a:prstGeom>
+          <a:noFill/>
+        </p:spPr>
+        <p:txBody>
+          <a:bodyPr wrap="square" rtlCol="0">
+            <a:spAutoFit/>
+          </a:bodyPr>
+          <a:lstStyle/>
+          <a:p>
+            <a:r>
+              <a:rPr lang="en-US" dirty="0"/>
+              <a:t>When trying to fit with 4 inputs, three are cos(w0*t)</a:t>
+            </a:r>
+          </a:p>
+          <a:p>
+            <a:r>
+              <a:rPr lang="en-US" dirty="0"/>
+              <a:t>And 4</a:t>
+            </a:r>
+            <a:r>
+              <a:rPr lang="en-US" baseline="30000" dirty="0"/>
+              <a:t>th</a:t>
+            </a:r>
+            <a:r>
+              <a:rPr lang="en-US" dirty="0"/>
+              <a:t> is average of two scales </a:t>
+            </a:r>
+          </a:p>
+        </p:txBody>
+      </p:sp>
+      <p:sp>
+        <p:nvSpPr>
+          <p:cNvPr id="5" name="TextBox 4">
+            <a:extLst>
+              <a:ext uri="{FF2B5EF4-FFF2-40B4-BE49-F238E27FC236}">
+                <a16:creationId xmlns:a16="http://schemas.microsoft.com/office/drawing/2014/main" id="{0BDB9156-56E2-4C20-AAA6-B1F26E8B514B}"/>
+              </a:ext>
+            </a:extLst>
+          </p:cNvPr>
+          <p:cNvSpPr txBox="1"/>
+          <p:nvPr/>
+        </p:nvSpPr>
+        <p:spPr>
+          <a:xfrm>
+            <a:off x="9042400" y="2733040"/>
+            <a:ext cx="1781450" cy="369332"/>
+          </a:xfrm>
+          <a:prstGeom prst="rect">
+            <a:avLst/>
+          </a:prstGeom>
+          <a:noFill/>
+        </p:spPr>
+        <p:txBody>
+          <a:bodyPr wrap="none" rtlCol="0">
+            <a:spAutoFit/>
+          </a:bodyPr>
+          <a:lstStyle/>
+          <a:p>
+            <a:r>
+              <a:rPr lang="en-US" dirty="0"/>
+              <a:t>Using 2x2 square</a:t>
+            </a:r>
+          </a:p>
+        </p:txBody>
+      </p:sp>
+      <p:pic>
+        <p:nvPicPr>
+          <p:cNvPr id="9" name="Picture 6">
+            <a:extLst>
+              <a:ext uri="{FF2B5EF4-FFF2-40B4-BE49-F238E27FC236}">
+                <a16:creationId xmlns:a16="http://schemas.microsoft.com/office/drawing/2014/main" id="{97A08867-3B6D-4EE6-92F3-F5F37BDB578A}"/>
+              </a:ext>
+            </a:extLst>
+          </p:cNvPr>
+          <p:cNvPicPr>
+            <a:picLocks noChangeAspect="1" noChangeArrowheads="1"/>
+          </p:cNvPicPr>
+          <p:nvPr/>
+        </p:nvPicPr>
+        <p:blipFill>
+          <a:blip r:embed="rId3">
+            <a:extLst>
+              <a:ext uri="{28A0092B-C50C-407E-A947-70E740481C1C}">
+                <a14:useLocalDpi xmlns:a14="http://schemas.microsoft.com/office/drawing/2010/main" val="0"/>
+              </a:ext>
+            </a:extLst>
+          </a:blip>
+          <a:srcRect/>
+          <a:stretch>
+            <a:fillRect/>
+          </a:stretch>
+        </p:blipFill>
+        <p:spPr bwMode="auto">
+          <a:xfrm>
+            <a:off x="6670027" y="4565574"/>
+            <a:ext cx="3543300" cy="2362200"/>
+          </a:xfrm>
+          <a:prstGeom prst="rect">
+            <a:avLst/>
+          </a:prstGeom>
+          <a:noFill/>
+          <a:extLst>
+            <a:ext uri="{909E8E84-426E-40DD-AFC4-6F175D3DCCD1}">
+              <a14:hiddenFill xmlns:a14="http://schemas.microsoft.com/office/drawing/2010/main">
+                <a:solidFill>
+                  <a:srgbClr val="FFFFFF"/>
+                </a:solidFill>
+              </a14:hiddenFill>
+            </a:ext>
+          </a:extLst>
+        </p:spPr>
+      </p:pic>
+      <p:sp>
+        <p:nvSpPr>
+          <p:cNvPr id="8" name="TextBox 7">
+            <a:extLst>
+              <a:ext uri="{FF2B5EF4-FFF2-40B4-BE49-F238E27FC236}">
+                <a16:creationId xmlns:a16="http://schemas.microsoft.com/office/drawing/2014/main" id="{228C7F1C-6774-4495-9A2F-98A6AB456905}"/>
+              </a:ext>
+            </a:extLst>
+          </p:cNvPr>
+          <p:cNvSpPr txBox="1"/>
+          <p:nvPr/>
+        </p:nvSpPr>
+        <p:spPr>
+          <a:xfrm>
+            <a:off x="8310880" y="4941494"/>
+            <a:ext cx="2353529" cy="369332"/>
+          </a:xfrm>
+          <a:prstGeom prst="rect">
+            <a:avLst/>
+          </a:prstGeom>
+          <a:noFill/>
+        </p:spPr>
+        <p:txBody>
+          <a:bodyPr wrap="none" rtlCol="0">
+            <a:spAutoFit/>
+          </a:bodyPr>
+          <a:lstStyle/>
+          <a:p>
+            <a:r>
+              <a:rPr lang="en-US" dirty="0"/>
+              <a:t>Using section of 16x16 </a:t>
+            </a:r>
+          </a:p>
+        </p:txBody>
+      </p:sp>
+      <p:pic>
+        <p:nvPicPr>
+          <p:cNvPr id="1028" name="Picture 4">
+            <a:extLst>
+              <a:ext uri="{FF2B5EF4-FFF2-40B4-BE49-F238E27FC236}">
+                <a16:creationId xmlns:a16="http://schemas.microsoft.com/office/drawing/2014/main" id="{6914D7DF-F534-4597-A1E6-415539E7571B}"/>
+              </a:ext>
+            </a:extLst>
+          </p:cNvPr>
+          <p:cNvPicPr>
+            <a:picLocks noChangeAspect="1" noChangeArrowheads="1"/>
+          </p:cNvPicPr>
+          <p:nvPr/>
+        </p:nvPicPr>
+        <p:blipFill>
+          <a:blip r:embed="rId4">
+            <a:extLst>
+              <a:ext uri="{28A0092B-C50C-407E-A947-70E740481C1C}">
+                <a14:useLocalDpi xmlns:a14="http://schemas.microsoft.com/office/drawing/2010/main" val="0"/>
+              </a:ext>
+            </a:extLst>
+          </a:blip>
+          <a:srcRect/>
+          <a:stretch>
+            <a:fillRect/>
+          </a:stretch>
+        </p:blipFill>
+        <p:spPr bwMode="auto">
+          <a:xfrm>
+            <a:off x="1097280" y="3000772"/>
+            <a:ext cx="3543300" cy="2362200"/>
+          </a:xfrm>
+          <a:prstGeom prst="rect">
+            <a:avLst/>
+          </a:prstGeom>
+          <a:noFill/>
+          <a:extLst>
+            <a:ext uri="{909E8E84-426E-40DD-AFC4-6F175D3DCCD1}">
+              <a14:hiddenFill xmlns:a14="http://schemas.microsoft.com/office/drawing/2010/main">
+                <a:solidFill>
+                  <a:srgbClr val="FFFFFF"/>
+                </a:solidFill>
+              </a14:hiddenFill>
+            </a:ext>
+          </a:extLst>
+        </p:spPr>
+      </p:pic>
+    </p:spTree>
+    <p:extLst>
+      <p:ext uri="{BB962C8B-B14F-4D97-AF65-F5344CB8AC3E}">
+        <p14:creationId xmlns:p14="http://schemas.microsoft.com/office/powerpoint/2010/main" val="243734895"/>
+      </p:ext>
+    </p:extLst>
+  </p:cSld>
+  <p:clrMapOvr>
+    <a:masterClrMapping/>
+  </p:clrMapOvr>
+</p:sld>
+</file>
+
+<file path=ppt/slides/slide12.xml><?xml version="1.0" encoding="utf-8"?>
+<p:sld xmlns:a="http://schemas.openxmlformats.org/drawingml/2006/main" xmlns:r="http://schemas.openxmlformats.org/officeDocument/2006/relationships" xmlns:p="http://schemas.openxmlformats.org/presentationml/2006/main">
+  <p:cSld>
+    <p:spTree>
+      <p:nvGrpSpPr>
+        <p:cNvPr id="1" name=""/>
+        <p:cNvGrpSpPr/>
+        <p:nvPr/>
+      </p:nvGrpSpPr>
+      <p:grpSpPr>
+        <a:xfrm>
+          <a:off x="0" y="0"/>
+          <a:ext cx="0" cy="0"/>
+          <a:chOff x="0" y="0"/>
+          <a:chExt cx="0" cy="0"/>
+        </a:xfrm>
+      </p:grpSpPr>
+      <p:sp>
+        <p:nvSpPr>
+          <p:cNvPr id="5" name="TextBox 4">
+            <a:extLst>
+              <a:ext uri="{FF2B5EF4-FFF2-40B4-BE49-F238E27FC236}">
+                <a16:creationId xmlns:a16="http://schemas.microsoft.com/office/drawing/2014/main" id="{D53CB7A5-B396-4BE0-9B9A-344D7D65C544}"/>
+              </a:ext>
+            </a:extLst>
+          </p:cNvPr>
+          <p:cNvSpPr txBox="1"/>
+          <p:nvPr/>
+        </p:nvSpPr>
+        <p:spPr>
+          <a:xfrm>
+            <a:off x="1147572" y="269240"/>
+            <a:ext cx="4309385" cy="369332"/>
+          </a:xfrm>
+          <a:prstGeom prst="rect">
+            <a:avLst/>
+          </a:prstGeom>
+          <a:noFill/>
+        </p:spPr>
+        <p:txBody>
+          <a:bodyPr wrap="none" rtlCol="0">
+            <a:spAutoFit/>
+          </a:bodyPr>
+          <a:lstStyle/>
+          <a:p>
+            <a:r>
+              <a:rPr lang="en-US" dirty="0"/>
+              <a:t>When trying to fit with one input cos(w0*t) </a:t>
+            </a:r>
+          </a:p>
+        </p:txBody>
+      </p:sp>
+      <p:pic>
+        <p:nvPicPr>
+          <p:cNvPr id="2050" name="Picture 2">
+            <a:extLst>
+              <a:ext uri="{FF2B5EF4-FFF2-40B4-BE49-F238E27FC236}">
+                <a16:creationId xmlns:a16="http://schemas.microsoft.com/office/drawing/2014/main" id="{1A06C103-1E9B-4194-A653-7E21C02355B6}"/>
+              </a:ext>
+            </a:extLst>
+          </p:cNvPr>
+          <p:cNvPicPr>
+            <a:picLocks noChangeAspect="1" noChangeArrowheads="1"/>
+          </p:cNvPicPr>
+          <p:nvPr/>
+        </p:nvPicPr>
+        <p:blipFill>
+          <a:blip r:embed="rId2">
+            <a:extLst>
+              <a:ext uri="{28A0092B-C50C-407E-A947-70E740481C1C}">
+                <a14:useLocalDpi xmlns:a14="http://schemas.microsoft.com/office/drawing/2010/main" val="0"/>
+              </a:ext>
+            </a:extLst>
+          </a:blip>
+          <a:srcRect/>
+          <a:stretch>
+            <a:fillRect/>
+          </a:stretch>
+        </p:blipFill>
+        <p:spPr bwMode="auto">
+          <a:xfrm>
+            <a:off x="6956464" y="556260"/>
+            <a:ext cx="3543300" cy="2362200"/>
+          </a:xfrm>
+          <a:prstGeom prst="rect">
+            <a:avLst/>
+          </a:prstGeom>
+          <a:noFill/>
+          <a:extLst>
+            <a:ext uri="{909E8E84-426E-40DD-AFC4-6F175D3DCCD1}">
+              <a14:hiddenFill xmlns:a14="http://schemas.microsoft.com/office/drawing/2010/main">
+                <a:solidFill>
+                  <a:srgbClr val="FFFFFF"/>
+                </a:solidFill>
+              </a14:hiddenFill>
+            </a:ext>
+          </a:extLst>
+        </p:spPr>
+      </p:pic>
+      <p:sp>
+        <p:nvSpPr>
+          <p:cNvPr id="8" name="TextBox 7">
+            <a:extLst>
+              <a:ext uri="{FF2B5EF4-FFF2-40B4-BE49-F238E27FC236}">
+                <a16:creationId xmlns:a16="http://schemas.microsoft.com/office/drawing/2014/main" id="{5214E649-F09A-4A2E-8674-D7CFC48F481F}"/>
+              </a:ext>
+            </a:extLst>
+          </p:cNvPr>
+          <p:cNvSpPr txBox="1"/>
+          <p:nvPr/>
+        </p:nvSpPr>
+        <p:spPr>
+          <a:xfrm>
+            <a:off x="6796171" y="186928"/>
+            <a:ext cx="4339778" cy="369332"/>
+          </a:xfrm>
+          <a:prstGeom prst="rect">
+            <a:avLst/>
+          </a:prstGeom>
+          <a:noFill/>
+        </p:spPr>
+        <p:txBody>
+          <a:bodyPr wrap="none" rtlCol="0">
+            <a:spAutoFit/>
+          </a:bodyPr>
+          <a:lstStyle/>
+          <a:p>
+            <a:r>
+              <a:rPr lang="en-US" dirty="0"/>
+              <a:t>When trying to fit with four input cos(w0*t) </a:t>
+            </a:r>
+          </a:p>
+        </p:txBody>
+      </p:sp>
+      <p:sp>
+        <p:nvSpPr>
+          <p:cNvPr id="6" name="TextBox 5">
+            <a:extLst>
+              <a:ext uri="{FF2B5EF4-FFF2-40B4-BE49-F238E27FC236}">
+                <a16:creationId xmlns:a16="http://schemas.microsoft.com/office/drawing/2014/main" id="{6A03807E-0115-4BB7-88CB-AB04082DB6DB}"/>
+              </a:ext>
+            </a:extLst>
+          </p:cNvPr>
+          <p:cNvSpPr txBox="1"/>
+          <p:nvPr/>
+        </p:nvSpPr>
+        <p:spPr>
+          <a:xfrm>
+            <a:off x="6956464" y="3196074"/>
+            <a:ext cx="5235536" cy="923330"/>
+          </a:xfrm>
+          <a:prstGeom prst="rect">
+            <a:avLst/>
+          </a:prstGeom>
+          <a:noFill/>
+        </p:spPr>
+        <p:txBody>
+          <a:bodyPr wrap="none" rtlCol="0">
+            <a:spAutoFit/>
+          </a:bodyPr>
+          <a:lstStyle/>
+          <a:p>
+            <a:r>
+              <a:rPr lang="en-US" dirty="0"/>
+              <a:t>I’m pretty sure that the only thing different here than </a:t>
+            </a:r>
+          </a:p>
+          <a:p>
+            <a:r>
+              <a:rPr lang="en-US" dirty="0"/>
+              <a:t>Last weeks is that I have more validation points. </a:t>
+            </a:r>
+          </a:p>
+          <a:p>
+            <a:r>
+              <a:rPr lang="en-US" dirty="0"/>
+              <a:t>1 before, and now 10. this is 1 of those 10. </a:t>
+            </a:r>
+          </a:p>
+        </p:txBody>
+      </p:sp>
+      <p:pic>
+        <p:nvPicPr>
+          <p:cNvPr id="9" name="Picture 8">
+            <a:extLst>
+              <a:ext uri="{FF2B5EF4-FFF2-40B4-BE49-F238E27FC236}">
+                <a16:creationId xmlns:a16="http://schemas.microsoft.com/office/drawing/2014/main" id="{BF860D2C-18E6-4BD9-B42B-FEE9F3635A84}"/>
+              </a:ext>
+            </a:extLst>
+          </p:cNvPr>
+          <p:cNvPicPr>
+            <a:picLocks noChangeAspect="1"/>
+          </p:cNvPicPr>
+          <p:nvPr/>
+        </p:nvPicPr>
+        <p:blipFill>
+          <a:blip r:embed="rId3"/>
+          <a:stretch>
+            <a:fillRect/>
+          </a:stretch>
+        </p:blipFill>
+        <p:spPr>
+          <a:xfrm>
+            <a:off x="6956464" y="4397018"/>
+            <a:ext cx="3114675" cy="609600"/>
+          </a:xfrm>
+          <a:prstGeom prst="rect">
+            <a:avLst/>
+          </a:prstGeom>
+        </p:spPr>
+      </p:pic>
+      <p:pic>
+        <p:nvPicPr>
+          <p:cNvPr id="11" name="Picture 10">
+            <a:extLst>
+              <a:ext uri="{FF2B5EF4-FFF2-40B4-BE49-F238E27FC236}">
+                <a16:creationId xmlns:a16="http://schemas.microsoft.com/office/drawing/2014/main" id="{A48EEB6D-21FB-44DA-BAA7-D31211E447D6}"/>
+              </a:ext>
+            </a:extLst>
+          </p:cNvPr>
+          <p:cNvPicPr>
+            <a:picLocks noChangeAspect="1"/>
+          </p:cNvPicPr>
+          <p:nvPr/>
+        </p:nvPicPr>
+        <p:blipFill>
+          <a:blip r:embed="rId4"/>
+          <a:stretch>
+            <a:fillRect/>
+          </a:stretch>
+        </p:blipFill>
+        <p:spPr>
+          <a:xfrm>
+            <a:off x="705802" y="3310076"/>
+            <a:ext cx="3038475" cy="695325"/>
+          </a:xfrm>
+          <a:prstGeom prst="rect">
+            <a:avLst/>
+          </a:prstGeom>
+        </p:spPr>
+      </p:pic>
+      <p:pic>
+        <p:nvPicPr>
+          <p:cNvPr id="13" name="Picture 12">
+            <a:extLst>
+              <a:ext uri="{FF2B5EF4-FFF2-40B4-BE49-F238E27FC236}">
+                <a16:creationId xmlns:a16="http://schemas.microsoft.com/office/drawing/2014/main" id="{FA2C3356-53B2-41F8-B4FF-3073665096F0}"/>
+              </a:ext>
+            </a:extLst>
+          </p:cNvPr>
+          <p:cNvPicPr>
+            <a:picLocks noChangeAspect="1"/>
+          </p:cNvPicPr>
+          <p:nvPr/>
+        </p:nvPicPr>
+        <p:blipFill>
+          <a:blip r:embed="rId5"/>
+          <a:stretch>
+            <a:fillRect/>
+          </a:stretch>
+        </p:blipFill>
+        <p:spPr>
+          <a:xfrm>
+            <a:off x="705802" y="5637897"/>
+            <a:ext cx="2905125" cy="619125"/>
+          </a:xfrm>
+          <a:prstGeom prst="rect">
+            <a:avLst/>
+          </a:prstGeom>
+        </p:spPr>
+      </p:pic>
+      <p:sp>
+        <p:nvSpPr>
+          <p:cNvPr id="14" name="TextBox 13">
+            <a:extLst>
+              <a:ext uri="{FF2B5EF4-FFF2-40B4-BE49-F238E27FC236}">
+                <a16:creationId xmlns:a16="http://schemas.microsoft.com/office/drawing/2014/main" id="{81E6F9B3-7FA7-4E04-8BB3-7001D2D4B7E6}"/>
+              </a:ext>
+            </a:extLst>
+          </p:cNvPr>
+          <p:cNvSpPr txBox="1"/>
+          <p:nvPr/>
+        </p:nvSpPr>
+        <p:spPr>
+          <a:xfrm>
+            <a:off x="705802" y="4855930"/>
+            <a:ext cx="3966937" cy="923330"/>
+          </a:xfrm>
+          <a:prstGeom prst="rect">
+            <a:avLst/>
+          </a:prstGeom>
+          <a:noFill/>
+        </p:spPr>
+        <p:txBody>
+          <a:bodyPr wrap="square" rtlCol="0">
+            <a:spAutoFit/>
+          </a:bodyPr>
+          <a:lstStyle/>
+          <a:p>
+            <a:r>
+              <a:rPr lang="en-US" dirty="0"/>
+              <a:t>When refined, getting even larger errors. This is refining into one of the quadrant that will be exactly it’s average</a:t>
+            </a:r>
+          </a:p>
+        </p:txBody>
+      </p:sp>
+      <p:sp>
+        <p:nvSpPr>
+          <p:cNvPr id="15" name="TextBox 14">
+            <a:extLst>
+              <a:ext uri="{FF2B5EF4-FFF2-40B4-BE49-F238E27FC236}">
+                <a16:creationId xmlns:a16="http://schemas.microsoft.com/office/drawing/2014/main" id="{D2FAF067-257A-4922-9452-B1DE2BDA9E11}"/>
+              </a:ext>
+            </a:extLst>
+          </p:cNvPr>
+          <p:cNvSpPr txBox="1"/>
+          <p:nvPr/>
+        </p:nvSpPr>
+        <p:spPr>
+          <a:xfrm>
+            <a:off x="9562454" y="2347993"/>
+            <a:ext cx="1839286" cy="369332"/>
+          </a:xfrm>
+          <a:prstGeom prst="rect">
+            <a:avLst/>
+          </a:prstGeom>
+          <a:noFill/>
+        </p:spPr>
+        <p:txBody>
+          <a:bodyPr wrap="none" rtlCol="0">
+            <a:spAutoFit/>
+          </a:bodyPr>
+          <a:lstStyle/>
+          <a:p>
+            <a:r>
+              <a:rPr lang="en-US" dirty="0"/>
+              <a:t>Picked timestep 8</a:t>
+            </a:r>
+          </a:p>
+        </p:txBody>
+      </p:sp>
+      <p:pic>
+        <p:nvPicPr>
+          <p:cNvPr id="18" name="Picture 4">
+            <a:extLst>
+              <a:ext uri="{FF2B5EF4-FFF2-40B4-BE49-F238E27FC236}">
+                <a16:creationId xmlns:a16="http://schemas.microsoft.com/office/drawing/2014/main" id="{7BEF0462-E02C-497A-923C-5EB52713EC27}"/>
+              </a:ext>
+            </a:extLst>
+          </p:cNvPr>
+          <p:cNvPicPr>
+            <a:picLocks noChangeAspect="1" noChangeArrowheads="1"/>
+          </p:cNvPicPr>
+          <p:nvPr/>
+        </p:nvPicPr>
+        <p:blipFill>
+          <a:blip r:embed="rId6">
+            <a:extLst>
+              <a:ext uri="{28A0092B-C50C-407E-A947-70E740481C1C}">
+                <a14:useLocalDpi xmlns:a14="http://schemas.microsoft.com/office/drawing/2010/main" val="0"/>
+              </a:ext>
+            </a:extLst>
+          </a:blip>
+          <a:srcRect/>
+          <a:stretch>
+            <a:fillRect/>
+          </a:stretch>
+        </p:blipFill>
+        <p:spPr bwMode="auto">
+          <a:xfrm>
+            <a:off x="1147572" y="793224"/>
+            <a:ext cx="3543300" cy="2362200"/>
+          </a:xfrm>
+          <a:prstGeom prst="rect">
+            <a:avLst/>
+          </a:prstGeom>
+          <a:noFill/>
+          <a:extLst>
+            <a:ext uri="{909E8E84-426E-40DD-AFC4-6F175D3DCCD1}">
+              <a14:hiddenFill xmlns:a14="http://schemas.microsoft.com/office/drawing/2010/main">
+                <a:solidFill>
+                  <a:srgbClr val="FFFFFF"/>
+                </a:solidFill>
+              </a14:hiddenFill>
+            </a:ext>
+          </a:extLst>
+        </p:spPr>
+      </p:pic>
+      <p:sp>
+        <p:nvSpPr>
+          <p:cNvPr id="19" name="TextBox 18">
+            <a:extLst>
+              <a:ext uri="{FF2B5EF4-FFF2-40B4-BE49-F238E27FC236}">
+                <a16:creationId xmlns:a16="http://schemas.microsoft.com/office/drawing/2014/main" id="{0E83A771-0568-47B8-ABB9-F32869800C87}"/>
+              </a:ext>
+            </a:extLst>
+          </p:cNvPr>
+          <p:cNvSpPr txBox="1"/>
+          <p:nvPr/>
+        </p:nvSpPr>
+        <p:spPr>
+          <a:xfrm>
+            <a:off x="3064739" y="1789658"/>
+            <a:ext cx="1956305" cy="369332"/>
+          </a:xfrm>
+          <a:prstGeom prst="rect">
+            <a:avLst/>
+          </a:prstGeom>
+          <a:noFill/>
+        </p:spPr>
+        <p:txBody>
+          <a:bodyPr wrap="none" rtlCol="0">
+            <a:spAutoFit/>
+          </a:bodyPr>
+          <a:lstStyle/>
+          <a:p>
+            <a:r>
+              <a:rPr lang="en-US" dirty="0"/>
+              <a:t>Picked </a:t>
+            </a:r>
+            <a:r>
+              <a:rPr lang="en-US"/>
+              <a:t>timestep 32</a:t>
+            </a:r>
+            <a:endParaRPr lang="en-US" dirty="0"/>
+          </a:p>
+        </p:txBody>
+      </p:sp>
+    </p:spTree>
+    <p:extLst>
+      <p:ext uri="{BB962C8B-B14F-4D97-AF65-F5344CB8AC3E}">
+        <p14:creationId xmlns:p14="http://schemas.microsoft.com/office/powerpoint/2010/main" val="3069793351"/>
+      </p:ext>
+    </p:extLst>
+  </p:cSld>
+  <p:clrMapOvr>
+    <a:masterClrMapping/>
+  </p:clrMapOvr>
+</p:sld>
+</file>
+
+<file path=ppt/slides/slide13.xml><?xml version="1.0" encoding="utf-8"?>
+<p:sld xmlns:a="http://schemas.openxmlformats.org/drawingml/2006/main" xmlns:r="http://schemas.openxmlformats.org/officeDocument/2006/relationships" xmlns:p="http://schemas.openxmlformats.org/presentationml/2006/main">
+  <p:cSld>
+    <p:spTree>
+      <p:nvGrpSpPr>
+        <p:cNvPr id="1" name=""/>
+        <p:cNvGrpSpPr/>
+        <p:nvPr/>
+      </p:nvGrpSpPr>
+      <p:grpSpPr>
+        <a:xfrm>
+          <a:off x="0" y="0"/>
+          <a:ext cx="0" cy="0"/>
+          <a:chOff x="0" y="0"/>
+          <a:chExt cx="0" cy="0"/>
+        </a:xfrm>
+      </p:grpSpPr>
+      <p:sp>
+        <p:nvSpPr>
+          <p:cNvPr id="2" name="Title 1">
+            <a:extLst>
+              <a:ext uri="{FF2B5EF4-FFF2-40B4-BE49-F238E27FC236}">
+                <a16:creationId xmlns:a16="http://schemas.microsoft.com/office/drawing/2014/main" id="{8F48847D-4424-4DC0-832B-FCFE5279F503}"/>
+              </a:ext>
+            </a:extLst>
+          </p:cNvPr>
+          <p:cNvSpPr>
+            <a:spLocks noGrp="1"/>
+          </p:cNvSpPr>
+          <p:nvPr>
+            <p:ph type="title"/>
+          </p:nvPr>
+        </p:nvSpPr>
+        <p:spPr/>
+        <p:txBody>
+          <a:bodyPr/>
+          <a:lstStyle/>
+          <a:p>
+            <a:endParaRPr lang="en-US"/>
+          </a:p>
+        </p:txBody>
+      </p:sp>
+      <p:sp>
+        <p:nvSpPr>
+          <p:cNvPr id="3" name="Content Placeholder 2">
+            <a:extLst>
+              <a:ext uri="{FF2B5EF4-FFF2-40B4-BE49-F238E27FC236}">
+                <a16:creationId xmlns:a16="http://schemas.microsoft.com/office/drawing/2014/main" id="{0CA51898-7996-4728-A416-F485EB2BF734}"/>
+              </a:ext>
+            </a:extLst>
+          </p:cNvPr>
+          <p:cNvSpPr>
+            <a:spLocks noGrp="1"/>
+          </p:cNvSpPr>
+          <p:nvPr>
+            <p:ph idx="1"/>
+          </p:nvPr>
+        </p:nvSpPr>
+        <p:spPr/>
+        <p:txBody>
+          <a:bodyPr>
+            <a:normAutofit fontScale="70000" lnSpcReduction="20000"/>
+          </a:bodyPr>
+          <a:lstStyle/>
+          <a:p>
+            <a:pPr marL="514350" indent="-514350">
+              <a:buFont typeface="+mj-lt"/>
+              <a:buAutoNum type="arabicPeriod"/>
+            </a:pPr>
+            <a:r>
+              <a:rPr lang="en-US" dirty="0"/>
+              <a:t>Reduce to 1 (or maybe 4)</a:t>
+            </a:r>
+          </a:p>
+          <a:p>
+            <a:pPr marL="971550" lvl="1" indent="-514350">
+              <a:buFont typeface="+mj-lt"/>
+              <a:buAutoNum type="arabicPeriod"/>
+            </a:pPr>
+            <a:r>
+              <a:rPr lang="en-US" dirty="0"/>
+              <a:t>Right now using averages, but will make better later</a:t>
+            </a:r>
+          </a:p>
+          <a:p>
+            <a:pPr marL="971550" lvl="1" indent="-514350">
+              <a:buFont typeface="+mj-lt"/>
+              <a:buAutoNum type="arabicPeriod"/>
+            </a:pPr>
+            <a:r>
+              <a:rPr lang="en-US" dirty="0"/>
+              <a:t>Will have array (100, 500,1) (100 training points, 500 timesteps)</a:t>
+            </a:r>
+          </a:p>
+          <a:p>
+            <a:pPr marL="514350" indent="-514350">
+              <a:buFont typeface="+mj-lt"/>
+              <a:buAutoNum type="arabicPeriod"/>
+            </a:pPr>
+            <a:r>
+              <a:rPr lang="en-US" dirty="0"/>
+              <a:t>Fit in time and find best time step</a:t>
+            </a:r>
+          </a:p>
+          <a:p>
+            <a:pPr marL="971550" lvl="1" indent="-514350">
+              <a:buFont typeface="+mj-lt"/>
+              <a:buAutoNum type="arabicPeriod"/>
+            </a:pPr>
+            <a:r>
+              <a:rPr lang="en-US" dirty="0"/>
+              <a:t>Train over multiple timesteps (currently 1-64 (powers of 2))</a:t>
+            </a:r>
+          </a:p>
+          <a:p>
+            <a:pPr marL="971550" lvl="1" indent="-514350">
+              <a:buFont typeface="+mj-lt"/>
+              <a:buAutoNum type="arabicPeriod"/>
+            </a:pPr>
+            <a:r>
+              <a:rPr lang="en-US" dirty="0"/>
+              <a:t>Find timestep size with lowest validation error</a:t>
+            </a:r>
+          </a:p>
+          <a:p>
+            <a:pPr marL="514350" indent="-514350">
+              <a:buFont typeface="+mj-lt"/>
+              <a:buAutoNum type="arabicPeriod"/>
+            </a:pPr>
+            <a:r>
+              <a:rPr lang="en-US" dirty="0"/>
+              <a:t>Find error over the 4 parts</a:t>
+            </a:r>
+          </a:p>
+          <a:p>
+            <a:pPr marL="971550" lvl="1" indent="-514350">
+              <a:buFont typeface="+mj-lt"/>
+              <a:buAutoNum type="arabicPeriod"/>
+            </a:pPr>
+            <a:r>
+              <a:rPr lang="en-US" dirty="0"/>
+              <a:t>Example predicted to (100,500,4) (all 4 will have sample value) and find </a:t>
+            </a:r>
+            <a:r>
+              <a:rPr lang="en-US" dirty="0" err="1"/>
+              <a:t>mse</a:t>
+            </a:r>
+            <a:r>
+              <a:rPr lang="en-US" dirty="0"/>
+              <a:t> over the 4 parts, averaged over all timesteps and validation points</a:t>
+            </a:r>
+          </a:p>
+          <a:p>
+            <a:pPr marL="514350" indent="-514350">
+              <a:buFont typeface="+mj-lt"/>
+              <a:buAutoNum type="arabicPeriod"/>
+            </a:pPr>
+            <a:r>
+              <a:rPr lang="en-US" dirty="0"/>
+              <a:t>For parts with high error, refine and repeat</a:t>
+            </a:r>
+          </a:p>
+          <a:p>
+            <a:pPr marL="971550" lvl="1" indent="-514350">
+              <a:buFont typeface="+mj-lt"/>
+              <a:buAutoNum type="arabicPeriod"/>
+            </a:pPr>
+            <a:r>
+              <a:rPr lang="en-US" dirty="0"/>
+              <a:t>Pick some threshold</a:t>
+            </a:r>
+          </a:p>
+          <a:p>
+            <a:pPr marL="971550" lvl="1" indent="-514350">
+              <a:buFont typeface="+mj-lt"/>
+              <a:buAutoNum type="arabicPeriod"/>
+            </a:pPr>
+            <a:r>
+              <a:rPr lang="en-US" dirty="0"/>
+              <a:t>Right now, refine means divide into 4 (2 per dim)</a:t>
+            </a:r>
+          </a:p>
+          <a:p>
+            <a:pPr marL="971550" lvl="1" indent="-514350">
+              <a:buFont typeface="+mj-lt"/>
+              <a:buAutoNum type="arabicPeriod"/>
+            </a:pPr>
+            <a:r>
+              <a:rPr lang="en-US" dirty="0"/>
+              <a:t>Test models that are already in use, if still high error, train new</a:t>
+            </a:r>
+          </a:p>
+          <a:p>
+            <a:pPr marL="1428750" lvl="2" indent="-514350">
+              <a:buFont typeface="+mj-lt"/>
+              <a:buAutoNum type="arabicPeriod"/>
+            </a:pPr>
+            <a:r>
+              <a:rPr lang="en-US" dirty="0"/>
+              <a:t>We now have 4, so will have to check/train on all 4 independently</a:t>
+            </a:r>
+          </a:p>
+          <a:p>
+            <a:pPr marL="1428750" lvl="2" indent="-514350">
+              <a:buFont typeface="+mj-lt"/>
+              <a:buAutoNum type="arabicPeriod"/>
+            </a:pPr>
+            <a:r>
+              <a:rPr lang="en-US" dirty="0"/>
+              <a:t>I think can use same threshold as when to refine</a:t>
+            </a:r>
+          </a:p>
+          <a:p>
+            <a:pPr marL="971550" lvl="1" indent="-514350">
+              <a:buFont typeface="+mj-lt"/>
+              <a:buAutoNum type="arabicPeriod"/>
+            </a:pPr>
+            <a:r>
+              <a:rPr lang="en-US" dirty="0"/>
+              <a:t>Keep repeating until all areas are below threshold or cannot refine anymore	</a:t>
+            </a:r>
+          </a:p>
+          <a:p>
+            <a:pPr marL="514350" indent="-514350">
+              <a:buFont typeface="+mj-lt"/>
+              <a:buAutoNum type="arabicPeriod"/>
+            </a:pPr>
+            <a:endParaRPr lang="en-US" dirty="0"/>
+          </a:p>
+        </p:txBody>
+      </p:sp>
+    </p:spTree>
+    <p:extLst>
+      <p:ext uri="{BB962C8B-B14F-4D97-AF65-F5344CB8AC3E}">
+        <p14:creationId xmlns:p14="http://schemas.microsoft.com/office/powerpoint/2010/main" val="3955317007"/>
+      </p:ext>
+    </p:extLst>
+  </p:cSld>
+  <p:clrMapOvr>
+    <a:masterClrMapping/>
+  </p:clrMapOvr>
+</p:sld>
+</file>
+
 <file path=ppt/slides/slide2.xml><?xml version="1.0" encoding="utf-8"?>
 <p:sld xmlns:a="http://schemas.openxmlformats.org/drawingml/2006/main" xmlns:r="http://schemas.openxmlformats.org/officeDocument/2006/relationships" xmlns:p="http://schemas.openxmlformats.org/presentationml/2006/main">
   <p:cSld>

--- a/notes/Oct_26_averaging_and_toy2.pptx
+++ b/notes/Oct_26_averaging_and_toy2.pptx
@@ -18,6 +18,8 @@
     <p:sldId id="266" r:id="rId12"/>
     <p:sldId id="267" r:id="rId13"/>
     <p:sldId id="268" r:id="rId14"/>
+    <p:sldId id="269" r:id="rId15"/>
+    <p:sldId id="270" r:id="rId16"/>
   </p:sldIdLst>
   <p:sldSz cx="12192000" cy="6858000"/>
   <p:notesSz cx="6858000" cy="9144000"/>
@@ -127,7 +129,7 @@
 <file path=ppt/revisionInfo.xml><?xml version="1.0" encoding="utf-8"?>
 <p1510:revInfo xmlns:a="http://schemas.openxmlformats.org/drawingml/2006/main" xmlns:r="http://schemas.openxmlformats.org/officeDocument/2006/relationships" xmlns:p1510="http://schemas.microsoft.com/office/powerpoint/2015/10/main">
   <p1510:revLst>
-    <p1510:client id="{61DBC332-9CC0-465A-AB04-996F0238E80A}" v="154" dt="2021-11-08T22:06:47.984"/>
+    <p1510:client id="{61DBC332-9CC0-465A-AB04-996F0238E80A}" v="198" dt="2021-11-15T21:47:55.322"/>
   </p1510:revLst>
 </p1510:revInfo>
 </file>
@@ -137,7 +139,7 @@
   <pc:docChgLst>
     <pc:chgData name="Katie Johnston" userId="a8803450-7667-44c1-ac00-9653f319424f" providerId="ADAL" clId="{61DBC332-9CC0-465A-AB04-996F0238E80A}"/>
     <pc:docChg chg="undo custSel addSld delSld modSld sldOrd">
-      <pc:chgData name="Katie Johnston" userId="a8803450-7667-44c1-ac00-9653f319424f" providerId="ADAL" clId="{61DBC332-9CC0-465A-AB04-996F0238E80A}" dt="2021-11-08T22:06:52.685" v="3443" actId="20577"/>
+      <pc:chgData name="Katie Johnston" userId="a8803450-7667-44c1-ac00-9653f319424f" providerId="ADAL" clId="{61DBC332-9CC0-465A-AB04-996F0238E80A}" dt="2021-11-15T21:47:55.321" v="3654" actId="1076"/>
       <pc:docMkLst>
         <pc:docMk/>
       </pc:docMkLst>
@@ -765,7 +767,7 @@
         </pc:sldMkLst>
       </pc:sldChg>
       <pc:sldChg chg="addSp delSp modSp new mod">
-        <pc:chgData name="Katie Johnston" userId="a8803450-7667-44c1-ac00-9653f319424f" providerId="ADAL" clId="{61DBC332-9CC0-465A-AB04-996F0238E80A}" dt="2021-11-08T21:19:57.147" v="3435" actId="1076"/>
+        <pc:chgData name="Katie Johnston" userId="a8803450-7667-44c1-ac00-9653f319424f" providerId="ADAL" clId="{61DBC332-9CC0-465A-AB04-996F0238E80A}" dt="2021-11-08T22:41:48.805" v="3446" actId="1076"/>
         <pc:sldMkLst>
           <pc:docMk/>
           <pc:sldMk cId="243734895" sldId="266"/>
@@ -832,6 +834,14 @@
             <pc:docMk/>
             <pc:sldMk cId="243734895" sldId="266"/>
             <ac:picMk id="9" creationId="{97A08867-3B6D-4EE6-92F3-F5F37BDB578A}"/>
+          </ac:picMkLst>
+        </pc:picChg>
+        <pc:picChg chg="add mod">
+          <ac:chgData name="Katie Johnston" userId="a8803450-7667-44c1-ac00-9653f319424f" providerId="ADAL" clId="{61DBC332-9CC0-465A-AB04-996F0238E80A}" dt="2021-11-08T22:41:48.805" v="3446" actId="1076"/>
+          <ac:picMkLst>
+            <pc:docMk/>
+            <pc:sldMk cId="243734895" sldId="266"/>
+            <ac:picMk id="12" creationId="{3E1ABAA3-5C32-4A48-A063-194D2E6B1C71}"/>
           </ac:picMkLst>
         </pc:picChg>
         <pc:picChg chg="add del mod">
@@ -1015,6 +1025,140 @@
             <ac:spMk id="3" creationId="{BBEAD063-D046-47DB-A677-AB338C24A87D}"/>
           </ac:spMkLst>
         </pc:spChg>
+      </pc:sldChg>
+      <pc:sldChg chg="addSp delSp modSp new mod">
+        <pc:chgData name="Katie Johnston" userId="a8803450-7667-44c1-ac00-9653f319424f" providerId="ADAL" clId="{61DBC332-9CC0-465A-AB04-996F0238E80A}" dt="2021-11-15T21:43:18.011" v="3570" actId="14100"/>
+        <pc:sldMkLst>
+          <pc:docMk/>
+          <pc:sldMk cId="3899633860" sldId="269"/>
+        </pc:sldMkLst>
+        <pc:spChg chg="del">
+          <ac:chgData name="Katie Johnston" userId="a8803450-7667-44c1-ac00-9653f319424f" providerId="ADAL" clId="{61DBC332-9CC0-465A-AB04-996F0238E80A}" dt="2021-11-15T05:13:52.277" v="3456"/>
+          <ac:spMkLst>
+            <pc:docMk/>
+            <pc:sldMk cId="3899633860" sldId="269"/>
+            <ac:spMk id="3" creationId="{D70ACAFB-5BB2-45C2-AB17-8EE3AE032552}"/>
+          </ac:spMkLst>
+        </pc:spChg>
+        <pc:spChg chg="add mod">
+          <ac:chgData name="Katie Johnston" userId="a8803450-7667-44c1-ac00-9653f319424f" providerId="ADAL" clId="{61DBC332-9CC0-465A-AB04-996F0238E80A}" dt="2021-11-15T21:43:18.011" v="3570" actId="14100"/>
+          <ac:spMkLst>
+            <pc:docMk/>
+            <pc:sldMk cId="3899633860" sldId="269"/>
+            <ac:spMk id="4" creationId="{4322453E-A293-4895-B5D0-D593488D5A33}"/>
+          </ac:spMkLst>
+        </pc:spChg>
+        <pc:picChg chg="add del mod">
+          <ac:chgData name="Katie Johnston" userId="a8803450-7667-44c1-ac00-9653f319424f" providerId="ADAL" clId="{61DBC332-9CC0-465A-AB04-996F0238E80A}" dt="2021-11-15T05:12:39.773" v="3450" actId="478"/>
+          <ac:picMkLst>
+            <pc:docMk/>
+            <pc:sldMk cId="3899633860" sldId="269"/>
+            <ac:picMk id="1026" creationId="{493F0A6C-31B9-4748-A359-AD194D762EA1}"/>
+          </ac:picMkLst>
+        </pc:picChg>
+        <pc:picChg chg="add mod">
+          <ac:chgData name="Katie Johnston" userId="a8803450-7667-44c1-ac00-9653f319424f" providerId="ADAL" clId="{61DBC332-9CC0-465A-AB04-996F0238E80A}" dt="2021-11-15T05:14:10.348" v="3463" actId="1076"/>
+          <ac:picMkLst>
+            <pc:docMk/>
+            <pc:sldMk cId="3899633860" sldId="269"/>
+            <ac:picMk id="1028" creationId="{5FFF0767-C638-4B99-AB4D-6CCDF73F3105}"/>
+          </ac:picMkLst>
+        </pc:picChg>
+        <pc:picChg chg="add mod">
+          <ac:chgData name="Katie Johnston" userId="a8803450-7667-44c1-ac00-9653f319424f" providerId="ADAL" clId="{61DBC332-9CC0-465A-AB04-996F0238E80A}" dt="2021-11-15T05:14:07.972" v="3462" actId="1076"/>
+          <ac:picMkLst>
+            <pc:docMk/>
+            <pc:sldMk cId="3899633860" sldId="269"/>
+            <ac:picMk id="1030" creationId="{1B4463A6-06F2-4E52-93A8-DEC71A291511}"/>
+          </ac:picMkLst>
+        </pc:picChg>
+        <pc:picChg chg="add mod">
+          <ac:chgData name="Katie Johnston" userId="a8803450-7667-44c1-ac00-9653f319424f" providerId="ADAL" clId="{61DBC332-9CC0-465A-AB04-996F0238E80A}" dt="2021-11-15T05:14:06.589" v="3461" actId="1076"/>
+          <ac:picMkLst>
+            <pc:docMk/>
+            <pc:sldMk cId="3899633860" sldId="269"/>
+            <ac:picMk id="1032" creationId="{3F877B9E-2AC8-47EB-87CB-9084E5C4AD30}"/>
+          </ac:picMkLst>
+        </pc:picChg>
+        <pc:picChg chg="add mod">
+          <ac:chgData name="Katie Johnston" userId="a8803450-7667-44c1-ac00-9653f319424f" providerId="ADAL" clId="{61DBC332-9CC0-465A-AB04-996F0238E80A}" dt="2021-11-15T05:14:04.579" v="3460" actId="1076"/>
+          <ac:picMkLst>
+            <pc:docMk/>
+            <pc:sldMk cId="3899633860" sldId="269"/>
+            <ac:picMk id="1034" creationId="{DA8B53CA-AA2A-4E01-ABE3-A6255ECBE694}"/>
+          </ac:picMkLst>
+        </pc:picChg>
+        <pc:picChg chg="add mod">
+          <ac:chgData name="Katie Johnston" userId="a8803450-7667-44c1-ac00-9653f319424f" providerId="ADAL" clId="{61DBC332-9CC0-465A-AB04-996F0238E80A}" dt="2021-11-15T05:14:16.280" v="3465" actId="1076"/>
+          <ac:picMkLst>
+            <pc:docMk/>
+            <pc:sldMk cId="3899633860" sldId="269"/>
+            <ac:picMk id="1036" creationId="{12E79758-FDD6-429B-9025-536938A855D1}"/>
+          </ac:picMkLst>
+        </pc:picChg>
+      </pc:sldChg>
+      <pc:sldChg chg="addSp modSp new mod">
+        <pc:chgData name="Katie Johnston" userId="a8803450-7667-44c1-ac00-9653f319424f" providerId="ADAL" clId="{61DBC332-9CC0-465A-AB04-996F0238E80A}" dt="2021-11-15T21:47:55.321" v="3654" actId="1076"/>
+        <pc:sldMkLst>
+          <pc:docMk/>
+          <pc:sldMk cId="3518478720" sldId="270"/>
+        </pc:sldMkLst>
+        <pc:spChg chg="add mod">
+          <ac:chgData name="Katie Johnston" userId="a8803450-7667-44c1-ac00-9653f319424f" providerId="ADAL" clId="{61DBC332-9CC0-465A-AB04-996F0238E80A}" dt="2021-11-15T21:43:49.044" v="3644" actId="14100"/>
+          <ac:spMkLst>
+            <pc:docMk/>
+            <pc:sldMk cId="3518478720" sldId="270"/>
+            <ac:spMk id="4" creationId="{5F030A27-A091-45AF-B984-548ECC1E0F67}"/>
+          </ac:spMkLst>
+        </pc:spChg>
+        <pc:picChg chg="add mod">
+          <ac:chgData name="Katie Johnston" userId="a8803450-7667-44c1-ac00-9653f319424f" providerId="ADAL" clId="{61DBC332-9CC0-465A-AB04-996F0238E80A}" dt="2021-11-15T21:47:54.072" v="3653" actId="1076"/>
+          <ac:picMkLst>
+            <pc:docMk/>
+            <pc:sldMk cId="3518478720" sldId="270"/>
+            <ac:picMk id="2050" creationId="{E0165167-A47A-4F0E-AE39-04A50D2FFB65}"/>
+          </ac:picMkLst>
+        </pc:picChg>
+        <pc:picChg chg="add mod">
+          <ac:chgData name="Katie Johnston" userId="a8803450-7667-44c1-ac00-9653f319424f" providerId="ADAL" clId="{61DBC332-9CC0-465A-AB04-996F0238E80A}" dt="2021-11-15T21:47:48.617" v="3650" actId="1076"/>
+          <ac:picMkLst>
+            <pc:docMk/>
+            <pc:sldMk cId="3518478720" sldId="270"/>
+            <ac:picMk id="2052" creationId="{CF16760B-9F78-491B-AD4C-D847A49B2A1A}"/>
+          </ac:picMkLst>
+        </pc:picChg>
+        <pc:picChg chg="add mod">
+          <ac:chgData name="Katie Johnston" userId="a8803450-7667-44c1-ac00-9653f319424f" providerId="ADAL" clId="{61DBC332-9CC0-465A-AB04-996F0238E80A}" dt="2021-11-15T21:47:50.208" v="3651" actId="1076"/>
+          <ac:picMkLst>
+            <pc:docMk/>
+            <pc:sldMk cId="3518478720" sldId="270"/>
+            <ac:picMk id="2054" creationId="{A0AF4ADA-B5E0-4CD5-85A4-451433303D17}"/>
+          </ac:picMkLst>
+        </pc:picChg>
+        <pc:picChg chg="add mod">
+          <ac:chgData name="Katie Johnston" userId="a8803450-7667-44c1-ac00-9653f319424f" providerId="ADAL" clId="{61DBC332-9CC0-465A-AB04-996F0238E80A}" dt="2021-11-15T21:47:46.033" v="3649" actId="1076"/>
+          <ac:picMkLst>
+            <pc:docMk/>
+            <pc:sldMk cId="3518478720" sldId="270"/>
+            <ac:picMk id="2056" creationId="{B0523661-F1AA-4DC8-B4C2-CC2C877634E0}"/>
+          </ac:picMkLst>
+        </pc:picChg>
+        <pc:picChg chg="add mod">
+          <ac:chgData name="Katie Johnston" userId="a8803450-7667-44c1-ac00-9653f319424f" providerId="ADAL" clId="{61DBC332-9CC0-465A-AB04-996F0238E80A}" dt="2021-11-15T21:47:52.153" v="3652" actId="1076"/>
+          <ac:picMkLst>
+            <pc:docMk/>
+            <pc:sldMk cId="3518478720" sldId="270"/>
+            <ac:picMk id="2058" creationId="{29657A41-6660-447D-B50D-C0DFE46C5055}"/>
+          </ac:picMkLst>
+        </pc:picChg>
+        <pc:picChg chg="add mod">
+          <ac:chgData name="Katie Johnston" userId="a8803450-7667-44c1-ac00-9653f319424f" providerId="ADAL" clId="{61DBC332-9CC0-465A-AB04-996F0238E80A}" dt="2021-11-15T21:47:55.321" v="3654" actId="1076"/>
+          <ac:picMkLst>
+            <pc:docMk/>
+            <pc:sldMk cId="3518478720" sldId="270"/>
+            <ac:picMk id="2060" creationId="{E2E319B7-0AA5-4324-B9BB-F2A5A2B20144}"/>
+          </ac:picMkLst>
+        </pc:picChg>
       </pc:sldChg>
     </pc:docChg>
   </pc:docChgLst>
@@ -1168,7 +1312,7 @@
           <a:p>
             <a:fld id="{5EFA1716-573D-4E94-B7FA-26F1CE6BC71D}" type="datetimeFigureOut">
               <a:rPr lang="en-US" smtClean="0"/>
-              <a:t>11/4/2021</a:t>
+              <a:t>11/12/2021</a:t>
             </a:fld>
             <a:endParaRPr lang="en-US"/>
           </a:p>
@@ -1366,7 +1510,7 @@
           <a:p>
             <a:fld id="{5EFA1716-573D-4E94-B7FA-26F1CE6BC71D}" type="datetimeFigureOut">
               <a:rPr lang="en-US" smtClean="0"/>
-              <a:t>11/4/2021</a:t>
+              <a:t>11/12/2021</a:t>
             </a:fld>
             <a:endParaRPr lang="en-US"/>
           </a:p>
@@ -1574,7 +1718,7 @@
           <a:p>
             <a:fld id="{5EFA1716-573D-4E94-B7FA-26F1CE6BC71D}" type="datetimeFigureOut">
               <a:rPr lang="en-US" smtClean="0"/>
-              <a:t>11/4/2021</a:t>
+              <a:t>11/12/2021</a:t>
             </a:fld>
             <a:endParaRPr lang="en-US"/>
           </a:p>
@@ -1772,7 +1916,7 @@
           <a:p>
             <a:fld id="{5EFA1716-573D-4E94-B7FA-26F1CE6BC71D}" type="datetimeFigureOut">
               <a:rPr lang="en-US" smtClean="0"/>
-              <a:t>11/4/2021</a:t>
+              <a:t>11/12/2021</a:t>
             </a:fld>
             <a:endParaRPr lang="en-US"/>
           </a:p>
@@ -2047,7 +2191,7 @@
           <a:p>
             <a:fld id="{5EFA1716-573D-4E94-B7FA-26F1CE6BC71D}" type="datetimeFigureOut">
               <a:rPr lang="en-US" smtClean="0"/>
-              <a:t>11/4/2021</a:t>
+              <a:t>11/12/2021</a:t>
             </a:fld>
             <a:endParaRPr lang="en-US"/>
           </a:p>
@@ -2312,7 +2456,7 @@
           <a:p>
             <a:fld id="{5EFA1716-573D-4E94-B7FA-26F1CE6BC71D}" type="datetimeFigureOut">
               <a:rPr lang="en-US" smtClean="0"/>
-              <a:t>11/4/2021</a:t>
+              <a:t>11/12/2021</a:t>
             </a:fld>
             <a:endParaRPr lang="en-US"/>
           </a:p>
@@ -2724,7 +2868,7 @@
           <a:p>
             <a:fld id="{5EFA1716-573D-4E94-B7FA-26F1CE6BC71D}" type="datetimeFigureOut">
               <a:rPr lang="en-US" smtClean="0"/>
-              <a:t>11/4/2021</a:t>
+              <a:t>11/12/2021</a:t>
             </a:fld>
             <a:endParaRPr lang="en-US"/>
           </a:p>
@@ -2865,7 +3009,7 @@
           <a:p>
             <a:fld id="{5EFA1716-573D-4E94-B7FA-26F1CE6BC71D}" type="datetimeFigureOut">
               <a:rPr lang="en-US" smtClean="0"/>
-              <a:t>11/4/2021</a:t>
+              <a:t>11/12/2021</a:t>
             </a:fld>
             <a:endParaRPr lang="en-US"/>
           </a:p>
@@ -2978,7 +3122,7 @@
           <a:p>
             <a:fld id="{5EFA1716-573D-4E94-B7FA-26F1CE6BC71D}" type="datetimeFigureOut">
               <a:rPr lang="en-US" smtClean="0"/>
-              <a:t>11/4/2021</a:t>
+              <a:t>11/12/2021</a:t>
             </a:fld>
             <a:endParaRPr lang="en-US"/>
           </a:p>
@@ -3289,7 +3433,7 @@
           <a:p>
             <a:fld id="{5EFA1716-573D-4E94-B7FA-26F1CE6BC71D}" type="datetimeFigureOut">
               <a:rPr lang="en-US" smtClean="0"/>
-              <a:t>11/4/2021</a:t>
+              <a:t>11/12/2021</a:t>
             </a:fld>
             <a:endParaRPr lang="en-US"/>
           </a:p>
@@ -3577,7 +3721,7 @@
           <a:p>
             <a:fld id="{5EFA1716-573D-4E94-B7FA-26F1CE6BC71D}" type="datetimeFigureOut">
               <a:rPr lang="en-US" smtClean="0"/>
-              <a:t>11/4/2021</a:t>
+              <a:t>11/12/2021</a:t>
             </a:fld>
             <a:endParaRPr lang="en-US"/>
           </a:p>
@@ -3818,7 +3962,7 @@
           <a:p>
             <a:fld id="{5EFA1716-573D-4E94-B7FA-26F1CE6BC71D}" type="datetimeFigureOut">
               <a:rPr lang="en-US" smtClean="0"/>
-              <a:t>11/4/2021</a:t>
+              <a:t>11/12/2021</a:t>
             </a:fld>
             <a:endParaRPr lang="en-US"/>
           </a:p>
@@ -4722,6 +4866,53 @@
           </a:extLst>
         </p:spPr>
       </p:pic>
+      <p:pic>
+        <p:nvPicPr>
+          <p:cNvPr id="12" name="Picture 2">
+            <a:extLst>
+              <a:ext uri="{FF2B5EF4-FFF2-40B4-BE49-F238E27FC236}">
+                <a16:creationId xmlns:a16="http://schemas.microsoft.com/office/drawing/2014/main" id="{3E1ABAA3-5C32-4A48-A063-194D2E6B1C71}"/>
+              </a:ext>
+            </a:extLst>
+          </p:cNvPr>
+          <p:cNvPicPr>
+            <a:picLocks noChangeAspect="1" noChangeArrowheads="1"/>
+          </p:cNvPicPr>
+          <p:nvPr/>
+        </p:nvPicPr>
+        <p:blipFill>
+          <a:blip r:embed="rId5">
+            <a:extLst>
+              <a:ext uri="{28A0092B-C50C-407E-A947-70E740481C1C}">
+                <a14:useLocalDpi xmlns:a14="http://schemas.microsoft.com/office/drawing/2010/main" val="0"/>
+              </a:ext>
+            </a:extLst>
+          </a:blip>
+          <a:srcRect/>
+          <a:stretch>
+            <a:fillRect/>
+          </a:stretch>
+        </p:blipFill>
+        <p:spPr bwMode="auto">
+          <a:xfrm>
+            <a:off x="1905268" y="2763960"/>
+            <a:ext cx="3543300" cy="2362200"/>
+          </a:xfrm>
+          <a:prstGeom prst="rect">
+            <a:avLst/>
+          </a:prstGeom>
+          <a:noFill/>
+          <a:extLst>
+            <a:ext uri="{909E8E84-426E-40DD-AFC4-6F175D3DCCD1}">
+              <a14:hiddenFill xmlns:a14="http://schemas.microsoft.com/office/drawing/2010/main">
+                <a:solidFill>
+                  <a:srgbClr val="FFFFFF"/>
+                </a:solidFill>
+              </a14:hiddenFill>
+            </a:ext>
+          </a:extLst>
+        </p:spPr>
+      </p:pic>
     </p:spTree>
     <p:extLst>
       <p:ext uri="{BB962C8B-B14F-4D97-AF65-F5344CB8AC3E}">
@@ -5153,13 +5344,8 @@
           <a:p>
             <a:r>
               <a:rPr lang="en-US" dirty="0"/>
-              <a:t>Picked </a:t>
-            </a:r>
-            <a:r>
-              <a:rPr lang="en-US"/>
-              <a:t>timestep 32</a:t>
-            </a:r>
-            <a:endParaRPr lang="en-US" dirty="0"/>
+              <a:t>Picked timestep 32</a:t>
+            </a:r>
           </a:p>
         </p:txBody>
       </p:sp>
@@ -5411,6 +5597,758 @@
     <p:extLst>
       <p:ext uri="{BB962C8B-B14F-4D97-AF65-F5344CB8AC3E}">
         <p14:creationId xmlns:p14="http://schemas.microsoft.com/office/powerpoint/2010/main" val="3955317007"/>
+      </p:ext>
+    </p:extLst>
+  </p:cSld>
+  <p:clrMapOvr>
+    <a:masterClrMapping/>
+  </p:clrMapOvr>
+</p:sld>
+</file>
+
+<file path=ppt/slides/slide14.xml><?xml version="1.0" encoding="utf-8"?>
+<p:sld xmlns:a="http://schemas.openxmlformats.org/drawingml/2006/main" xmlns:r="http://schemas.openxmlformats.org/officeDocument/2006/relationships" xmlns:p="http://schemas.openxmlformats.org/presentationml/2006/main">
+  <p:cSld>
+    <p:spTree>
+      <p:nvGrpSpPr>
+        <p:cNvPr id="1" name=""/>
+        <p:cNvGrpSpPr/>
+        <p:nvPr/>
+      </p:nvGrpSpPr>
+      <p:grpSpPr>
+        <a:xfrm>
+          <a:off x="0" y="0"/>
+          <a:ext cx="0" cy="0"/>
+          <a:chOff x="0" y="0"/>
+          <a:chExt cx="0" cy="0"/>
+        </a:xfrm>
+      </p:grpSpPr>
+      <p:sp>
+        <p:nvSpPr>
+          <p:cNvPr id="2" name="Title 1">
+            <a:extLst>
+              <a:ext uri="{FF2B5EF4-FFF2-40B4-BE49-F238E27FC236}">
+                <a16:creationId xmlns:a16="http://schemas.microsoft.com/office/drawing/2014/main" id="{250EABDD-2D12-42A6-8C28-AE13F5FBFCB7}"/>
+              </a:ext>
+            </a:extLst>
+          </p:cNvPr>
+          <p:cNvSpPr>
+            <a:spLocks noGrp="1"/>
+          </p:cNvSpPr>
+          <p:nvPr>
+            <p:ph type="title"/>
+          </p:nvPr>
+        </p:nvSpPr>
+        <p:spPr/>
+        <p:txBody>
+          <a:bodyPr/>
+          <a:lstStyle/>
+          <a:p>
+            <a:endParaRPr lang="en-US"/>
+          </a:p>
+        </p:txBody>
+      </p:sp>
+      <p:pic>
+        <p:nvPicPr>
+          <p:cNvPr id="1028" name="Picture 4">
+            <a:extLst>
+              <a:ext uri="{FF2B5EF4-FFF2-40B4-BE49-F238E27FC236}">
+                <a16:creationId xmlns:a16="http://schemas.microsoft.com/office/drawing/2014/main" id="{5FFF0767-C638-4B99-AB4D-6CCDF73F3105}"/>
+              </a:ext>
+            </a:extLst>
+          </p:cNvPr>
+          <p:cNvPicPr>
+            <a:picLocks noChangeAspect="1" noChangeArrowheads="1"/>
+          </p:cNvPicPr>
+          <p:nvPr/>
+        </p:nvPicPr>
+        <p:blipFill>
+          <a:blip r:embed="rId2">
+            <a:extLst>
+              <a:ext uri="{28A0092B-C50C-407E-A947-70E740481C1C}">
+                <a14:useLocalDpi xmlns:a14="http://schemas.microsoft.com/office/drawing/2010/main" val="0"/>
+              </a:ext>
+            </a:extLst>
+          </a:blip>
+          <a:srcRect/>
+          <a:stretch>
+            <a:fillRect/>
+          </a:stretch>
+        </p:blipFill>
+        <p:spPr bwMode="auto">
+          <a:xfrm>
+            <a:off x="343196" y="3429000"/>
+            <a:ext cx="3543300" cy="2514600"/>
+          </a:xfrm>
+          <a:prstGeom prst="rect">
+            <a:avLst/>
+          </a:prstGeom>
+          <a:noFill/>
+          <a:extLst>
+            <a:ext uri="{909E8E84-426E-40DD-AFC4-6F175D3DCCD1}">
+              <a14:hiddenFill xmlns:a14="http://schemas.microsoft.com/office/drawing/2010/main">
+                <a:solidFill>
+                  <a:srgbClr val="FFFFFF"/>
+                </a:solidFill>
+              </a14:hiddenFill>
+            </a:ext>
+          </a:extLst>
+        </p:spPr>
+      </p:pic>
+      <p:pic>
+        <p:nvPicPr>
+          <p:cNvPr id="1030" name="Picture 6">
+            <a:extLst>
+              <a:ext uri="{FF2B5EF4-FFF2-40B4-BE49-F238E27FC236}">
+                <a16:creationId xmlns:a16="http://schemas.microsoft.com/office/drawing/2014/main" id="{1B4463A6-06F2-4E52-93A8-DEC71A291511}"/>
+              </a:ext>
+            </a:extLst>
+          </p:cNvPr>
+          <p:cNvPicPr>
+            <a:picLocks noChangeAspect="1" noChangeArrowheads="1"/>
+          </p:cNvPicPr>
+          <p:nvPr/>
+        </p:nvPicPr>
+        <p:blipFill>
+          <a:blip r:embed="rId3">
+            <a:extLst>
+              <a:ext uri="{28A0092B-C50C-407E-A947-70E740481C1C}">
+                <a14:useLocalDpi xmlns:a14="http://schemas.microsoft.com/office/drawing/2010/main" val="0"/>
+              </a:ext>
+            </a:extLst>
+          </a:blip>
+          <a:srcRect/>
+          <a:stretch>
+            <a:fillRect/>
+          </a:stretch>
+        </p:blipFill>
+        <p:spPr bwMode="auto">
+          <a:xfrm>
+            <a:off x="343196" y="676434"/>
+            <a:ext cx="3543300" cy="2514600"/>
+          </a:xfrm>
+          <a:prstGeom prst="rect">
+            <a:avLst/>
+          </a:prstGeom>
+          <a:noFill/>
+          <a:extLst>
+            <a:ext uri="{909E8E84-426E-40DD-AFC4-6F175D3DCCD1}">
+              <a14:hiddenFill xmlns:a14="http://schemas.microsoft.com/office/drawing/2010/main">
+                <a:solidFill>
+                  <a:srgbClr val="FFFFFF"/>
+                </a:solidFill>
+              </a14:hiddenFill>
+            </a:ext>
+          </a:extLst>
+        </p:spPr>
+      </p:pic>
+      <p:pic>
+        <p:nvPicPr>
+          <p:cNvPr id="1032" name="Picture 8">
+            <a:extLst>
+              <a:ext uri="{FF2B5EF4-FFF2-40B4-BE49-F238E27FC236}">
+                <a16:creationId xmlns:a16="http://schemas.microsoft.com/office/drawing/2014/main" id="{3F877B9E-2AC8-47EB-87CB-9084E5C4AD30}"/>
+              </a:ext>
+            </a:extLst>
+          </p:cNvPr>
+          <p:cNvPicPr>
+            <a:picLocks noChangeAspect="1" noChangeArrowheads="1"/>
+          </p:cNvPicPr>
+          <p:nvPr/>
+        </p:nvPicPr>
+        <p:blipFill>
+          <a:blip r:embed="rId4">
+            <a:extLst>
+              <a:ext uri="{28A0092B-C50C-407E-A947-70E740481C1C}">
+                <a14:useLocalDpi xmlns:a14="http://schemas.microsoft.com/office/drawing/2010/main" val="0"/>
+              </a:ext>
+            </a:extLst>
+          </a:blip>
+          <a:srcRect/>
+          <a:stretch>
+            <a:fillRect/>
+          </a:stretch>
+        </p:blipFill>
+        <p:spPr bwMode="auto">
+          <a:xfrm>
+            <a:off x="3886496" y="848360"/>
+            <a:ext cx="3543300" cy="2514600"/>
+          </a:xfrm>
+          <a:prstGeom prst="rect">
+            <a:avLst/>
+          </a:prstGeom>
+          <a:noFill/>
+          <a:extLst>
+            <a:ext uri="{909E8E84-426E-40DD-AFC4-6F175D3DCCD1}">
+              <a14:hiddenFill xmlns:a14="http://schemas.microsoft.com/office/drawing/2010/main">
+                <a:solidFill>
+                  <a:srgbClr val="FFFFFF"/>
+                </a:solidFill>
+              </a14:hiddenFill>
+            </a:ext>
+          </a:extLst>
+        </p:spPr>
+      </p:pic>
+      <p:pic>
+        <p:nvPicPr>
+          <p:cNvPr id="1034" name="Picture 10">
+            <a:extLst>
+              <a:ext uri="{FF2B5EF4-FFF2-40B4-BE49-F238E27FC236}">
+                <a16:creationId xmlns:a16="http://schemas.microsoft.com/office/drawing/2014/main" id="{DA8B53CA-AA2A-4E01-ABE3-A6255ECBE694}"/>
+              </a:ext>
+            </a:extLst>
+          </p:cNvPr>
+          <p:cNvPicPr>
+            <a:picLocks noChangeAspect="1" noChangeArrowheads="1"/>
+          </p:cNvPicPr>
+          <p:nvPr/>
+        </p:nvPicPr>
+        <p:blipFill>
+          <a:blip r:embed="rId5">
+            <a:extLst>
+              <a:ext uri="{28A0092B-C50C-407E-A947-70E740481C1C}">
+                <a14:useLocalDpi xmlns:a14="http://schemas.microsoft.com/office/drawing/2010/main" val="0"/>
+              </a:ext>
+            </a:extLst>
+          </a:blip>
+          <a:srcRect/>
+          <a:stretch>
+            <a:fillRect/>
+          </a:stretch>
+        </p:blipFill>
+        <p:spPr bwMode="auto">
+          <a:xfrm>
+            <a:off x="7677150" y="848360"/>
+            <a:ext cx="3543300" cy="2514600"/>
+          </a:xfrm>
+          <a:prstGeom prst="rect">
+            <a:avLst/>
+          </a:prstGeom>
+          <a:noFill/>
+          <a:extLst>
+            <a:ext uri="{909E8E84-426E-40DD-AFC4-6F175D3DCCD1}">
+              <a14:hiddenFill xmlns:a14="http://schemas.microsoft.com/office/drawing/2010/main">
+                <a:solidFill>
+                  <a:srgbClr val="FFFFFF"/>
+                </a:solidFill>
+              </a14:hiddenFill>
+            </a:ext>
+          </a:extLst>
+        </p:spPr>
+      </p:pic>
+      <p:pic>
+        <p:nvPicPr>
+          <p:cNvPr id="1036" name="Picture 12">
+            <a:extLst>
+              <a:ext uri="{FF2B5EF4-FFF2-40B4-BE49-F238E27FC236}">
+                <a16:creationId xmlns:a16="http://schemas.microsoft.com/office/drawing/2014/main" id="{12E79758-FDD6-429B-9025-536938A855D1}"/>
+              </a:ext>
+            </a:extLst>
+          </p:cNvPr>
+          <p:cNvPicPr>
+            <a:picLocks noGrp="1" noChangeAspect="1" noChangeArrowheads="1"/>
+          </p:cNvPicPr>
+          <p:nvPr>
+            <p:ph idx="1"/>
+          </p:nvPr>
+        </p:nvPicPr>
+        <p:blipFill>
+          <a:blip r:embed="rId6">
+            <a:extLst>
+              <a:ext uri="{28A0092B-C50C-407E-A947-70E740481C1C}">
+                <a14:useLocalDpi xmlns:a14="http://schemas.microsoft.com/office/drawing/2010/main" val="0"/>
+              </a:ext>
+            </a:extLst>
+          </a:blip>
+          <a:srcRect/>
+          <a:stretch>
+            <a:fillRect/>
+          </a:stretch>
+        </p:blipFill>
+        <p:spPr bwMode="auto">
+          <a:xfrm>
+            <a:off x="3886496" y="3362960"/>
+            <a:ext cx="3543300" cy="2514600"/>
+          </a:xfrm>
+          <a:prstGeom prst="rect">
+            <a:avLst/>
+          </a:prstGeom>
+          <a:noFill/>
+          <a:extLst>
+            <a:ext uri="{909E8E84-426E-40DD-AFC4-6F175D3DCCD1}">
+              <a14:hiddenFill xmlns:a14="http://schemas.microsoft.com/office/drawing/2010/main">
+                <a:solidFill>
+                  <a:srgbClr val="FFFFFF"/>
+                </a:solidFill>
+              </a14:hiddenFill>
+            </a:ext>
+          </a:extLst>
+        </p:spPr>
+      </p:pic>
+      <p:sp>
+        <p:nvSpPr>
+          <p:cNvPr id="4" name="TextBox 3">
+            <a:extLst>
+              <a:ext uri="{FF2B5EF4-FFF2-40B4-BE49-F238E27FC236}">
+                <a16:creationId xmlns:a16="http://schemas.microsoft.com/office/drawing/2014/main" id="{4322453E-A293-4895-B5D0-D593488D5A33}"/>
+              </a:ext>
+            </a:extLst>
+          </p:cNvPr>
+          <p:cNvSpPr txBox="1"/>
+          <p:nvPr/>
+        </p:nvSpPr>
+        <p:spPr>
+          <a:xfrm>
+            <a:off x="8319593" y="3846195"/>
+            <a:ext cx="3034207" cy="923330"/>
+          </a:xfrm>
+          <a:prstGeom prst="rect">
+            <a:avLst/>
+          </a:prstGeom>
+          <a:noFill/>
+        </p:spPr>
+        <p:txBody>
+          <a:bodyPr wrap="square" rtlCol="0">
+            <a:spAutoFit/>
+          </a:bodyPr>
+          <a:lstStyle/>
+          <a:p>
+            <a:r>
+              <a:rPr lang="en-US" dirty="0"/>
+              <a:t>With </a:t>
+            </a:r>
+            <a:r>
+              <a:rPr lang="en-US" dirty="0" err="1"/>
+              <a:t>Yuying’s</a:t>
+            </a:r>
+            <a:r>
+              <a:rPr lang="en-US" dirty="0"/>
+              <a:t> </a:t>
+            </a:r>
+            <a:r>
+              <a:rPr lang="en-US" dirty="0" err="1"/>
+              <a:t>nn</a:t>
+            </a:r>
+            <a:r>
+              <a:rPr lang="en-US" dirty="0"/>
+              <a:t> structure:</a:t>
+            </a:r>
+          </a:p>
+          <a:p>
+            <a:r>
+              <a:rPr lang="en-US" dirty="0"/>
+              <a:t>1 input and predicts next 5 steps in loss</a:t>
+            </a:r>
+          </a:p>
+        </p:txBody>
+      </p:sp>
+    </p:spTree>
+    <p:extLst>
+      <p:ext uri="{BB962C8B-B14F-4D97-AF65-F5344CB8AC3E}">
+        <p14:creationId xmlns:p14="http://schemas.microsoft.com/office/powerpoint/2010/main" val="3899633860"/>
+      </p:ext>
+    </p:extLst>
+  </p:cSld>
+  <p:clrMapOvr>
+    <a:masterClrMapping/>
+  </p:clrMapOvr>
+</p:sld>
+</file>
+
+<file path=ppt/slides/slide15.xml><?xml version="1.0" encoding="utf-8"?>
+<p:sld xmlns:a="http://schemas.openxmlformats.org/drawingml/2006/main" xmlns:r="http://schemas.openxmlformats.org/officeDocument/2006/relationships" xmlns:p="http://schemas.openxmlformats.org/presentationml/2006/main">
+  <p:cSld>
+    <p:spTree>
+      <p:nvGrpSpPr>
+        <p:cNvPr id="1" name=""/>
+        <p:cNvGrpSpPr/>
+        <p:nvPr/>
+      </p:nvGrpSpPr>
+      <p:grpSpPr>
+        <a:xfrm>
+          <a:off x="0" y="0"/>
+          <a:ext cx="0" cy="0"/>
+          <a:chOff x="0" y="0"/>
+          <a:chExt cx="0" cy="0"/>
+        </a:xfrm>
+      </p:grpSpPr>
+      <p:sp>
+        <p:nvSpPr>
+          <p:cNvPr id="2" name="Title 1">
+            <a:extLst>
+              <a:ext uri="{FF2B5EF4-FFF2-40B4-BE49-F238E27FC236}">
+                <a16:creationId xmlns:a16="http://schemas.microsoft.com/office/drawing/2014/main" id="{987DF386-D75C-49ED-9A0C-D02EFB5D2DDE}"/>
+              </a:ext>
+            </a:extLst>
+          </p:cNvPr>
+          <p:cNvSpPr>
+            <a:spLocks noGrp="1"/>
+          </p:cNvSpPr>
+          <p:nvPr>
+            <p:ph type="title"/>
+          </p:nvPr>
+        </p:nvSpPr>
+        <p:spPr/>
+        <p:txBody>
+          <a:bodyPr/>
+          <a:lstStyle/>
+          <a:p>
+            <a:endParaRPr lang="en-US"/>
+          </a:p>
+        </p:txBody>
+      </p:sp>
+      <p:sp>
+        <p:nvSpPr>
+          <p:cNvPr id="3" name="Content Placeholder 2">
+            <a:extLst>
+              <a:ext uri="{FF2B5EF4-FFF2-40B4-BE49-F238E27FC236}">
+                <a16:creationId xmlns:a16="http://schemas.microsoft.com/office/drawing/2014/main" id="{30A87081-521E-413D-8F97-61456E1094FC}"/>
+              </a:ext>
+            </a:extLst>
+          </p:cNvPr>
+          <p:cNvSpPr>
+            <a:spLocks noGrp="1"/>
+          </p:cNvSpPr>
+          <p:nvPr>
+            <p:ph idx="1"/>
+          </p:nvPr>
+        </p:nvSpPr>
+        <p:spPr/>
+        <p:txBody>
+          <a:bodyPr/>
+          <a:lstStyle/>
+          <a:p>
+            <a:endParaRPr lang="en-US"/>
+          </a:p>
+        </p:txBody>
+      </p:sp>
+      <p:pic>
+        <p:nvPicPr>
+          <p:cNvPr id="2050" name="Picture 2">
+            <a:extLst>
+              <a:ext uri="{FF2B5EF4-FFF2-40B4-BE49-F238E27FC236}">
+                <a16:creationId xmlns:a16="http://schemas.microsoft.com/office/drawing/2014/main" id="{E0165167-A47A-4F0E-AE39-04A50D2FFB65}"/>
+              </a:ext>
+            </a:extLst>
+          </p:cNvPr>
+          <p:cNvPicPr>
+            <a:picLocks noChangeAspect="1" noChangeArrowheads="1"/>
+          </p:cNvPicPr>
+          <p:nvPr/>
+        </p:nvPicPr>
+        <p:blipFill>
+          <a:blip r:embed="rId2">
+            <a:extLst>
+              <a:ext uri="{28A0092B-C50C-407E-A947-70E740481C1C}">
+                <a14:useLocalDpi xmlns:a14="http://schemas.microsoft.com/office/drawing/2010/main" val="0"/>
+              </a:ext>
+            </a:extLst>
+          </a:blip>
+          <a:srcRect/>
+          <a:stretch>
+            <a:fillRect/>
+          </a:stretch>
+        </p:blipFill>
+        <p:spPr bwMode="auto">
+          <a:xfrm>
+            <a:off x="7758987" y="568325"/>
+            <a:ext cx="3543300" cy="2514600"/>
+          </a:xfrm>
+          <a:prstGeom prst="rect">
+            <a:avLst/>
+          </a:prstGeom>
+          <a:noFill/>
+          <a:extLst>
+            <a:ext uri="{909E8E84-426E-40DD-AFC4-6F175D3DCCD1}">
+              <a14:hiddenFill xmlns:a14="http://schemas.microsoft.com/office/drawing/2010/main">
+                <a:solidFill>
+                  <a:srgbClr val="FFFFFF"/>
+                </a:solidFill>
+              </a14:hiddenFill>
+            </a:ext>
+          </a:extLst>
+        </p:spPr>
+      </p:pic>
+      <p:pic>
+        <p:nvPicPr>
+          <p:cNvPr id="2052" name="Picture 4">
+            <a:extLst>
+              <a:ext uri="{FF2B5EF4-FFF2-40B4-BE49-F238E27FC236}">
+                <a16:creationId xmlns:a16="http://schemas.microsoft.com/office/drawing/2014/main" id="{CF16760B-9F78-491B-AD4C-D847A49B2A1A}"/>
+              </a:ext>
+            </a:extLst>
+          </p:cNvPr>
+          <p:cNvPicPr>
+            <a:picLocks noChangeAspect="1" noChangeArrowheads="1"/>
+          </p:cNvPicPr>
+          <p:nvPr/>
+        </p:nvPicPr>
+        <p:blipFill>
+          <a:blip r:embed="rId3">
+            <a:extLst>
+              <a:ext uri="{28A0092B-C50C-407E-A947-70E740481C1C}">
+                <a14:useLocalDpi xmlns:a14="http://schemas.microsoft.com/office/drawing/2010/main" val="0"/>
+              </a:ext>
+            </a:extLst>
+          </a:blip>
+          <a:srcRect/>
+          <a:stretch>
+            <a:fillRect/>
+          </a:stretch>
+        </p:blipFill>
+        <p:spPr bwMode="auto">
+          <a:xfrm>
+            <a:off x="305435" y="4001294"/>
+            <a:ext cx="3543300" cy="2514600"/>
+          </a:xfrm>
+          <a:prstGeom prst="rect">
+            <a:avLst/>
+          </a:prstGeom>
+          <a:noFill/>
+          <a:extLst>
+            <a:ext uri="{909E8E84-426E-40DD-AFC4-6F175D3DCCD1}">
+              <a14:hiddenFill xmlns:a14="http://schemas.microsoft.com/office/drawing/2010/main">
+                <a:solidFill>
+                  <a:srgbClr val="FFFFFF"/>
+                </a:solidFill>
+              </a14:hiddenFill>
+            </a:ext>
+          </a:extLst>
+        </p:spPr>
+      </p:pic>
+      <p:pic>
+        <p:nvPicPr>
+          <p:cNvPr id="2054" name="Picture 6">
+            <a:extLst>
+              <a:ext uri="{FF2B5EF4-FFF2-40B4-BE49-F238E27FC236}">
+                <a16:creationId xmlns:a16="http://schemas.microsoft.com/office/drawing/2014/main" id="{A0AF4ADA-B5E0-4CD5-85A4-451433303D17}"/>
+              </a:ext>
+            </a:extLst>
+          </p:cNvPr>
+          <p:cNvPicPr>
+            <a:picLocks noChangeAspect="1" noChangeArrowheads="1"/>
+          </p:cNvPicPr>
+          <p:nvPr/>
+        </p:nvPicPr>
+        <p:blipFill>
+          <a:blip r:embed="rId4">
+            <a:extLst>
+              <a:ext uri="{28A0092B-C50C-407E-A947-70E740481C1C}">
+                <a14:useLocalDpi xmlns:a14="http://schemas.microsoft.com/office/drawing/2010/main" val="0"/>
+              </a:ext>
+            </a:extLst>
+          </a:blip>
+          <a:srcRect/>
+          <a:stretch>
+            <a:fillRect/>
+          </a:stretch>
+        </p:blipFill>
+        <p:spPr bwMode="auto">
+          <a:xfrm>
+            <a:off x="3937001" y="4140439"/>
+            <a:ext cx="3543300" cy="2514600"/>
+          </a:xfrm>
+          <a:prstGeom prst="rect">
+            <a:avLst/>
+          </a:prstGeom>
+          <a:noFill/>
+          <a:extLst>
+            <a:ext uri="{909E8E84-426E-40DD-AFC4-6F175D3DCCD1}">
+              <a14:hiddenFill xmlns:a14="http://schemas.microsoft.com/office/drawing/2010/main">
+                <a:solidFill>
+                  <a:srgbClr val="FFFFFF"/>
+                </a:solidFill>
+              </a14:hiddenFill>
+            </a:ext>
+          </a:extLst>
+        </p:spPr>
+      </p:pic>
+      <p:pic>
+        <p:nvPicPr>
+          <p:cNvPr id="2056" name="Picture 8">
+            <a:extLst>
+              <a:ext uri="{FF2B5EF4-FFF2-40B4-BE49-F238E27FC236}">
+                <a16:creationId xmlns:a16="http://schemas.microsoft.com/office/drawing/2014/main" id="{B0523661-F1AA-4DC8-B4C2-CC2C877634E0}"/>
+              </a:ext>
+            </a:extLst>
+          </p:cNvPr>
+          <p:cNvPicPr>
+            <a:picLocks noChangeAspect="1" noChangeArrowheads="1"/>
+          </p:cNvPicPr>
+          <p:nvPr/>
+        </p:nvPicPr>
+        <p:blipFill>
+          <a:blip r:embed="rId5">
+            <a:extLst>
+              <a:ext uri="{28A0092B-C50C-407E-A947-70E740481C1C}">
+                <a14:useLocalDpi xmlns:a14="http://schemas.microsoft.com/office/drawing/2010/main" val="0"/>
+              </a:ext>
+            </a:extLst>
+          </a:blip>
+          <a:srcRect/>
+          <a:stretch>
+            <a:fillRect/>
+          </a:stretch>
+        </p:blipFill>
+        <p:spPr bwMode="auto">
+          <a:xfrm>
+            <a:off x="7726998" y="4001294"/>
+            <a:ext cx="3543300" cy="2514600"/>
+          </a:xfrm>
+          <a:prstGeom prst="rect">
+            <a:avLst/>
+          </a:prstGeom>
+          <a:noFill/>
+          <a:extLst>
+            <a:ext uri="{909E8E84-426E-40DD-AFC4-6F175D3DCCD1}">
+              <a14:hiddenFill xmlns:a14="http://schemas.microsoft.com/office/drawing/2010/main">
+                <a:solidFill>
+                  <a:srgbClr val="FFFFFF"/>
+                </a:solidFill>
+              </a14:hiddenFill>
+            </a:ext>
+          </a:extLst>
+        </p:spPr>
+      </p:pic>
+      <p:sp>
+        <p:nvSpPr>
+          <p:cNvPr id="4" name="TextBox 3">
+            <a:extLst>
+              <a:ext uri="{FF2B5EF4-FFF2-40B4-BE49-F238E27FC236}">
+                <a16:creationId xmlns:a16="http://schemas.microsoft.com/office/drawing/2014/main" id="{5F030A27-A091-45AF-B984-548ECC1E0F67}"/>
+              </a:ext>
+            </a:extLst>
+          </p:cNvPr>
+          <p:cNvSpPr txBox="1"/>
+          <p:nvPr/>
+        </p:nvSpPr>
+        <p:spPr>
+          <a:xfrm>
+            <a:off x="8818881" y="3021013"/>
+            <a:ext cx="2204720" cy="1200329"/>
+          </a:xfrm>
+          <a:prstGeom prst="rect">
+            <a:avLst/>
+          </a:prstGeom>
+          <a:noFill/>
+        </p:spPr>
+        <p:txBody>
+          <a:bodyPr wrap="square" rtlCol="0">
+            <a:spAutoFit/>
+          </a:bodyPr>
+          <a:lstStyle/>
+          <a:p>
+            <a:r>
+              <a:rPr lang="en-US" dirty="0"/>
+              <a:t>Using 3 timesteps as inputs, </a:t>
+            </a:r>
+          </a:p>
+          <a:p>
+            <a:r>
+              <a:rPr lang="en-US" dirty="0"/>
+              <a:t>Predicts next 1 timestep in loss</a:t>
+            </a:r>
+          </a:p>
+        </p:txBody>
+      </p:sp>
+      <p:pic>
+        <p:nvPicPr>
+          <p:cNvPr id="2058" name="Picture 10">
+            <a:extLst>
+              <a:ext uri="{FF2B5EF4-FFF2-40B4-BE49-F238E27FC236}">
+                <a16:creationId xmlns:a16="http://schemas.microsoft.com/office/drawing/2014/main" id="{29657A41-6660-447D-B50D-C0DFE46C5055}"/>
+              </a:ext>
+            </a:extLst>
+          </p:cNvPr>
+          <p:cNvPicPr>
+            <a:picLocks noChangeAspect="1" noChangeArrowheads="1"/>
+          </p:cNvPicPr>
+          <p:nvPr/>
+        </p:nvPicPr>
+        <p:blipFill>
+          <a:blip r:embed="rId6">
+            <a:extLst>
+              <a:ext uri="{28A0092B-C50C-407E-A947-70E740481C1C}">
+                <a14:useLocalDpi xmlns:a14="http://schemas.microsoft.com/office/drawing/2010/main" val="0"/>
+              </a:ext>
+            </a:extLst>
+          </a:blip>
+          <a:srcRect/>
+          <a:stretch>
+            <a:fillRect/>
+          </a:stretch>
+        </p:blipFill>
+        <p:spPr bwMode="auto">
+          <a:xfrm>
+            <a:off x="554990" y="404973"/>
+            <a:ext cx="3543300" cy="2514600"/>
+          </a:xfrm>
+          <a:prstGeom prst="rect">
+            <a:avLst/>
+          </a:prstGeom>
+          <a:noFill/>
+          <a:extLst>
+            <a:ext uri="{909E8E84-426E-40DD-AFC4-6F175D3DCCD1}">
+              <a14:hiddenFill xmlns:a14="http://schemas.microsoft.com/office/drawing/2010/main">
+                <a:solidFill>
+                  <a:srgbClr val="FFFFFF"/>
+                </a:solidFill>
+              </a14:hiddenFill>
+            </a:ext>
+          </a:extLst>
+        </p:spPr>
+      </p:pic>
+      <p:pic>
+        <p:nvPicPr>
+          <p:cNvPr id="2060" name="Picture 12">
+            <a:extLst>
+              <a:ext uri="{FF2B5EF4-FFF2-40B4-BE49-F238E27FC236}">
+                <a16:creationId xmlns:a16="http://schemas.microsoft.com/office/drawing/2014/main" id="{E2E319B7-0AA5-4324-B9BB-F2A5A2B20144}"/>
+              </a:ext>
+            </a:extLst>
+          </p:cNvPr>
+          <p:cNvPicPr>
+            <a:picLocks noChangeAspect="1" noChangeArrowheads="1"/>
+          </p:cNvPicPr>
+          <p:nvPr/>
+        </p:nvPicPr>
+        <p:blipFill>
+          <a:blip r:embed="rId7">
+            <a:extLst>
+              <a:ext uri="{28A0092B-C50C-407E-A947-70E740481C1C}">
+                <a14:useLocalDpi xmlns:a14="http://schemas.microsoft.com/office/drawing/2010/main" val="0"/>
+              </a:ext>
+            </a:extLst>
+          </a:blip>
+          <a:srcRect/>
+          <a:stretch>
+            <a:fillRect/>
+          </a:stretch>
+        </p:blipFill>
+        <p:spPr bwMode="auto">
+          <a:xfrm>
+            <a:off x="4258867" y="636588"/>
+            <a:ext cx="3543300" cy="2514600"/>
+          </a:xfrm>
+          <a:prstGeom prst="rect">
+            <a:avLst/>
+          </a:prstGeom>
+          <a:noFill/>
+          <a:extLst>
+            <a:ext uri="{909E8E84-426E-40DD-AFC4-6F175D3DCCD1}">
+              <a14:hiddenFill xmlns:a14="http://schemas.microsoft.com/office/drawing/2010/main">
+                <a:solidFill>
+                  <a:srgbClr val="FFFFFF"/>
+                </a:solidFill>
+              </a14:hiddenFill>
+            </a:ext>
+          </a:extLst>
+        </p:spPr>
+      </p:pic>
+    </p:spTree>
+    <p:extLst>
+      <p:ext uri="{BB962C8B-B14F-4D97-AF65-F5344CB8AC3E}">
+        <p14:creationId xmlns:p14="http://schemas.microsoft.com/office/powerpoint/2010/main" val="3518478720"/>
       </p:ext>
     </p:extLst>
   </p:cSld>
